--- a/test_consensus.pptx
+++ b/test_consensus.pptx
@@ -2,24 +2,24 @@
 <file path=ppt/presentation.xml><?xml version="1.0" encoding="utf-8"?>
 <p:presentation xmlns:a="http://schemas.openxmlformats.org/drawingml/2006/main" xmlns:r="http://schemas.openxmlformats.org/officeDocument/2006/relationships" xmlns:p="http://schemas.openxmlformats.org/presentationml/2006/main">
   <p:sldMasterIdLst>
-    <p:sldMasterId id="2147483648" r:id="rId1"/>
+    <p:sldMasterId id="2147483672" r:id="rId1"/>
   </p:sldMasterIdLst>
   <p:sldIdLst>
-    <p:sldId id="256" r:id="rId3"/>
-    <p:sldId id="257" r:id="rId4"/>
-    <p:sldId id="258" r:id="rId5"/>
-    <p:sldId id="259" r:id="rId6"/>
+    <p:sldId id="256" r:id="rId2"/>
+    <p:sldId id="257" r:id="rId3"/>
+    <p:sldId id="258" r:id="rId4"/>
+    <p:sldId id="259" r:id="rId5"/>
   </p:sldIdLst>
   <p:sldSz cx="12192000" cy="6858000"/>
   <p:notesSz cx="6858000" cy="9144000"/>
   <p:custDataLst>
-    <p:tags r:id="rId10"/>
+    <p:tags r:id="rId6"/>
   </p:custDataLst>
   <p:defaultTextStyle>
     <a:defPPr>
-      <a:defRPr lang="zh-CN"/>
+      <a:defRPr lang="en-US"/>
     </a:defPPr>
-    <a:lvl1pPr marL="0" algn="l" defTabSz="914400" rtl="0" eaLnBrk="1" latinLnBrk="0" hangingPunct="1">
+    <a:lvl1pPr marL="0" algn="l" defTabSz="457200" rtl="0" eaLnBrk="1" latinLnBrk="0" hangingPunct="1">
       <a:defRPr sz="1800" kern="1200">
         <a:solidFill>
           <a:schemeClr val="tx1"/>
@@ -29,7 +29,7 @@
         <a:cs typeface="+mn-cs"/>
       </a:defRPr>
     </a:lvl1pPr>
-    <a:lvl2pPr marL="457200" algn="l" defTabSz="914400" rtl="0" eaLnBrk="1" latinLnBrk="0" hangingPunct="1">
+    <a:lvl2pPr marL="457200" algn="l" defTabSz="457200" rtl="0" eaLnBrk="1" latinLnBrk="0" hangingPunct="1">
       <a:defRPr sz="1800" kern="1200">
         <a:solidFill>
           <a:schemeClr val="tx1"/>
@@ -39,7 +39,7 @@
         <a:cs typeface="+mn-cs"/>
       </a:defRPr>
     </a:lvl2pPr>
-    <a:lvl3pPr marL="914400" algn="l" defTabSz="914400" rtl="0" eaLnBrk="1" latinLnBrk="0" hangingPunct="1">
+    <a:lvl3pPr marL="914400" algn="l" defTabSz="457200" rtl="0" eaLnBrk="1" latinLnBrk="0" hangingPunct="1">
       <a:defRPr sz="1800" kern="1200">
         <a:solidFill>
           <a:schemeClr val="tx1"/>
@@ -49,7 +49,7 @@
         <a:cs typeface="+mn-cs"/>
       </a:defRPr>
     </a:lvl3pPr>
-    <a:lvl4pPr marL="1371600" algn="l" defTabSz="914400" rtl="0" eaLnBrk="1" latinLnBrk="0" hangingPunct="1">
+    <a:lvl4pPr marL="1371600" algn="l" defTabSz="457200" rtl="0" eaLnBrk="1" latinLnBrk="0" hangingPunct="1">
       <a:defRPr sz="1800" kern="1200">
         <a:solidFill>
           <a:schemeClr val="tx1"/>
@@ -59,7 +59,7 @@
         <a:cs typeface="+mn-cs"/>
       </a:defRPr>
     </a:lvl4pPr>
-    <a:lvl5pPr marL="1828800" algn="l" defTabSz="914400" rtl="0" eaLnBrk="1" latinLnBrk="0" hangingPunct="1">
+    <a:lvl5pPr marL="1828800" algn="l" defTabSz="457200" rtl="0" eaLnBrk="1" latinLnBrk="0" hangingPunct="1">
       <a:defRPr sz="1800" kern="1200">
         <a:solidFill>
           <a:schemeClr val="tx1"/>
@@ -69,7 +69,7 @@
         <a:cs typeface="+mn-cs"/>
       </a:defRPr>
     </a:lvl5pPr>
-    <a:lvl6pPr marL="2286000" algn="l" defTabSz="914400" rtl="0" eaLnBrk="1" latinLnBrk="0" hangingPunct="1">
+    <a:lvl6pPr marL="2286000" algn="l" defTabSz="457200" rtl="0" eaLnBrk="1" latinLnBrk="0" hangingPunct="1">
       <a:defRPr sz="1800" kern="1200">
         <a:solidFill>
           <a:schemeClr val="tx1"/>
@@ -79,7 +79,7 @@
         <a:cs typeface="+mn-cs"/>
       </a:defRPr>
     </a:lvl6pPr>
-    <a:lvl7pPr marL="2743200" algn="l" defTabSz="914400" rtl="0" eaLnBrk="1" latinLnBrk="0" hangingPunct="1">
+    <a:lvl7pPr marL="2743200" algn="l" defTabSz="457200" rtl="0" eaLnBrk="1" latinLnBrk="0" hangingPunct="1">
       <a:defRPr sz="1800" kern="1200">
         <a:solidFill>
           <a:schemeClr val="tx1"/>
@@ -89,7 +89,7 @@
         <a:cs typeface="+mn-cs"/>
       </a:defRPr>
     </a:lvl7pPr>
-    <a:lvl8pPr marL="3200400" algn="l" defTabSz="914400" rtl="0" eaLnBrk="1" latinLnBrk="0" hangingPunct="1">
+    <a:lvl8pPr marL="3200400" algn="l" defTabSz="457200" rtl="0" eaLnBrk="1" latinLnBrk="0" hangingPunct="1">
       <a:defRPr sz="1800" kern="1200">
         <a:solidFill>
           <a:schemeClr val="tx1"/>
@@ -99,7 +99,7 @@
         <a:cs typeface="+mn-cs"/>
       </a:defRPr>
     </a:lvl8pPr>
-    <a:lvl9pPr marL="3657600" algn="l" defTabSz="914400" rtl="0" eaLnBrk="1" latinLnBrk="0" hangingPunct="1">
+    <a:lvl9pPr marL="3657600" algn="l" defTabSz="457200" rtl="0" eaLnBrk="1" latinLnBrk="0" hangingPunct="1">
       <a:defRPr sz="1800" kern="1200">
         <a:solidFill>
           <a:schemeClr val="tx1"/>
@@ -125,6 +125,9 @@
         </p15:guide>
       </p15:sldGuideLst>
     </p:ext>
+    <p:ext uri="{2D200454-40CA-4A62-9FC3-DE9A4176ACB9}">
+      <p15:notesGuideLst xmlns:p15="http://schemas.microsoft.com/office/powerpoint/2012/main"/>
+    </p:ext>
   </p:extLst>
 </p:presentation>
 </file>
@@ -148,27 +151,22 @@
       </p:grpSpPr>
       <p:sp>
         <p:nvSpPr>
-          <p:cNvPr id="2" name="标题 1"/>
+          <p:cNvPr id="2" name="Title 1"/>
           <p:cNvSpPr>
             <a:spLocks noGrp="1"/>
           </p:cNvSpPr>
           <p:nvPr>
             <p:ph type="ctrTitle"/>
-            <p:custDataLst>
-              <p:tags r:id="rId2"/>
-            </p:custDataLst>
           </p:nvPr>
         </p:nvSpPr>
         <p:spPr>
           <a:xfrm>
-            <a:off x="1198800" y="914400"/>
-            <a:ext cx="9799200" cy="2570400"/>
+            <a:off x="1524000" y="1122363"/>
+            <a:ext cx="9144000" cy="2387600"/>
           </a:xfrm>
         </p:spPr>
         <p:txBody>
-          <a:bodyPr lIns="90000" tIns="46800" rIns="90000" bIns="46800" anchor="b" anchorCtr="0">
-            <a:normAutofit/>
-          </a:bodyPr>
+          <a:bodyPr anchor="b"/>
           <a:lstStyle>
             <a:lvl1pPr algn="ctr">
               <a:defRPr sz="6000"/>
@@ -176,94 +174,630 @@
           </a:lstStyle>
           <a:p>
             <a:r>
-              <a:rPr lang="zh-CN" altLang="en-US" dirty="0"/>
+              <a:rPr lang="zh-CN" altLang="en-US"/>
               <a:t>单击此处编辑母版标题样式</a:t>
             </a:r>
+            <a:endParaRPr lang="en-US" dirty="0"/>
+          </a:p>
+        </p:txBody>
+      </p:sp>
+      <p:sp>
+        <p:nvSpPr>
+          <p:cNvPr id="3" name="Subtitle 2"/>
+          <p:cNvSpPr>
+            <a:spLocks noGrp="1"/>
+          </p:cNvSpPr>
+          <p:nvPr>
+            <p:ph type="subTitle" idx="1"/>
+          </p:nvPr>
+        </p:nvSpPr>
+        <p:spPr>
+          <a:xfrm>
+            <a:off x="1524000" y="3602038"/>
+            <a:ext cx="9144000" cy="1655762"/>
+          </a:xfrm>
+        </p:spPr>
+        <p:txBody>
+          <a:bodyPr/>
+          <a:lstStyle>
+            <a:lvl1pPr marL="0" indent="0" algn="ctr">
+              <a:buNone/>
+              <a:defRPr sz="2400"/>
+            </a:lvl1pPr>
+            <a:lvl2pPr marL="457200" indent="0" algn="ctr">
+              <a:buNone/>
+              <a:defRPr sz="2000"/>
+            </a:lvl2pPr>
+            <a:lvl3pPr marL="914400" indent="0" algn="ctr">
+              <a:buNone/>
+              <a:defRPr sz="1800"/>
+            </a:lvl3pPr>
+            <a:lvl4pPr marL="1371600" indent="0" algn="ctr">
+              <a:buNone/>
+              <a:defRPr sz="1600"/>
+            </a:lvl4pPr>
+            <a:lvl5pPr marL="1828800" indent="0" algn="ctr">
+              <a:buNone/>
+              <a:defRPr sz="1600"/>
+            </a:lvl5pPr>
+            <a:lvl6pPr marL="2286000" indent="0" algn="ctr">
+              <a:buNone/>
+              <a:defRPr sz="1600"/>
+            </a:lvl6pPr>
+            <a:lvl7pPr marL="2743200" indent="0" algn="ctr">
+              <a:buNone/>
+              <a:defRPr sz="1600"/>
+            </a:lvl7pPr>
+            <a:lvl8pPr marL="3200400" indent="0" algn="ctr">
+              <a:buNone/>
+              <a:defRPr sz="1600"/>
+            </a:lvl8pPr>
+            <a:lvl9pPr marL="3657600" indent="0" algn="ctr">
+              <a:buNone/>
+              <a:defRPr sz="1600"/>
+            </a:lvl9pPr>
+          </a:lstStyle>
+          <a:p>
+            <a:r>
+              <a:rPr lang="zh-CN" altLang="en-US"/>
+              <a:t>单击此处编辑母版副标题样式</a:t>
+            </a:r>
+            <a:endParaRPr lang="en-US" dirty="0"/>
+          </a:p>
+        </p:txBody>
+      </p:sp>
+      <p:sp>
+        <p:nvSpPr>
+          <p:cNvPr id="4" name="Date Placeholder 3"/>
+          <p:cNvSpPr>
+            <a:spLocks noGrp="1"/>
+          </p:cNvSpPr>
+          <p:nvPr>
+            <p:ph type="dt" sz="half" idx="10"/>
+          </p:nvPr>
+        </p:nvSpPr>
+        <p:spPr/>
+        <p:txBody>
+          <a:bodyPr/>
+          <a:lstStyle/>
+          <a:p>
+            <a:fld id="{760FBDFE-C587-4B4C-A407-44438C67B59E}" type="datetimeFigureOut">
+              <a:rPr lang="zh-CN" altLang="en-US" smtClean="0"/>
+              <a:t>2024/7/22</a:t>
+            </a:fld>
+            <a:endParaRPr lang="zh-CN" altLang="en-US"/>
+          </a:p>
+        </p:txBody>
+      </p:sp>
+      <p:sp>
+        <p:nvSpPr>
+          <p:cNvPr id="5" name="Footer Placeholder 4"/>
+          <p:cNvSpPr>
+            <a:spLocks noGrp="1"/>
+          </p:cNvSpPr>
+          <p:nvPr>
+            <p:ph type="ftr" sz="quarter" idx="11"/>
+          </p:nvPr>
+        </p:nvSpPr>
+        <p:spPr/>
+        <p:txBody>
+          <a:bodyPr/>
+          <a:lstStyle/>
+          <a:p>
             <a:endParaRPr lang="zh-CN" altLang="en-US" dirty="0"/>
           </a:p>
         </p:txBody>
       </p:sp>
       <p:sp>
         <p:nvSpPr>
-          <p:cNvPr id="3" name="副标题 2"/>
-          <p:cNvSpPr>
-            <a:spLocks noGrp="1"/>
-          </p:cNvSpPr>
-          <p:nvPr>
-            <p:ph type="subTitle" idx="1"/>
+          <p:cNvPr id="6" name="Slide Number Placeholder 5"/>
+          <p:cNvSpPr>
+            <a:spLocks noGrp="1"/>
+          </p:cNvSpPr>
+          <p:nvPr>
+            <p:ph type="sldNum" sz="quarter" idx="12"/>
+          </p:nvPr>
+        </p:nvSpPr>
+        <p:spPr/>
+        <p:txBody>
+          <a:bodyPr/>
+          <a:lstStyle/>
+          <a:p>
+            <a:fld id="{49AE70B2-8BF9-45C0-BB95-33D1B9D3A854}" type="slidenum">
+              <a:rPr lang="zh-CN" altLang="en-US" smtClean="0"/>
+              <a:t>‹#›</a:t>
+            </a:fld>
+            <a:endParaRPr lang="zh-CN" altLang="en-US" dirty="0"/>
+          </a:p>
+        </p:txBody>
+      </p:sp>
+    </p:spTree>
+    <p:extLst>
+      <p:ext uri="{BB962C8B-B14F-4D97-AF65-F5344CB8AC3E}">
+        <p14:creationId xmlns:p14="http://schemas.microsoft.com/office/powerpoint/2010/main" val="1931172169"/>
+      </p:ext>
+    </p:extLst>
+  </p:cSld>
+  <p:clrMapOvr>
+    <a:masterClrMapping/>
+  </p:clrMapOvr>
+</p:sldLayout>
+</file>
+
+<file path=ppt/slideLayouts/slideLayout10.xml><?xml version="1.0" encoding="utf-8"?>
+<p:sldLayout xmlns:a="http://schemas.openxmlformats.org/drawingml/2006/main" xmlns:r="http://schemas.openxmlformats.org/officeDocument/2006/relationships" xmlns:p="http://schemas.openxmlformats.org/presentationml/2006/main" type="vertTx" preserve="1">
+  <p:cSld name="标题和竖排文字">
+    <p:spTree>
+      <p:nvGrpSpPr>
+        <p:cNvPr id="1" name=""/>
+        <p:cNvGrpSpPr/>
+        <p:nvPr/>
+      </p:nvGrpSpPr>
+      <p:grpSpPr>
+        <a:xfrm>
+          <a:off x="0" y="0"/>
+          <a:ext cx="0" cy="0"/>
+          <a:chOff x="0" y="0"/>
+          <a:chExt cx="0" cy="0"/>
+        </a:xfrm>
+      </p:grpSpPr>
+      <p:sp>
+        <p:nvSpPr>
+          <p:cNvPr id="2" name="Title 1"/>
+          <p:cNvSpPr>
+            <a:spLocks noGrp="1"/>
+          </p:cNvSpPr>
+          <p:nvPr>
+            <p:ph type="title"/>
+          </p:nvPr>
+        </p:nvSpPr>
+        <p:spPr/>
+        <p:txBody>
+          <a:bodyPr/>
+          <a:lstStyle/>
+          <a:p>
+            <a:r>
+              <a:rPr lang="zh-CN" altLang="en-US"/>
+              <a:t>单击此处编辑母版标题样式</a:t>
+            </a:r>
+            <a:endParaRPr lang="en-US" dirty="0"/>
+          </a:p>
+        </p:txBody>
+      </p:sp>
+      <p:sp>
+        <p:nvSpPr>
+          <p:cNvPr id="3" name="Vertical Text Placeholder 2"/>
+          <p:cNvSpPr>
+            <a:spLocks noGrp="1"/>
+          </p:cNvSpPr>
+          <p:nvPr>
+            <p:ph type="body" orient="vert" idx="1"/>
+          </p:nvPr>
+        </p:nvSpPr>
+        <p:spPr/>
+        <p:txBody>
+          <a:bodyPr vert="eaVert"/>
+          <a:lstStyle/>
+          <a:p>
+            <a:pPr lvl="0"/>
+            <a:r>
+              <a:rPr lang="zh-CN" altLang="en-US"/>
+              <a:t>单击此处编辑母版文本样式</a:t>
+            </a:r>
+          </a:p>
+          <a:p>
+            <a:pPr lvl="1"/>
+            <a:r>
+              <a:rPr lang="zh-CN" altLang="en-US"/>
+              <a:t>二级</a:t>
+            </a:r>
+          </a:p>
+          <a:p>
+            <a:pPr lvl="2"/>
+            <a:r>
+              <a:rPr lang="zh-CN" altLang="en-US"/>
+              <a:t>三级</a:t>
+            </a:r>
+          </a:p>
+          <a:p>
+            <a:pPr lvl="3"/>
+            <a:r>
+              <a:rPr lang="zh-CN" altLang="en-US"/>
+              <a:t>四级</a:t>
+            </a:r>
+          </a:p>
+          <a:p>
+            <a:pPr lvl="4"/>
+            <a:r>
+              <a:rPr lang="zh-CN" altLang="en-US"/>
+              <a:t>五级</a:t>
+            </a:r>
+            <a:endParaRPr lang="en-US" dirty="0"/>
+          </a:p>
+        </p:txBody>
+      </p:sp>
+      <p:sp>
+        <p:nvSpPr>
+          <p:cNvPr id="4" name="Date Placeholder 3"/>
+          <p:cNvSpPr>
+            <a:spLocks noGrp="1"/>
+          </p:cNvSpPr>
+          <p:nvPr>
+            <p:ph type="dt" sz="half" idx="10"/>
+          </p:nvPr>
+        </p:nvSpPr>
+        <p:spPr/>
+        <p:txBody>
+          <a:bodyPr/>
+          <a:lstStyle/>
+          <a:p>
+            <a:fld id="{760FBDFE-C587-4B4C-A407-44438C67B59E}" type="datetimeFigureOut">
+              <a:rPr lang="zh-CN" altLang="en-US" smtClean="0"/>
+              <a:t>2024/7/22</a:t>
+            </a:fld>
+            <a:endParaRPr lang="zh-CN" altLang="en-US"/>
+          </a:p>
+        </p:txBody>
+      </p:sp>
+      <p:sp>
+        <p:nvSpPr>
+          <p:cNvPr id="5" name="Footer Placeholder 4"/>
+          <p:cNvSpPr>
+            <a:spLocks noGrp="1"/>
+          </p:cNvSpPr>
+          <p:nvPr>
+            <p:ph type="ftr" sz="quarter" idx="11"/>
+          </p:nvPr>
+        </p:nvSpPr>
+        <p:spPr/>
+        <p:txBody>
+          <a:bodyPr/>
+          <a:lstStyle/>
+          <a:p>
+            <a:endParaRPr lang="zh-CN" altLang="en-US" dirty="0"/>
+          </a:p>
+        </p:txBody>
+      </p:sp>
+      <p:sp>
+        <p:nvSpPr>
+          <p:cNvPr id="6" name="Slide Number Placeholder 5"/>
+          <p:cNvSpPr>
+            <a:spLocks noGrp="1"/>
+          </p:cNvSpPr>
+          <p:nvPr>
+            <p:ph type="sldNum" sz="quarter" idx="12"/>
+          </p:nvPr>
+        </p:nvSpPr>
+        <p:spPr/>
+        <p:txBody>
+          <a:bodyPr/>
+          <a:lstStyle/>
+          <a:p>
+            <a:fld id="{49AE70B2-8BF9-45C0-BB95-33D1B9D3A854}" type="slidenum">
+              <a:rPr lang="zh-CN" altLang="en-US" smtClean="0"/>
+              <a:t>‹#›</a:t>
+            </a:fld>
+            <a:endParaRPr lang="zh-CN" altLang="en-US" dirty="0"/>
+          </a:p>
+        </p:txBody>
+      </p:sp>
+    </p:spTree>
+    <p:extLst>
+      <p:ext uri="{BB962C8B-B14F-4D97-AF65-F5344CB8AC3E}">
+        <p14:creationId xmlns:p14="http://schemas.microsoft.com/office/powerpoint/2010/main" val="2725130531"/>
+      </p:ext>
+    </p:extLst>
+  </p:cSld>
+  <p:clrMapOvr>
+    <a:masterClrMapping/>
+  </p:clrMapOvr>
+</p:sldLayout>
+</file>
+
+<file path=ppt/slideLayouts/slideLayout11.xml><?xml version="1.0" encoding="utf-8"?>
+<p:sldLayout xmlns:a="http://schemas.openxmlformats.org/drawingml/2006/main" xmlns:r="http://schemas.openxmlformats.org/officeDocument/2006/relationships" xmlns:p="http://schemas.openxmlformats.org/presentationml/2006/main" type="vertTitleAndTx" preserve="1">
+  <p:cSld name="竖排标题与文本">
+    <p:spTree>
+      <p:nvGrpSpPr>
+        <p:cNvPr id="1" name=""/>
+        <p:cNvGrpSpPr/>
+        <p:nvPr/>
+      </p:nvGrpSpPr>
+      <p:grpSpPr>
+        <a:xfrm>
+          <a:off x="0" y="0"/>
+          <a:ext cx="0" cy="0"/>
+          <a:chOff x="0" y="0"/>
+          <a:chExt cx="0" cy="0"/>
+        </a:xfrm>
+      </p:grpSpPr>
+      <p:sp>
+        <p:nvSpPr>
+          <p:cNvPr id="2" name="Vertical Title 1"/>
+          <p:cNvSpPr>
+            <a:spLocks noGrp="1"/>
+          </p:cNvSpPr>
+          <p:nvPr>
+            <p:ph type="title" orient="vert"/>
+          </p:nvPr>
+        </p:nvSpPr>
+        <p:spPr>
+          <a:xfrm>
+            <a:off x="8724900" y="365125"/>
+            <a:ext cx="2628900" cy="5811838"/>
+          </a:xfrm>
+        </p:spPr>
+        <p:txBody>
+          <a:bodyPr vert="eaVert"/>
+          <a:lstStyle/>
+          <a:p>
+            <a:r>
+              <a:rPr lang="zh-CN" altLang="en-US"/>
+              <a:t>单击此处编辑母版标题样式</a:t>
+            </a:r>
+            <a:endParaRPr lang="en-US" dirty="0"/>
+          </a:p>
+        </p:txBody>
+      </p:sp>
+      <p:sp>
+        <p:nvSpPr>
+          <p:cNvPr id="3" name="Vertical Text Placeholder 2"/>
+          <p:cNvSpPr>
+            <a:spLocks noGrp="1"/>
+          </p:cNvSpPr>
+          <p:nvPr>
+            <p:ph type="body" orient="vert" idx="1"/>
+          </p:nvPr>
+        </p:nvSpPr>
+        <p:spPr>
+          <a:xfrm>
+            <a:off x="838200" y="365125"/>
+            <a:ext cx="7734300" cy="5811838"/>
+          </a:xfrm>
+        </p:spPr>
+        <p:txBody>
+          <a:bodyPr vert="eaVert"/>
+          <a:lstStyle/>
+          <a:p>
+            <a:pPr lvl="0"/>
+            <a:r>
+              <a:rPr lang="zh-CN" altLang="en-US"/>
+              <a:t>单击此处编辑母版文本样式</a:t>
+            </a:r>
+          </a:p>
+          <a:p>
+            <a:pPr lvl="1"/>
+            <a:r>
+              <a:rPr lang="zh-CN" altLang="en-US"/>
+              <a:t>二级</a:t>
+            </a:r>
+          </a:p>
+          <a:p>
+            <a:pPr lvl="2"/>
+            <a:r>
+              <a:rPr lang="zh-CN" altLang="en-US"/>
+              <a:t>三级</a:t>
+            </a:r>
+          </a:p>
+          <a:p>
+            <a:pPr lvl="3"/>
+            <a:r>
+              <a:rPr lang="zh-CN" altLang="en-US"/>
+              <a:t>四级</a:t>
+            </a:r>
+          </a:p>
+          <a:p>
+            <a:pPr lvl="4"/>
+            <a:r>
+              <a:rPr lang="zh-CN" altLang="en-US"/>
+              <a:t>五级</a:t>
+            </a:r>
+            <a:endParaRPr lang="en-US" dirty="0"/>
+          </a:p>
+        </p:txBody>
+      </p:sp>
+      <p:sp>
+        <p:nvSpPr>
+          <p:cNvPr id="4" name="Date Placeholder 3"/>
+          <p:cNvSpPr>
+            <a:spLocks noGrp="1"/>
+          </p:cNvSpPr>
+          <p:nvPr>
+            <p:ph type="dt" sz="half" idx="10"/>
+          </p:nvPr>
+        </p:nvSpPr>
+        <p:spPr/>
+        <p:txBody>
+          <a:bodyPr/>
+          <a:lstStyle/>
+          <a:p>
+            <a:fld id="{760FBDFE-C587-4B4C-A407-44438C67B59E}" type="datetimeFigureOut">
+              <a:rPr lang="zh-CN" altLang="en-US" smtClean="0"/>
+              <a:t>2024/7/22</a:t>
+            </a:fld>
+            <a:endParaRPr lang="zh-CN" altLang="en-US"/>
+          </a:p>
+        </p:txBody>
+      </p:sp>
+      <p:sp>
+        <p:nvSpPr>
+          <p:cNvPr id="5" name="Footer Placeholder 4"/>
+          <p:cNvSpPr>
+            <a:spLocks noGrp="1"/>
+          </p:cNvSpPr>
+          <p:nvPr>
+            <p:ph type="ftr" sz="quarter" idx="11"/>
+          </p:nvPr>
+        </p:nvSpPr>
+        <p:spPr/>
+        <p:txBody>
+          <a:bodyPr/>
+          <a:lstStyle/>
+          <a:p>
+            <a:endParaRPr lang="zh-CN" altLang="en-US"/>
+          </a:p>
+        </p:txBody>
+      </p:sp>
+      <p:sp>
+        <p:nvSpPr>
+          <p:cNvPr id="6" name="Slide Number Placeholder 5"/>
+          <p:cNvSpPr>
+            <a:spLocks noGrp="1"/>
+          </p:cNvSpPr>
+          <p:nvPr>
+            <p:ph type="sldNum" sz="quarter" idx="12"/>
+          </p:nvPr>
+        </p:nvSpPr>
+        <p:spPr/>
+        <p:txBody>
+          <a:bodyPr/>
+          <a:lstStyle/>
+          <a:p>
+            <a:fld id="{49AE70B2-8BF9-45C0-BB95-33D1B9D3A854}" type="slidenum">
+              <a:rPr lang="zh-CN" altLang="en-US" smtClean="0"/>
+              <a:t>‹#›</a:t>
+            </a:fld>
+            <a:endParaRPr lang="zh-CN" altLang="en-US"/>
+          </a:p>
+        </p:txBody>
+      </p:sp>
+    </p:spTree>
+    <p:extLst>
+      <p:ext uri="{BB962C8B-B14F-4D97-AF65-F5344CB8AC3E}">
+        <p14:creationId xmlns:p14="http://schemas.microsoft.com/office/powerpoint/2010/main" val="614212999"/>
+      </p:ext>
+    </p:extLst>
+  </p:cSld>
+  <p:clrMapOvr>
+    <a:masterClrMapping/>
+  </p:clrMapOvr>
+</p:sldLayout>
+</file>
+
+<file path=ppt/slideLayouts/slideLayout12.xml><?xml version="1.0" encoding="utf-8"?>
+<p:sldLayout xmlns:a="http://schemas.openxmlformats.org/drawingml/2006/main" xmlns:r="http://schemas.openxmlformats.org/officeDocument/2006/relationships" xmlns:p="http://schemas.openxmlformats.org/presentationml/2006/main" preserve="1" userDrawn="1">
+  <p:cSld name="1_图片与标题">
+    <p:spTree>
+      <p:nvGrpSpPr>
+        <p:cNvPr id="1" name=""/>
+        <p:cNvGrpSpPr/>
+        <p:nvPr/>
+      </p:nvGrpSpPr>
+      <p:grpSpPr>
+        <a:xfrm>
+          <a:off x="0" y="0"/>
+          <a:ext cx="0" cy="0"/>
+          <a:chOff x="0" y="0"/>
+          <a:chExt cx="0" cy="0"/>
+        </a:xfrm>
+      </p:grpSpPr>
+      <p:sp>
+        <p:nvSpPr>
+          <p:cNvPr id="3" name="图片占位符 2"/>
+          <p:cNvSpPr>
+            <a:spLocks noGrp="1"/>
+          </p:cNvSpPr>
+          <p:nvPr>
+            <p:ph type="pic" idx="1"/>
+            <p:custDataLst>
+              <p:tags r:id="rId1"/>
+            </p:custDataLst>
+          </p:nvPr>
+        </p:nvSpPr>
+        <p:spPr>
+          <a:xfrm>
+            <a:off x="608400" y="1555200"/>
+            <a:ext cx="5233077" cy="4608000"/>
+          </a:xfrm>
+        </p:spPr>
+        <p:txBody>
+          <a:bodyPr vert="horz" lIns="90000" tIns="46800" rIns="90000" bIns="46800" rtlCol="0">
+            <a:normAutofit/>
+          </a:bodyPr>
+          <a:lstStyle>
+            <a:lvl1pPr>
+              <a:buNone/>
+              <a:defRPr sz="1600"/>
+            </a:lvl1pPr>
+          </a:lstStyle>
+          <a:p>
+            <a:pPr lvl="0"/>
+            <a:endParaRPr lang="zh-CN" altLang="en-US"/>
+          </a:p>
+        </p:txBody>
+      </p:sp>
+      <p:sp>
+        <p:nvSpPr>
+          <p:cNvPr id="4" name="文本占位符 3"/>
+          <p:cNvSpPr>
+            <a:spLocks noGrp="1"/>
+          </p:cNvSpPr>
+          <p:nvPr>
+            <p:ph type="body" sz="half" idx="2"/>
+            <p:custDataLst>
+              <p:tags r:id="rId2"/>
+            </p:custDataLst>
+          </p:nvPr>
+        </p:nvSpPr>
+        <p:spPr>
+          <a:xfrm>
+            <a:off x="6350400" y="1555200"/>
+            <a:ext cx="5227200" cy="4608000"/>
+          </a:xfrm>
+        </p:spPr>
+        <p:txBody>
+          <a:bodyPr vert="horz" lIns="90000" tIns="46800" rIns="90000" bIns="46800" rtlCol="0">
+            <a:normAutofit/>
+          </a:bodyPr>
+          <a:lstStyle>
+            <a:lvl1pPr>
+              <a:buNone/>
+              <a:defRPr sz="1600"/>
+            </a:lvl1pPr>
+          </a:lstStyle>
+          <a:p>
+            <a:pPr lvl="0"/>
+            <a:r>
+              <a:rPr lang="zh-CN" altLang="en-US"/>
+              <a:t>单击此处编辑母版文本样式</a:t>
+            </a:r>
+          </a:p>
+        </p:txBody>
+      </p:sp>
+      <p:sp>
+        <p:nvSpPr>
+          <p:cNvPr id="5" name="日期占位符 4"/>
+          <p:cNvSpPr>
+            <a:spLocks noGrp="1"/>
+          </p:cNvSpPr>
+          <p:nvPr>
+            <p:ph type="dt" sz="half" idx="10"/>
             <p:custDataLst>
               <p:tags r:id="rId3"/>
             </p:custDataLst>
           </p:nvPr>
         </p:nvSpPr>
-        <p:spPr>
-          <a:xfrm>
-            <a:off x="1198800" y="3560400"/>
-            <a:ext cx="9799200" cy="1472400"/>
-          </a:xfrm>
-        </p:spPr>
-        <p:txBody>
-          <a:bodyPr lIns="90000" tIns="46800" rIns="90000" bIns="46800">
-            <a:normAutofit/>
-          </a:bodyPr>
-          <a:lstStyle>
-            <a:lvl1pPr marL="0" indent="0" algn="ctr">
-              <a:lnSpc>
-                <a:spcPct val="110000"/>
-              </a:lnSpc>
-              <a:buNone/>
-              <a:defRPr sz="2400" spc="200"/>
-            </a:lvl1pPr>
-            <a:lvl2pPr marL="457200" indent="0" algn="ctr">
-              <a:buNone/>
-              <a:defRPr sz="2000"/>
-            </a:lvl2pPr>
-            <a:lvl3pPr marL="914400" indent="0" algn="ctr">
-              <a:buNone/>
-              <a:defRPr sz="1800"/>
-            </a:lvl3pPr>
-            <a:lvl4pPr marL="1371600" indent="0" algn="ctr">
-              <a:buNone/>
-              <a:defRPr sz="1600"/>
-            </a:lvl4pPr>
-            <a:lvl5pPr marL="1828800" indent="0" algn="ctr">
-              <a:buNone/>
-              <a:defRPr sz="1600"/>
-            </a:lvl5pPr>
-            <a:lvl6pPr marL="2286000" indent="0" algn="ctr">
-              <a:buNone/>
-              <a:defRPr sz="1600"/>
-            </a:lvl6pPr>
-            <a:lvl7pPr marL="2743200" indent="0" algn="ctr">
-              <a:buNone/>
-              <a:defRPr sz="1600"/>
-            </a:lvl7pPr>
-            <a:lvl8pPr marL="3200400" indent="0" algn="ctr">
-              <a:buNone/>
-              <a:defRPr sz="1600"/>
-            </a:lvl8pPr>
-            <a:lvl9pPr marL="3657600" indent="0" algn="ctr">
-              <a:buNone/>
-              <a:defRPr sz="1600"/>
-            </a:lvl9pPr>
-          </a:lstStyle>
-          <a:p>
-            <a:r>
-              <a:rPr lang="zh-CN" altLang="en-US" dirty="0"/>
-              <a:t>单击此处编辑母版副标题样式</a:t>
-            </a:r>
+        <p:spPr/>
+        <p:txBody>
+          <a:bodyPr/>
+          <a:lstStyle/>
+          <a:p>
+            <a:fld id="{9EFD9D74-47D9-4702-A33C-335B63B48DBF}" type="datetimeFigureOut">
+              <a:rPr lang="zh-CN" altLang="en-US" smtClean="0"/>
+              <a:t>2024/7/22</a:t>
+            </a:fld>
             <a:endParaRPr lang="zh-CN" altLang="en-US" dirty="0"/>
           </a:p>
         </p:txBody>
       </p:sp>
       <p:sp>
         <p:nvSpPr>
-          <p:cNvPr id="16" name="日期占位符 15"/>
-          <p:cNvSpPr>
-            <a:spLocks noGrp="1"/>
-          </p:cNvSpPr>
-          <p:nvPr>
-            <p:ph type="dt" sz="half" idx="10"/>
+          <p:cNvPr id="6" name="页脚占位符 5"/>
+          <p:cNvSpPr>
+            <a:spLocks noGrp="1"/>
+          </p:cNvSpPr>
+          <p:nvPr>
+            <p:ph type="ftr" sz="quarter" idx="11"/>
             <p:custDataLst>
               <p:tags r:id="rId4"/>
             </p:custDataLst>
@@ -274,21 +808,18 @@
           <a:bodyPr/>
           <a:lstStyle/>
           <a:p>
-            <a:fld id="{760FBDFE-C587-4B4C-A407-44438C67B59E}" type="datetimeFigureOut">
-              <a:rPr lang="zh-CN" altLang="en-US" smtClean="0"/>
-            </a:fld>
-            <a:endParaRPr lang="zh-CN" altLang="en-US"/>
-          </a:p>
-        </p:txBody>
-      </p:sp>
-      <p:sp>
-        <p:nvSpPr>
-          <p:cNvPr id="17" name="页脚占位符 16"/>
-          <p:cNvSpPr>
-            <a:spLocks noGrp="1"/>
-          </p:cNvSpPr>
-          <p:nvPr>
-            <p:ph type="ftr" sz="quarter" idx="11"/>
+            <a:endParaRPr lang="zh-CN" altLang="en-US" dirty="0"/>
+          </a:p>
+        </p:txBody>
+      </p:sp>
+      <p:sp>
+        <p:nvSpPr>
+          <p:cNvPr id="7" name="灯片编号占位符 6"/>
+          <p:cNvSpPr>
+            <a:spLocks noGrp="1"/>
+          </p:cNvSpPr>
+          <p:nvPr>
+            <p:ph type="sldNum" sz="quarter" idx="12"/>
             <p:custDataLst>
               <p:tags r:id="rId5"/>
             </p:custDataLst>
@@ -299,18 +830,22 @@
           <a:bodyPr/>
           <a:lstStyle/>
           <a:p>
-            <a:endParaRPr lang="zh-CN" altLang="en-US" dirty="0"/>
-          </a:p>
-        </p:txBody>
-      </p:sp>
-      <p:sp>
-        <p:nvSpPr>
-          <p:cNvPr id="18" name="灯片编号占位符 17"/>
-          <p:cNvSpPr>
-            <a:spLocks noGrp="1"/>
-          </p:cNvSpPr>
-          <p:nvPr>
-            <p:ph type="sldNum" sz="quarter" idx="12"/>
+            <a:fld id="{FABC47A4-756D-490B-A52F-7D9E2C9FC05F}" type="slidenum">
+              <a:rPr lang="zh-CN" altLang="en-US" smtClean="0"/>
+              <a:t>‹#›</a:t>
+            </a:fld>
+            <a:endParaRPr lang="zh-CN" altLang="en-US"/>
+          </a:p>
+        </p:txBody>
+      </p:sp>
+      <p:sp>
+        <p:nvSpPr>
+          <p:cNvPr id="9" name="标题 8"/>
+          <p:cNvSpPr>
+            <a:spLocks noGrp="1"/>
+          </p:cNvSpPr>
+          <p:nvPr>
+            <p:ph type="title"/>
             <p:custDataLst>
               <p:tags r:id="rId6"/>
             </p:custDataLst>
@@ -321,10 +856,10 @@
           <a:bodyPr/>
           <a:lstStyle/>
           <a:p>
-            <a:fld id="{49AE70B2-8BF9-45C0-BB95-33D1B9D3A854}" type="slidenum">
-              <a:rPr lang="zh-CN" altLang="en-US" smtClean="0"/>
-            </a:fld>
-            <a:endParaRPr lang="zh-CN" altLang="en-US" dirty="0"/>
+            <a:r>
+              <a:rPr lang="zh-CN" altLang="en-US"/>
+              <a:t>单击此处编辑母版标题样式</a:t>
+            </a:r>
           </a:p>
         </p:txBody>
       </p:sp>
@@ -336,7 +871,7 @@
 </p:sldLayout>
 </file>
 
-<file path=ppt/slideLayouts/slideLayout10.xml><?xml version="1.0" encoding="utf-8"?>
+<file path=ppt/slideLayouts/slideLayout13.xml><?xml version="1.0" encoding="utf-8"?>
 <p:sldLayout xmlns:a="http://schemas.openxmlformats.org/drawingml/2006/main" xmlns:r="http://schemas.openxmlformats.org/officeDocument/2006/relationships" xmlns:p="http://schemas.openxmlformats.org/presentationml/2006/main" preserve="1" userDrawn="1">
   <p:cSld name="内容">
     <p:spTree>
@@ -362,6 +897,32 @@
           <p:nvPr>
             <p:ph type="dt" sz="half" idx="10"/>
             <p:custDataLst>
+              <p:tags r:id="rId1"/>
+            </p:custDataLst>
+          </p:nvPr>
+        </p:nvSpPr>
+        <p:spPr/>
+        <p:txBody>
+          <a:bodyPr/>
+          <a:lstStyle/>
+          <a:p>
+            <a:fld id="{760FBDFE-C587-4B4C-A407-44438C67B59E}" type="datetimeFigureOut">
+              <a:rPr lang="zh-CN" altLang="en-US" smtClean="0"/>
+              <a:t>2024/7/22</a:t>
+            </a:fld>
+            <a:endParaRPr lang="zh-CN" altLang="en-US"/>
+          </a:p>
+        </p:txBody>
+      </p:sp>
+      <p:sp>
+        <p:nvSpPr>
+          <p:cNvPr id="4" name="页脚占位符 3"/>
+          <p:cNvSpPr>
+            <a:spLocks noGrp="1"/>
+          </p:cNvSpPr>
+          <p:nvPr>
+            <p:ph type="ftr" sz="quarter" idx="11"/>
+            <p:custDataLst>
               <p:tags r:id="rId2"/>
             </p:custDataLst>
           </p:nvPr>
@@ -371,21 +932,18 @@
           <a:bodyPr/>
           <a:lstStyle/>
           <a:p>
-            <a:fld id="{760FBDFE-C587-4B4C-A407-44438C67B59E}" type="datetimeFigureOut">
-              <a:rPr lang="zh-CN" altLang="en-US" smtClean="0"/>
-            </a:fld>
             <a:endParaRPr lang="zh-CN" altLang="en-US"/>
           </a:p>
         </p:txBody>
       </p:sp>
       <p:sp>
         <p:nvSpPr>
-          <p:cNvPr id="4" name="页脚占位符 3"/>
-          <p:cNvSpPr>
-            <a:spLocks noGrp="1"/>
-          </p:cNvSpPr>
-          <p:nvPr>
-            <p:ph type="ftr" sz="quarter" idx="11"/>
+          <p:cNvPr id="5" name="灯片编号占位符 4"/>
+          <p:cNvSpPr>
+            <a:spLocks noGrp="1"/>
+          </p:cNvSpPr>
+          <p:nvPr>
+            <p:ph type="sldNum" sz="quarter" idx="12"/>
             <p:custDataLst>
               <p:tags r:id="rId3"/>
             </p:custDataLst>
@@ -396,45 +954,24 @@
           <a:bodyPr/>
           <a:lstStyle/>
           <a:p>
+            <a:fld id="{49AE70B2-8BF9-45C0-BB95-33D1B9D3A854}" type="slidenum">
+              <a:rPr lang="zh-CN" altLang="en-US" smtClean="0"/>
+              <a:t>‹#›</a:t>
+            </a:fld>
             <a:endParaRPr lang="zh-CN" altLang="en-US"/>
           </a:p>
         </p:txBody>
       </p:sp>
       <p:sp>
         <p:nvSpPr>
-          <p:cNvPr id="5" name="灯片编号占位符 4"/>
-          <p:cNvSpPr>
-            <a:spLocks noGrp="1"/>
-          </p:cNvSpPr>
-          <p:nvPr>
-            <p:ph type="sldNum" sz="quarter" idx="12"/>
+          <p:cNvPr id="7" name="内容占位符 6"/>
+          <p:cNvSpPr>
+            <a:spLocks noGrp="1"/>
+          </p:cNvSpPr>
+          <p:nvPr>
+            <p:ph sz="quarter" idx="13"/>
             <p:custDataLst>
               <p:tags r:id="rId4"/>
-            </p:custDataLst>
-          </p:nvPr>
-        </p:nvSpPr>
-        <p:spPr/>
-        <p:txBody>
-          <a:bodyPr/>
-          <a:lstStyle/>
-          <a:p>
-            <a:fld id="{49AE70B2-8BF9-45C0-BB95-33D1B9D3A854}" type="slidenum">
-              <a:rPr lang="zh-CN" altLang="en-US" smtClean="0"/>
-            </a:fld>
-            <a:endParaRPr lang="zh-CN" altLang="en-US"/>
-          </a:p>
-        </p:txBody>
-      </p:sp>
-      <p:sp>
-        <p:nvSpPr>
-          <p:cNvPr id="7" name="内容占位符 6"/>
-          <p:cNvSpPr>
-            <a:spLocks noGrp="1"/>
-          </p:cNvSpPr>
-          <p:nvPr>
-            <p:ph sz="quarter" idx="13"/>
-            <p:custDataLst>
-              <p:tags r:id="rId5"/>
             </p:custDataLst>
           </p:nvPr>
         </p:nvSpPr>
@@ -453,7 +990,6 @@
               <a:rPr lang="zh-CN" altLang="en-US" dirty="0"/>
               <a:t>单击此处编辑母版文本样式</a:t>
             </a:r>
-            <a:endParaRPr lang="zh-CN" altLang="en-US" dirty="0"/>
           </a:p>
           <a:p>
             <a:pPr lvl="1"/>
@@ -461,7 +997,6 @@
               <a:rPr lang="zh-CN" altLang="en-US" dirty="0"/>
               <a:t>第二级</a:t>
             </a:r>
-            <a:endParaRPr lang="zh-CN" altLang="en-US" dirty="0"/>
           </a:p>
           <a:p>
             <a:pPr lvl="2"/>
@@ -469,7 +1004,6 @@
               <a:rPr lang="zh-CN" altLang="en-US" dirty="0"/>
               <a:t>第三级</a:t>
             </a:r>
-            <a:endParaRPr lang="zh-CN" altLang="en-US" dirty="0"/>
           </a:p>
           <a:p>
             <a:pPr lvl="3"/>
@@ -477,7 +1011,6 @@
               <a:rPr lang="zh-CN" altLang="en-US" dirty="0"/>
               <a:t>第四级</a:t>
             </a:r>
-            <a:endParaRPr lang="zh-CN" altLang="en-US" dirty="0"/>
           </a:p>
           <a:p>
             <a:pPr lvl="4"/>
@@ -485,7 +1018,6 @@
               <a:rPr lang="zh-CN" altLang="en-US" dirty="0"/>
               <a:t>第五级</a:t>
             </a:r>
-            <a:endParaRPr lang="zh-CN" altLang="en-US" dirty="0"/>
           </a:p>
         </p:txBody>
       </p:sp>
@@ -497,7 +1029,7 @@
 </p:sldLayout>
 </file>
 
-<file path=ppt/slideLayouts/slideLayout11.xml><?xml version="1.0" encoding="utf-8"?>
+<file path=ppt/slideLayouts/slideLayout14.xml><?xml version="1.0" encoding="utf-8"?>
 <p:sldLayout xmlns:a="http://schemas.openxmlformats.org/drawingml/2006/main" xmlns:r="http://schemas.openxmlformats.org/officeDocument/2006/relationships" xmlns:p="http://schemas.openxmlformats.org/presentationml/2006/main" preserve="1" userDrawn="1">
   <p:cSld name="末尾幻灯片">
     <p:spTree>
@@ -523,6 +1055,32 @@
           <p:nvPr>
             <p:ph type="dt" sz="half" idx="10"/>
             <p:custDataLst>
+              <p:tags r:id="rId1"/>
+            </p:custDataLst>
+          </p:nvPr>
+        </p:nvSpPr>
+        <p:spPr/>
+        <p:txBody>
+          <a:bodyPr/>
+          <a:lstStyle/>
+          <a:p>
+            <a:fld id="{760FBDFE-C587-4B4C-A407-44438C67B59E}" type="datetimeFigureOut">
+              <a:rPr lang="zh-CN" altLang="en-US" smtClean="0"/>
+              <a:t>2024/7/22</a:t>
+            </a:fld>
+            <a:endParaRPr lang="zh-CN" altLang="en-US"/>
+          </a:p>
+        </p:txBody>
+      </p:sp>
+      <p:sp>
+        <p:nvSpPr>
+          <p:cNvPr id="4" name="页脚占位符 3"/>
+          <p:cNvSpPr>
+            <a:spLocks noGrp="1"/>
+          </p:cNvSpPr>
+          <p:nvPr>
+            <p:ph type="ftr" sz="quarter" idx="11"/>
+            <p:custDataLst>
               <p:tags r:id="rId2"/>
             </p:custDataLst>
           </p:nvPr>
@@ -532,21 +1090,18 @@
           <a:bodyPr/>
           <a:lstStyle/>
           <a:p>
-            <a:fld id="{760FBDFE-C587-4B4C-A407-44438C67B59E}" type="datetimeFigureOut">
-              <a:rPr lang="zh-CN" altLang="en-US" smtClean="0"/>
-            </a:fld>
             <a:endParaRPr lang="zh-CN" altLang="en-US"/>
           </a:p>
         </p:txBody>
       </p:sp>
       <p:sp>
         <p:nvSpPr>
-          <p:cNvPr id="4" name="页脚占位符 3"/>
-          <p:cNvSpPr>
-            <a:spLocks noGrp="1"/>
-          </p:cNvSpPr>
-          <p:nvPr>
-            <p:ph type="ftr" sz="quarter" idx="11"/>
+          <p:cNvPr id="5" name="灯片编号占位符 4"/>
+          <p:cNvSpPr>
+            <a:spLocks noGrp="1"/>
+          </p:cNvSpPr>
+          <p:nvPr>
+            <p:ph type="sldNum" sz="quarter" idx="12"/>
             <p:custDataLst>
               <p:tags r:id="rId3"/>
             </p:custDataLst>
@@ -557,45 +1112,24 @@
           <a:bodyPr/>
           <a:lstStyle/>
           <a:p>
+            <a:fld id="{49AE70B2-8BF9-45C0-BB95-33D1B9D3A854}" type="slidenum">
+              <a:rPr lang="zh-CN" altLang="en-US" smtClean="0"/>
+              <a:t>‹#›</a:t>
+            </a:fld>
             <a:endParaRPr lang="zh-CN" altLang="en-US"/>
           </a:p>
         </p:txBody>
       </p:sp>
       <p:sp>
         <p:nvSpPr>
-          <p:cNvPr id="5" name="灯片编号占位符 4"/>
-          <p:cNvSpPr>
-            <a:spLocks noGrp="1"/>
-          </p:cNvSpPr>
-          <p:nvPr>
-            <p:ph type="sldNum" sz="quarter" idx="12"/>
+          <p:cNvPr id="2" name="标题 1"/>
+          <p:cNvSpPr>
+            <a:spLocks noGrp="1"/>
+          </p:cNvSpPr>
+          <p:nvPr>
+            <p:ph type="title" hasCustomPrompt="1"/>
             <p:custDataLst>
               <p:tags r:id="rId4"/>
-            </p:custDataLst>
-          </p:nvPr>
-        </p:nvSpPr>
-        <p:spPr/>
-        <p:txBody>
-          <a:bodyPr/>
-          <a:lstStyle/>
-          <a:p>
-            <a:fld id="{49AE70B2-8BF9-45C0-BB95-33D1B9D3A854}" type="slidenum">
-              <a:rPr lang="zh-CN" altLang="en-US" smtClean="0"/>
-            </a:fld>
-            <a:endParaRPr lang="zh-CN" altLang="en-US"/>
-          </a:p>
-        </p:txBody>
-      </p:sp>
-      <p:sp>
-        <p:nvSpPr>
-          <p:cNvPr id="2" name="标题 1"/>
-          <p:cNvSpPr>
-            <a:spLocks noGrp="1"/>
-          </p:cNvSpPr>
-          <p:nvPr>
-            <p:ph type="title" hasCustomPrompt="1"/>
-            <p:custDataLst>
-              <p:tags r:id="rId5"/>
             </p:custDataLst>
           </p:nvPr>
         </p:nvSpPr>
@@ -617,10 +1151,9 @@
           <a:p>
             <a:pPr lvl="0"/>
             <a:r>
-              <a:rPr lang="zh-CN" altLang="en-US" smtClean="0"/>
+              <a:rPr lang="zh-CN" altLang="en-US"/>
               <a:t>单击此处编辑标题</a:t>
             </a:r>
-            <a:endParaRPr lang="zh-CN" altLang="en-US"/>
           </a:p>
         </p:txBody>
       </p:sp>
@@ -633,7 +1166,7 @@
           <p:nvPr>
             <p:ph type="body" sz="quarter" idx="13"/>
             <p:custDataLst>
-              <p:tags r:id="rId6"/>
+              <p:tags r:id="rId5"/>
             </p:custDataLst>
           </p:nvPr>
         </p:nvSpPr>
@@ -662,7 +1195,6 @@
               <a:rPr lang="zh-CN" altLang="en-US" dirty="0"/>
               <a:t>单击此处编辑母版文本样式</a:t>
             </a:r>
-            <a:endParaRPr lang="zh-CN" altLang="en-US" dirty="0"/>
           </a:p>
         </p:txBody>
       </p:sp>
@@ -693,115 +1225,87 @@
       </p:grpSpPr>
       <p:sp>
         <p:nvSpPr>
-          <p:cNvPr id="2" name="标题 1"/>
+          <p:cNvPr id="2" name="Title 1"/>
           <p:cNvSpPr>
             <a:spLocks noGrp="1"/>
           </p:cNvSpPr>
           <p:nvPr>
             <p:ph type="title"/>
-            <p:custDataLst>
-              <p:tags r:id="rId2"/>
-            </p:custDataLst>
-          </p:nvPr>
-        </p:nvSpPr>
-        <p:spPr>
-          <a:xfrm>
-            <a:off x="608400" y="608400"/>
-            <a:ext cx="10969200" cy="705600"/>
-          </a:xfrm>
-        </p:spPr>
-        <p:txBody>
-          <a:bodyPr vert="horz" lIns="90000" tIns="46800" rIns="90000" bIns="46800" rtlCol="0" anchor="ctr" anchorCtr="0">
-            <a:normAutofit/>
-          </a:bodyPr>
+          </p:nvPr>
+        </p:nvSpPr>
+        <p:spPr/>
+        <p:txBody>
+          <a:bodyPr/>
+          <a:lstStyle/>
+          <a:p>
+            <a:r>
+              <a:rPr lang="zh-CN" altLang="en-US"/>
+              <a:t>单击此处编辑母版标题样式</a:t>
+            </a:r>
+            <a:endParaRPr lang="en-US" dirty="0"/>
+          </a:p>
+        </p:txBody>
+      </p:sp>
+      <p:sp>
+        <p:nvSpPr>
+          <p:cNvPr id="3" name="Content Placeholder 2"/>
+          <p:cNvSpPr>
+            <a:spLocks noGrp="1"/>
+          </p:cNvSpPr>
+          <p:nvPr>
+            <p:ph idx="1"/>
+          </p:nvPr>
+        </p:nvSpPr>
+        <p:spPr/>
+        <p:txBody>
+          <a:bodyPr/>
           <a:lstStyle/>
           <a:p>
             <a:pPr lvl="0"/>
             <a:r>
-              <a:rPr lang="zh-CN" altLang="en-US" smtClean="0"/>
-              <a:t>单击此处编辑母版标题样式</a:t>
-            </a:r>
-            <a:endParaRPr lang="zh-CN" altLang="en-US"/>
-          </a:p>
-        </p:txBody>
-      </p:sp>
-      <p:sp>
-        <p:nvSpPr>
-          <p:cNvPr id="3" name="内容占位符 2"/>
-          <p:cNvSpPr>
-            <a:spLocks noGrp="1"/>
-          </p:cNvSpPr>
-          <p:nvPr>
-            <p:ph idx="1"/>
-            <p:custDataLst>
-              <p:tags r:id="rId3"/>
-            </p:custDataLst>
-          </p:nvPr>
-        </p:nvSpPr>
-        <p:spPr>
-          <a:xfrm>
-            <a:off x="608400" y="1490400"/>
-            <a:ext cx="10969200" cy="4759200"/>
-          </a:xfrm>
-        </p:spPr>
-        <p:txBody>
-          <a:bodyPr vert="horz" lIns="90000" tIns="46800" rIns="90000" bIns="46800" rtlCol="0">
-            <a:normAutofit/>
-          </a:bodyPr>
-          <a:lstStyle/>
-          <a:p>
-            <a:pPr lvl="0"/>
-            <a:r>
-              <a:rPr lang="zh-CN" altLang="en-US" smtClean="0"/>
+              <a:rPr lang="zh-CN" altLang="en-US"/>
               <a:t>单击此处编辑母版文本样式</a:t>
             </a:r>
-            <a:endParaRPr lang="zh-CN" altLang="en-US" smtClean="0"/>
           </a:p>
           <a:p>
             <a:pPr lvl="1"/>
             <a:r>
-              <a:rPr lang="zh-CN" altLang="en-US" smtClean="0"/>
-              <a:t>第二级</a:t>
-            </a:r>
-            <a:endParaRPr lang="zh-CN" altLang="en-US" smtClean="0"/>
+              <a:rPr lang="zh-CN" altLang="en-US"/>
+              <a:t>二级</a:t>
+            </a:r>
           </a:p>
           <a:p>
             <a:pPr lvl="2"/>
             <a:r>
-              <a:rPr lang="zh-CN" altLang="en-US" smtClean="0"/>
-              <a:t>第三级</a:t>
-            </a:r>
-            <a:endParaRPr lang="zh-CN" altLang="en-US" smtClean="0"/>
+              <a:rPr lang="zh-CN" altLang="en-US"/>
+              <a:t>三级</a:t>
+            </a:r>
           </a:p>
           <a:p>
             <a:pPr lvl="3"/>
             <a:r>
-              <a:rPr lang="zh-CN" altLang="en-US" smtClean="0"/>
-              <a:t>第四级</a:t>
-            </a:r>
-            <a:endParaRPr lang="zh-CN" altLang="en-US" smtClean="0"/>
+              <a:rPr lang="zh-CN" altLang="en-US"/>
+              <a:t>四级</a:t>
+            </a:r>
           </a:p>
           <a:p>
             <a:pPr lvl="4"/>
             <a:r>
-              <a:rPr lang="zh-CN" altLang="en-US" smtClean="0"/>
-              <a:t>第五级</a:t>
-            </a:r>
-            <a:endParaRPr lang="zh-CN" altLang="en-US"/>
-          </a:p>
-        </p:txBody>
-      </p:sp>
-      <p:sp>
-        <p:nvSpPr>
-          <p:cNvPr id="4" name="日期占位符 3"/>
+              <a:rPr lang="zh-CN" altLang="en-US"/>
+              <a:t>五级</a:t>
+            </a:r>
+            <a:endParaRPr lang="en-US" dirty="0"/>
+          </a:p>
+        </p:txBody>
+      </p:sp>
+      <p:sp>
+        <p:nvSpPr>
+          <p:cNvPr id="4" name="Date Placeholder 3"/>
           <p:cNvSpPr>
             <a:spLocks noGrp="1"/>
           </p:cNvSpPr>
           <p:nvPr>
             <p:ph type="dt" sz="half" idx="10"/>
-            <p:custDataLst>
-              <p:tags r:id="rId4"/>
-            </p:custDataLst>
           </p:nvPr>
         </p:nvSpPr>
         <p:spPr/>
@@ -811,6 +1315,7 @@
           <a:p>
             <a:fld id="{760FBDFE-C587-4B4C-A407-44438C67B59E}" type="datetimeFigureOut">
               <a:rPr lang="zh-CN" altLang="en-US" smtClean="0"/>
+              <a:t>2024/7/22</a:t>
             </a:fld>
             <a:endParaRPr lang="zh-CN" altLang="en-US"/>
           </a:p>
@@ -818,15 +1323,12 @@
       </p:sp>
       <p:sp>
         <p:nvSpPr>
-          <p:cNvPr id="5" name="页脚占位符 4"/>
+          <p:cNvPr id="5" name="Footer Placeholder 4"/>
           <p:cNvSpPr>
             <a:spLocks noGrp="1"/>
           </p:cNvSpPr>
           <p:nvPr>
             <p:ph type="ftr" sz="quarter" idx="11"/>
-            <p:custDataLst>
-              <p:tags r:id="rId5"/>
-            </p:custDataLst>
           </p:nvPr>
         </p:nvSpPr>
         <p:spPr/>
@@ -840,15 +1342,12 @@
       </p:sp>
       <p:sp>
         <p:nvSpPr>
-          <p:cNvPr id="6" name="灯片编号占位符 5"/>
+          <p:cNvPr id="6" name="Slide Number Placeholder 5"/>
           <p:cNvSpPr>
             <a:spLocks noGrp="1"/>
           </p:cNvSpPr>
           <p:nvPr>
             <p:ph type="sldNum" sz="quarter" idx="12"/>
-            <p:custDataLst>
-              <p:tags r:id="rId6"/>
-            </p:custDataLst>
           </p:nvPr>
         </p:nvSpPr>
         <p:spPr/>
@@ -858,12 +1357,18 @@
           <a:p>
             <a:fld id="{49AE70B2-8BF9-45C0-BB95-33D1B9D3A854}" type="slidenum">
               <a:rPr lang="zh-CN" altLang="en-US" smtClean="0"/>
+              <a:t>‹#›</a:t>
             </a:fld>
             <a:endParaRPr lang="zh-CN" altLang="en-US"/>
           </a:p>
         </p:txBody>
       </p:sp>
     </p:spTree>
+    <p:extLst>
+      <p:ext uri="{BB962C8B-B14F-4D97-AF65-F5344CB8AC3E}">
+        <p14:creationId xmlns:p14="http://schemas.microsoft.com/office/powerpoint/2010/main" val="206139543"/>
+      </p:ext>
+    </p:extLst>
   </p:cSld>
   <p:clrMapOvr>
     <a:masterClrMapping/>
@@ -890,79 +1395,68 @@
       </p:grpSpPr>
       <p:sp>
         <p:nvSpPr>
-          <p:cNvPr id="2" name="标题 1"/>
-          <p:cNvSpPr>
-            <a:spLocks noGrp="1"/>
-          </p:cNvSpPr>
-          <p:nvPr>
-            <p:ph type="title" hasCustomPrompt="1"/>
-            <p:custDataLst>
-              <p:tags r:id="rId2"/>
-            </p:custDataLst>
+          <p:cNvPr id="2" name="Title 1"/>
+          <p:cNvSpPr>
+            <a:spLocks noGrp="1"/>
+          </p:cNvSpPr>
+          <p:nvPr>
+            <p:ph type="title"/>
           </p:nvPr>
         </p:nvSpPr>
         <p:spPr>
           <a:xfrm>
-            <a:off x="1990800" y="3848400"/>
-            <a:ext cx="7768800" cy="766800"/>
+            <a:off x="831850" y="1709738"/>
+            <a:ext cx="10515600" cy="2852737"/>
           </a:xfrm>
         </p:spPr>
         <p:txBody>
-          <a:bodyPr lIns="90000" tIns="46800" rIns="90000" bIns="46800" anchor="b" anchorCtr="0">
-            <a:normAutofit/>
-          </a:bodyPr>
+          <a:bodyPr anchor="b"/>
           <a:lstStyle>
             <a:lvl1pPr>
-              <a:defRPr sz="4400"/>
+              <a:defRPr sz="6000"/>
             </a:lvl1pPr>
           </a:lstStyle>
           <a:p>
             <a:r>
-              <a:rPr lang="zh-CN" altLang="en-US" dirty="0"/>
-              <a:t>单击此处编辑标题</a:t>
-            </a:r>
-            <a:endParaRPr lang="zh-CN" altLang="en-US" dirty="0"/>
-          </a:p>
-        </p:txBody>
-      </p:sp>
-      <p:sp>
-        <p:nvSpPr>
-          <p:cNvPr id="3" name="文本占位符 2"/>
-          <p:cNvSpPr>
-            <a:spLocks noGrp="1"/>
-          </p:cNvSpPr>
-          <p:nvPr>
-            <p:ph type="body" idx="1" hasCustomPrompt="1"/>
-            <p:custDataLst>
-              <p:tags r:id="rId3"/>
-            </p:custDataLst>
+              <a:rPr lang="zh-CN" altLang="en-US"/>
+              <a:t>单击此处编辑母版标题样式</a:t>
+            </a:r>
+            <a:endParaRPr lang="en-US" dirty="0"/>
+          </a:p>
+        </p:txBody>
+      </p:sp>
+      <p:sp>
+        <p:nvSpPr>
+          <p:cNvPr id="3" name="Text Placeholder 2"/>
+          <p:cNvSpPr>
+            <a:spLocks noGrp="1"/>
+          </p:cNvSpPr>
+          <p:nvPr>
+            <p:ph type="body" idx="1"/>
           </p:nvPr>
         </p:nvSpPr>
         <p:spPr>
           <a:xfrm>
-            <a:off x="1990800" y="4615200"/>
-            <a:ext cx="7768800" cy="867600"/>
+            <a:off x="831850" y="4589463"/>
+            <a:ext cx="10515600" cy="1500187"/>
           </a:xfrm>
         </p:spPr>
         <p:txBody>
-          <a:bodyPr lIns="90000" tIns="46800" rIns="90000" bIns="46800">
-            <a:normAutofit/>
-          </a:bodyPr>
+          <a:bodyPr/>
           <a:lstStyle>
             <a:lvl1pPr marL="0" indent="0">
               <a:buNone/>
-              <a:defRPr sz="1800">
+              <a:defRPr sz="2400">
                 <a:solidFill>
                   <a:schemeClr val="tx1">
-                    <a:lumMod val="65000"/>
-                    <a:lumOff val="35000"/>
+                    <a:tint val="75000"/>
                   </a:schemeClr>
                 </a:solidFill>
               </a:defRPr>
             </a:lvl1pPr>
             <a:lvl2pPr marL="457200" indent="0">
               <a:buNone/>
-              <a:defRPr sz="1600">
+              <a:defRPr sz="2000">
                 <a:solidFill>
                   <a:schemeClr val="tx1">
                     <a:tint val="75000"/>
@@ -972,7 +1466,7 @@
             </a:lvl2pPr>
             <a:lvl3pPr marL="914400" indent="0">
               <a:buNone/>
-              <a:defRPr sz="1600">
+              <a:defRPr sz="1800">
                 <a:solidFill>
                   <a:schemeClr val="tx1">
                     <a:tint val="75000"/>
@@ -1044,24 +1538,20 @@
           <a:p>
             <a:pPr lvl="0"/>
             <a:r>
-              <a:rPr lang="zh-CN" altLang="en-US" dirty="0"/>
-              <a:t>单击此处编辑文本</a:t>
-            </a:r>
-            <a:endParaRPr lang="zh-CN" altLang="en-US" dirty="0"/>
-          </a:p>
-        </p:txBody>
-      </p:sp>
-      <p:sp>
-        <p:nvSpPr>
-          <p:cNvPr id="4" name="日期占位符 3"/>
+              <a:rPr lang="zh-CN" altLang="en-US"/>
+              <a:t>单击此处编辑母版文本样式</a:t>
+            </a:r>
+          </a:p>
+        </p:txBody>
+      </p:sp>
+      <p:sp>
+        <p:nvSpPr>
+          <p:cNvPr id="4" name="Date Placeholder 3"/>
           <p:cNvSpPr>
             <a:spLocks noGrp="1"/>
           </p:cNvSpPr>
           <p:nvPr>
             <p:ph type="dt" sz="half" idx="10"/>
-            <p:custDataLst>
-              <p:tags r:id="rId4"/>
-            </p:custDataLst>
           </p:nvPr>
         </p:nvSpPr>
         <p:spPr/>
@@ -1071,6 +1561,7 @@
           <a:p>
             <a:fld id="{760FBDFE-C587-4B4C-A407-44438C67B59E}" type="datetimeFigureOut">
               <a:rPr lang="zh-CN" altLang="en-US" smtClean="0"/>
+              <a:t>2024/7/22</a:t>
             </a:fld>
             <a:endParaRPr lang="zh-CN" altLang="en-US"/>
           </a:p>
@@ -1078,15 +1569,12 @@
       </p:sp>
       <p:sp>
         <p:nvSpPr>
-          <p:cNvPr id="5" name="页脚占位符 4"/>
+          <p:cNvPr id="5" name="Footer Placeholder 4"/>
           <p:cNvSpPr>
             <a:spLocks noGrp="1"/>
           </p:cNvSpPr>
           <p:nvPr>
             <p:ph type="ftr" sz="quarter" idx="11"/>
-            <p:custDataLst>
-              <p:tags r:id="rId5"/>
-            </p:custDataLst>
           </p:nvPr>
         </p:nvSpPr>
         <p:spPr/>
@@ -1100,15 +1588,12 @@
       </p:sp>
       <p:sp>
         <p:nvSpPr>
-          <p:cNvPr id="6" name="灯片编号占位符 5"/>
+          <p:cNvPr id="6" name="Slide Number Placeholder 5"/>
           <p:cNvSpPr>
             <a:spLocks noGrp="1"/>
           </p:cNvSpPr>
           <p:nvPr>
             <p:ph type="sldNum" sz="quarter" idx="12"/>
-            <p:custDataLst>
-              <p:tags r:id="rId6"/>
-            </p:custDataLst>
           </p:nvPr>
         </p:nvSpPr>
         <p:spPr/>
@@ -1118,12 +1603,18 @@
           <a:p>
             <a:fld id="{49AE70B2-8BF9-45C0-BB95-33D1B9D3A854}" type="slidenum">
               <a:rPr lang="zh-CN" altLang="en-US" smtClean="0"/>
+              <a:t>‹#›</a:t>
             </a:fld>
             <a:endParaRPr lang="zh-CN" altLang="en-US"/>
           </a:p>
         </p:txBody>
       </p:sp>
     </p:spTree>
+    <p:extLst>
+      <p:ext uri="{BB962C8B-B14F-4D97-AF65-F5344CB8AC3E}">
+        <p14:creationId xmlns:p14="http://schemas.microsoft.com/office/powerpoint/2010/main" val="2133567486"/>
+      </p:ext>
+    </p:extLst>
   </p:cSld>
   <p:clrMapOvr>
     <a:masterClrMapping/>
@@ -1150,181 +1641,149 @@
       </p:grpSpPr>
       <p:sp>
         <p:nvSpPr>
-          <p:cNvPr id="2" name="标题 1"/>
+          <p:cNvPr id="2" name="Title 1"/>
           <p:cNvSpPr>
             <a:spLocks noGrp="1"/>
           </p:cNvSpPr>
           <p:nvPr>
             <p:ph type="title"/>
-            <p:custDataLst>
-              <p:tags r:id="rId2"/>
-            </p:custDataLst>
+          </p:nvPr>
+        </p:nvSpPr>
+        <p:spPr/>
+        <p:txBody>
+          <a:bodyPr/>
+          <a:lstStyle/>
+          <a:p>
+            <a:r>
+              <a:rPr lang="zh-CN" altLang="en-US"/>
+              <a:t>单击此处编辑母版标题样式</a:t>
+            </a:r>
+            <a:endParaRPr lang="en-US" dirty="0"/>
+          </a:p>
+        </p:txBody>
+      </p:sp>
+      <p:sp>
+        <p:nvSpPr>
+          <p:cNvPr id="3" name="Content Placeholder 2"/>
+          <p:cNvSpPr>
+            <a:spLocks noGrp="1"/>
+          </p:cNvSpPr>
+          <p:nvPr>
+            <p:ph sz="half" idx="1"/>
           </p:nvPr>
         </p:nvSpPr>
         <p:spPr>
           <a:xfrm>
-            <a:off x="608400" y="608400"/>
-            <a:ext cx="10969200" cy="705600"/>
+            <a:off x="838200" y="1825625"/>
+            <a:ext cx="5181600" cy="4351338"/>
           </a:xfrm>
         </p:spPr>
         <p:txBody>
-          <a:bodyPr vert="horz" lIns="90000" tIns="46800" rIns="90000" bIns="46800" rtlCol="0" anchor="ctr" anchorCtr="0">
-            <a:normAutofit/>
-          </a:bodyPr>
+          <a:bodyPr/>
           <a:lstStyle/>
           <a:p>
             <a:pPr lvl="0"/>
             <a:r>
-              <a:rPr lang="zh-CN" altLang="en-US" smtClean="0"/>
-              <a:t>单击此处编辑母版标题样式</a:t>
-            </a:r>
-            <a:endParaRPr lang="zh-CN" altLang="en-US"/>
-          </a:p>
-        </p:txBody>
-      </p:sp>
-      <p:sp>
-        <p:nvSpPr>
-          <p:cNvPr id="3" name="内容占位符 2"/>
-          <p:cNvSpPr>
-            <a:spLocks noGrp="1"/>
-          </p:cNvSpPr>
-          <p:nvPr>
-            <p:ph sz="half" idx="1"/>
-            <p:custDataLst>
-              <p:tags r:id="rId3"/>
-            </p:custDataLst>
+              <a:rPr lang="zh-CN" altLang="en-US"/>
+              <a:t>单击此处编辑母版文本样式</a:t>
+            </a:r>
+          </a:p>
+          <a:p>
+            <a:pPr lvl="1"/>
+            <a:r>
+              <a:rPr lang="zh-CN" altLang="en-US"/>
+              <a:t>二级</a:t>
+            </a:r>
+          </a:p>
+          <a:p>
+            <a:pPr lvl="2"/>
+            <a:r>
+              <a:rPr lang="zh-CN" altLang="en-US"/>
+              <a:t>三级</a:t>
+            </a:r>
+          </a:p>
+          <a:p>
+            <a:pPr lvl="3"/>
+            <a:r>
+              <a:rPr lang="zh-CN" altLang="en-US"/>
+              <a:t>四级</a:t>
+            </a:r>
+          </a:p>
+          <a:p>
+            <a:pPr lvl="4"/>
+            <a:r>
+              <a:rPr lang="zh-CN" altLang="en-US"/>
+              <a:t>五级</a:t>
+            </a:r>
+            <a:endParaRPr lang="en-US" dirty="0"/>
+          </a:p>
+        </p:txBody>
+      </p:sp>
+      <p:sp>
+        <p:nvSpPr>
+          <p:cNvPr id="4" name="Content Placeholder 3"/>
+          <p:cNvSpPr>
+            <a:spLocks noGrp="1"/>
+          </p:cNvSpPr>
+          <p:nvPr>
+            <p:ph sz="half" idx="2"/>
           </p:nvPr>
         </p:nvSpPr>
         <p:spPr>
           <a:xfrm>
-            <a:off x="608400" y="1501200"/>
-            <a:ext cx="5176800" cy="4748400"/>
+            <a:off x="6172200" y="1825625"/>
+            <a:ext cx="5181600" cy="4351338"/>
           </a:xfrm>
         </p:spPr>
         <p:txBody>
-          <a:bodyPr vert="horz" lIns="90000" tIns="46800" rIns="90000" bIns="46800" rtlCol="0">
-            <a:normAutofit/>
-          </a:bodyPr>
+          <a:bodyPr/>
           <a:lstStyle/>
           <a:p>
             <a:pPr lvl="0"/>
             <a:r>
-              <a:rPr lang="zh-CN" altLang="en-US" smtClean="0"/>
+              <a:rPr lang="zh-CN" altLang="en-US"/>
               <a:t>单击此处编辑母版文本样式</a:t>
             </a:r>
-            <a:endParaRPr lang="zh-CN" altLang="en-US" smtClean="0"/>
           </a:p>
           <a:p>
             <a:pPr lvl="1"/>
             <a:r>
-              <a:rPr lang="zh-CN" altLang="en-US" smtClean="0"/>
-              <a:t>第二级</a:t>
-            </a:r>
-            <a:endParaRPr lang="zh-CN" altLang="en-US" smtClean="0"/>
+              <a:rPr lang="zh-CN" altLang="en-US"/>
+              <a:t>二级</a:t>
+            </a:r>
           </a:p>
           <a:p>
             <a:pPr lvl="2"/>
             <a:r>
-              <a:rPr lang="zh-CN" altLang="en-US" smtClean="0"/>
-              <a:t>第三级</a:t>
-            </a:r>
-            <a:endParaRPr lang="zh-CN" altLang="en-US" smtClean="0"/>
+              <a:rPr lang="zh-CN" altLang="en-US"/>
+              <a:t>三级</a:t>
+            </a:r>
           </a:p>
           <a:p>
             <a:pPr lvl="3"/>
             <a:r>
-              <a:rPr lang="zh-CN" altLang="en-US" smtClean="0"/>
-              <a:t>第四级</a:t>
-            </a:r>
-            <a:endParaRPr lang="zh-CN" altLang="en-US" smtClean="0"/>
+              <a:rPr lang="zh-CN" altLang="en-US"/>
+              <a:t>四级</a:t>
+            </a:r>
           </a:p>
           <a:p>
             <a:pPr lvl="4"/>
             <a:r>
-              <a:rPr lang="zh-CN" altLang="en-US" smtClean="0"/>
-              <a:t>第五级</a:t>
-            </a:r>
-            <a:endParaRPr lang="zh-CN" altLang="en-US"/>
-          </a:p>
-        </p:txBody>
-      </p:sp>
-      <p:sp>
-        <p:nvSpPr>
-          <p:cNvPr id="4" name="内容占位符 3"/>
-          <p:cNvSpPr>
-            <a:spLocks noGrp="1"/>
-          </p:cNvSpPr>
-          <p:nvPr>
-            <p:ph sz="half" idx="2"/>
-            <p:custDataLst>
-              <p:tags r:id="rId4"/>
-            </p:custDataLst>
-          </p:nvPr>
-        </p:nvSpPr>
-        <p:spPr>
-          <a:xfrm>
-            <a:off x="6411600" y="1501200"/>
-            <a:ext cx="5176800" cy="4748400"/>
-          </a:xfrm>
-        </p:spPr>
-        <p:txBody>
-          <a:bodyPr lIns="90000" tIns="46800" rIns="90000" bIns="46800">
-            <a:normAutofit/>
-          </a:bodyPr>
-          <a:lstStyle/>
-          <a:p>
-            <a:pPr lvl="0"/>
-            <a:r>
-              <a:rPr lang="zh-CN" altLang="en-US" dirty="0"/>
-              <a:t>单击此处编辑母版文本样式</a:t>
-            </a:r>
-            <a:endParaRPr lang="zh-CN" altLang="en-US" dirty="0"/>
-          </a:p>
-          <a:p>
-            <a:pPr lvl="1"/>
-            <a:r>
-              <a:rPr lang="zh-CN" altLang="en-US" dirty="0"/>
-              <a:t>第二级</a:t>
-            </a:r>
-            <a:endParaRPr lang="zh-CN" altLang="en-US" dirty="0"/>
-          </a:p>
-          <a:p>
-            <a:pPr lvl="2"/>
-            <a:r>
-              <a:rPr lang="zh-CN" altLang="en-US" dirty="0"/>
-              <a:t>第三级</a:t>
-            </a:r>
-            <a:endParaRPr lang="zh-CN" altLang="en-US" dirty="0"/>
-          </a:p>
-          <a:p>
-            <a:pPr lvl="3"/>
-            <a:r>
-              <a:rPr lang="zh-CN" altLang="en-US" dirty="0"/>
-              <a:t>第四级</a:t>
-            </a:r>
-            <a:endParaRPr lang="zh-CN" altLang="en-US" dirty="0"/>
-          </a:p>
-          <a:p>
-            <a:pPr lvl="4"/>
-            <a:r>
-              <a:rPr lang="zh-CN" altLang="en-US" dirty="0"/>
-              <a:t>第五级</a:t>
-            </a:r>
-            <a:endParaRPr lang="zh-CN" altLang="en-US" dirty="0"/>
-          </a:p>
-        </p:txBody>
-      </p:sp>
-      <p:sp>
-        <p:nvSpPr>
-          <p:cNvPr id="5" name="日期占位符 4"/>
+              <a:rPr lang="zh-CN" altLang="en-US"/>
+              <a:t>五级</a:t>
+            </a:r>
+            <a:endParaRPr lang="en-US" dirty="0"/>
+          </a:p>
+        </p:txBody>
+      </p:sp>
+      <p:sp>
+        <p:nvSpPr>
+          <p:cNvPr id="5" name="Date Placeholder 4"/>
           <p:cNvSpPr>
             <a:spLocks noGrp="1"/>
           </p:cNvSpPr>
           <p:nvPr>
             <p:ph type="dt" sz="half" idx="10"/>
-            <p:custDataLst>
-              <p:tags r:id="rId5"/>
-            </p:custDataLst>
           </p:nvPr>
         </p:nvSpPr>
         <p:spPr/>
@@ -1334,6 +1793,7 @@
           <a:p>
             <a:fld id="{760FBDFE-C587-4B4C-A407-44438C67B59E}" type="datetimeFigureOut">
               <a:rPr lang="zh-CN" altLang="en-US" smtClean="0"/>
+              <a:t>2024/7/22</a:t>
             </a:fld>
             <a:endParaRPr lang="zh-CN" altLang="en-US"/>
           </a:p>
@@ -1341,15 +1801,12 @@
       </p:sp>
       <p:sp>
         <p:nvSpPr>
-          <p:cNvPr id="6" name="页脚占位符 5"/>
+          <p:cNvPr id="6" name="Footer Placeholder 5"/>
           <p:cNvSpPr>
             <a:spLocks noGrp="1"/>
           </p:cNvSpPr>
           <p:nvPr>
             <p:ph type="ftr" sz="quarter" idx="11"/>
-            <p:custDataLst>
-              <p:tags r:id="rId6"/>
-            </p:custDataLst>
           </p:nvPr>
         </p:nvSpPr>
         <p:spPr/>
@@ -1363,15 +1820,12 @@
       </p:sp>
       <p:sp>
         <p:nvSpPr>
-          <p:cNvPr id="7" name="灯片编号占位符 6"/>
+          <p:cNvPr id="7" name="Slide Number Placeholder 6"/>
           <p:cNvSpPr>
             <a:spLocks noGrp="1"/>
           </p:cNvSpPr>
           <p:nvPr>
             <p:ph type="sldNum" sz="quarter" idx="12"/>
-            <p:custDataLst>
-              <p:tags r:id="rId7"/>
-            </p:custDataLst>
           </p:nvPr>
         </p:nvSpPr>
         <p:spPr/>
@@ -1381,12 +1835,18 @@
           <a:p>
             <a:fld id="{49AE70B2-8BF9-45C0-BB95-33D1B9D3A854}" type="slidenum">
               <a:rPr lang="zh-CN" altLang="en-US" smtClean="0"/>
+              <a:t>‹#›</a:t>
             </a:fld>
             <a:endParaRPr lang="zh-CN" altLang="en-US"/>
           </a:p>
         </p:txBody>
       </p:sp>
     </p:spTree>
+    <p:extLst>
+      <p:ext uri="{BB962C8B-B14F-4D97-AF65-F5344CB8AC3E}">
+        <p14:creationId xmlns:p14="http://schemas.microsoft.com/office/powerpoint/2010/main" val="179998926"/>
+      </p:ext>
+    </p:extLst>
   </p:cSld>
   <p:clrMapOvr>
     <a:masterClrMapping/>
@@ -1413,75 +1873,54 @@
       </p:grpSpPr>
       <p:sp>
         <p:nvSpPr>
-          <p:cNvPr id="2" name="标题 1"/>
+          <p:cNvPr id="2" name="Title 1"/>
           <p:cNvSpPr>
             <a:spLocks noGrp="1"/>
           </p:cNvSpPr>
           <p:nvPr>
             <p:ph type="title"/>
-            <p:custDataLst>
-              <p:tags r:id="rId2"/>
-            </p:custDataLst>
           </p:nvPr>
         </p:nvSpPr>
         <p:spPr>
           <a:xfrm>
-            <a:off x="608400" y="608400"/>
-            <a:ext cx="10969200" cy="705600"/>
+            <a:off x="839788" y="365125"/>
+            <a:ext cx="10515600" cy="1325563"/>
           </a:xfrm>
         </p:spPr>
         <p:txBody>
-          <a:bodyPr vert="horz" lIns="90000" tIns="46800" rIns="90000" bIns="46800" rtlCol="0" anchor="ctr" anchorCtr="0">
-            <a:normAutofit/>
-          </a:bodyPr>
-          <a:lstStyle/>
-          <a:p>
-            <a:pPr lvl="0"/>
-            <a:r>
-              <a:rPr lang="zh-CN" altLang="en-US" smtClean="0"/>
+          <a:bodyPr/>
+          <a:lstStyle/>
+          <a:p>
+            <a:r>
+              <a:rPr lang="zh-CN" altLang="en-US"/>
               <a:t>单击此处编辑母版标题样式</a:t>
             </a:r>
-            <a:endParaRPr lang="zh-CN" altLang="en-US"/>
-          </a:p>
-        </p:txBody>
-      </p:sp>
-      <p:sp>
-        <p:nvSpPr>
-          <p:cNvPr id="3" name="文本占位符 2"/>
-          <p:cNvSpPr>
-            <a:spLocks noGrp="1"/>
-          </p:cNvSpPr>
-          <p:nvPr>
-            <p:ph type="body" idx="1" hasCustomPrompt="1"/>
-            <p:custDataLst>
-              <p:tags r:id="rId3"/>
-            </p:custDataLst>
+            <a:endParaRPr lang="en-US" dirty="0"/>
+          </a:p>
+        </p:txBody>
+      </p:sp>
+      <p:sp>
+        <p:nvSpPr>
+          <p:cNvPr id="3" name="Text Placeholder 2"/>
+          <p:cNvSpPr>
+            <a:spLocks noGrp="1"/>
+          </p:cNvSpPr>
+          <p:nvPr>
+            <p:ph type="body" idx="1"/>
           </p:nvPr>
         </p:nvSpPr>
         <p:spPr>
           <a:xfrm>
-            <a:off x="608400" y="1429200"/>
-            <a:ext cx="5342400" cy="381600"/>
+            <a:off x="839788" y="1681163"/>
+            <a:ext cx="5157787" cy="823912"/>
           </a:xfrm>
         </p:spPr>
         <p:txBody>
-          <a:bodyPr lIns="101600" tIns="38100" rIns="76200" bIns="38100" anchor="t" anchorCtr="0">
-            <a:normAutofit/>
-          </a:bodyPr>
+          <a:bodyPr anchor="b"/>
           <a:lstStyle>
             <a:lvl1pPr marL="0" indent="0">
-              <a:lnSpc>
-                <a:spcPct val="100000"/>
-              </a:lnSpc>
-              <a:buNone/>
-              <a:defRPr sz="2000" b="1" spc="200">
-                <a:solidFill>
-                  <a:schemeClr val="tx1">
-                    <a:lumMod val="75000"/>
-                    <a:lumOff val="25000"/>
-                  </a:schemeClr>
-                </a:solidFill>
-              </a:defRPr>
+              <a:buNone/>
+              <a:defRPr sz="2400" b="1"/>
             </a:lvl1pPr>
             <a:lvl2pPr marL="457200" indent="0">
               <a:buNone/>
@@ -1519,116 +1958,91 @@
           <a:p>
             <a:pPr lvl="0"/>
             <a:r>
-              <a:rPr lang="zh-CN" altLang="en-US" dirty="0"/>
-              <a:t>单击此处编辑文本</a:t>
-            </a:r>
-            <a:endParaRPr lang="zh-CN" altLang="en-US" dirty="0"/>
-          </a:p>
-        </p:txBody>
-      </p:sp>
-      <p:sp>
-        <p:nvSpPr>
-          <p:cNvPr id="4" name="内容占位符 3"/>
+              <a:rPr lang="zh-CN" altLang="en-US"/>
+              <a:t>单击此处编辑母版文本样式</a:t>
+            </a:r>
+          </a:p>
+        </p:txBody>
+      </p:sp>
+      <p:sp>
+        <p:nvSpPr>
+          <p:cNvPr id="4" name="Content Placeholder 3"/>
           <p:cNvSpPr>
             <a:spLocks noGrp="1"/>
           </p:cNvSpPr>
           <p:nvPr>
             <p:ph sz="half" idx="2"/>
-            <p:custDataLst>
-              <p:tags r:id="rId4"/>
-            </p:custDataLst>
           </p:nvPr>
         </p:nvSpPr>
         <p:spPr>
           <a:xfrm>
-            <a:off x="608400" y="1854000"/>
-            <a:ext cx="5342400" cy="4395600"/>
+            <a:off x="839788" y="2505075"/>
+            <a:ext cx="5157787" cy="3684588"/>
           </a:xfrm>
         </p:spPr>
         <p:txBody>
-          <a:bodyPr vert="horz" lIns="101600" tIns="0" rIns="82550" bIns="0" rtlCol="0">
-            <a:normAutofit/>
-          </a:bodyPr>
+          <a:bodyPr/>
           <a:lstStyle/>
           <a:p>
             <a:pPr lvl="0"/>
             <a:r>
-              <a:rPr lang="zh-CN" altLang="en-US" smtClean="0"/>
+              <a:rPr lang="zh-CN" altLang="en-US"/>
               <a:t>单击此处编辑母版文本样式</a:t>
             </a:r>
-            <a:endParaRPr lang="zh-CN" altLang="en-US" smtClean="0"/>
           </a:p>
           <a:p>
             <a:pPr lvl="1"/>
             <a:r>
-              <a:rPr lang="zh-CN" altLang="en-US" smtClean="0"/>
-              <a:t>第二级</a:t>
-            </a:r>
-            <a:endParaRPr lang="zh-CN" altLang="en-US" smtClean="0"/>
+              <a:rPr lang="zh-CN" altLang="en-US"/>
+              <a:t>二级</a:t>
+            </a:r>
           </a:p>
           <a:p>
             <a:pPr lvl="2"/>
             <a:r>
-              <a:rPr lang="zh-CN" altLang="en-US" smtClean="0"/>
-              <a:t>第三级</a:t>
-            </a:r>
-            <a:endParaRPr lang="zh-CN" altLang="en-US" smtClean="0"/>
+              <a:rPr lang="zh-CN" altLang="en-US"/>
+              <a:t>三级</a:t>
+            </a:r>
           </a:p>
           <a:p>
             <a:pPr lvl="3"/>
             <a:r>
-              <a:rPr lang="zh-CN" altLang="en-US" smtClean="0"/>
-              <a:t>第四级</a:t>
-            </a:r>
-            <a:endParaRPr lang="zh-CN" altLang="en-US" smtClean="0"/>
+              <a:rPr lang="zh-CN" altLang="en-US"/>
+              <a:t>四级</a:t>
+            </a:r>
           </a:p>
           <a:p>
             <a:pPr lvl="4"/>
             <a:r>
-              <a:rPr lang="zh-CN" altLang="en-US" smtClean="0"/>
-              <a:t>第五级</a:t>
-            </a:r>
-            <a:endParaRPr lang="zh-CN" altLang="en-US"/>
-          </a:p>
-        </p:txBody>
-      </p:sp>
-      <p:sp>
-        <p:nvSpPr>
-          <p:cNvPr id="5" name="文本占位符 4"/>
-          <p:cNvSpPr>
-            <a:spLocks noGrp="1"/>
-          </p:cNvSpPr>
-          <p:nvPr>
-            <p:ph type="body" sz="quarter" idx="3" hasCustomPrompt="1"/>
-            <p:custDataLst>
-              <p:tags r:id="rId5"/>
-            </p:custDataLst>
+              <a:rPr lang="zh-CN" altLang="en-US"/>
+              <a:t>五级</a:t>
+            </a:r>
+            <a:endParaRPr lang="en-US" dirty="0"/>
+          </a:p>
+        </p:txBody>
+      </p:sp>
+      <p:sp>
+        <p:nvSpPr>
+          <p:cNvPr id="5" name="Text Placeholder 4"/>
+          <p:cNvSpPr>
+            <a:spLocks noGrp="1"/>
+          </p:cNvSpPr>
+          <p:nvPr>
+            <p:ph type="body" sz="quarter" idx="3"/>
           </p:nvPr>
         </p:nvSpPr>
         <p:spPr>
           <a:xfrm>
-            <a:off x="6235750" y="1421729"/>
-            <a:ext cx="5342400" cy="381600"/>
+            <a:off x="6172200" y="1681163"/>
+            <a:ext cx="5183188" cy="823912"/>
           </a:xfrm>
         </p:spPr>
         <p:txBody>
-          <a:bodyPr vert="horz" lIns="101600" tIns="38100" rIns="76200" bIns="38100" rtlCol="0" anchor="t" anchorCtr="0">
-            <a:normAutofit/>
-          </a:bodyPr>
+          <a:bodyPr anchor="b"/>
           <a:lstStyle>
             <a:lvl1pPr marL="0" indent="0">
-              <a:lnSpc>
-                <a:spcPct val="100000"/>
-              </a:lnSpc>
-              <a:buNone/>
-              <a:defRPr sz="2000" b="1" spc="200">
-                <a:solidFill>
-                  <a:schemeClr val="tx1">
-                    <a:lumMod val="75000"/>
-                    <a:lumOff val="25000"/>
-                  </a:schemeClr>
-                </a:solidFill>
-              </a:defRPr>
+              <a:buNone/>
+              <a:defRPr sz="2400" b="1"/>
             </a:lvl1pPr>
             <a:lvl2pPr marL="457200" indent="0">
               <a:buNone/>
@@ -1666,90 +2080,77 @@
           <a:p>
             <a:pPr lvl="0"/>
             <a:r>
-              <a:rPr lang="zh-CN" altLang="en-US" smtClean="0"/>
-              <a:t>单击此处编辑文本</a:t>
-            </a:r>
-            <a:endParaRPr lang="zh-CN" altLang="en-US"/>
-          </a:p>
-        </p:txBody>
-      </p:sp>
-      <p:sp>
-        <p:nvSpPr>
-          <p:cNvPr id="6" name="内容占位符 5"/>
+              <a:rPr lang="zh-CN" altLang="en-US"/>
+              <a:t>单击此处编辑母版文本样式</a:t>
+            </a:r>
+          </a:p>
+        </p:txBody>
+      </p:sp>
+      <p:sp>
+        <p:nvSpPr>
+          <p:cNvPr id="6" name="Content Placeholder 5"/>
           <p:cNvSpPr>
             <a:spLocks noGrp="1"/>
           </p:cNvSpPr>
           <p:nvPr>
             <p:ph sz="quarter" idx="4"/>
-            <p:custDataLst>
-              <p:tags r:id="rId6"/>
-            </p:custDataLst>
           </p:nvPr>
         </p:nvSpPr>
         <p:spPr>
           <a:xfrm>
-            <a:off x="6235750" y="1854000"/>
-            <a:ext cx="5342400" cy="4395600"/>
+            <a:off x="6172200" y="2505075"/>
+            <a:ext cx="5183188" cy="3684588"/>
           </a:xfrm>
         </p:spPr>
         <p:txBody>
-          <a:bodyPr vert="horz" lIns="101600" tIns="0" rIns="82550" bIns="0" rtlCol="0">
-            <a:normAutofit/>
-          </a:bodyPr>
+          <a:bodyPr/>
           <a:lstStyle/>
           <a:p>
             <a:pPr lvl="0"/>
             <a:r>
-              <a:rPr lang="zh-CN" altLang="en-US" smtClean="0"/>
+              <a:rPr lang="zh-CN" altLang="en-US"/>
               <a:t>单击此处编辑母版文本样式</a:t>
             </a:r>
-            <a:endParaRPr lang="zh-CN" altLang="en-US" smtClean="0"/>
           </a:p>
           <a:p>
             <a:pPr lvl="1"/>
             <a:r>
-              <a:rPr lang="zh-CN" altLang="en-US" smtClean="0"/>
-              <a:t>第二级</a:t>
-            </a:r>
-            <a:endParaRPr lang="zh-CN" altLang="en-US" smtClean="0"/>
+              <a:rPr lang="zh-CN" altLang="en-US"/>
+              <a:t>二级</a:t>
+            </a:r>
           </a:p>
           <a:p>
             <a:pPr lvl="2"/>
             <a:r>
-              <a:rPr lang="zh-CN" altLang="en-US" smtClean="0"/>
-              <a:t>第三级</a:t>
-            </a:r>
-            <a:endParaRPr lang="zh-CN" altLang="en-US" smtClean="0"/>
+              <a:rPr lang="zh-CN" altLang="en-US"/>
+              <a:t>三级</a:t>
+            </a:r>
           </a:p>
           <a:p>
             <a:pPr lvl="3"/>
             <a:r>
-              <a:rPr lang="zh-CN" altLang="en-US" smtClean="0"/>
-              <a:t>第四级</a:t>
-            </a:r>
-            <a:endParaRPr lang="zh-CN" altLang="en-US" smtClean="0"/>
+              <a:rPr lang="zh-CN" altLang="en-US"/>
+              <a:t>四级</a:t>
+            </a:r>
           </a:p>
           <a:p>
             <a:pPr lvl="4"/>
             <a:r>
-              <a:rPr lang="zh-CN" altLang="en-US" smtClean="0"/>
-              <a:t>第五级</a:t>
-            </a:r>
-            <a:endParaRPr lang="zh-CN" altLang="en-US"/>
-          </a:p>
-        </p:txBody>
-      </p:sp>
-      <p:sp>
-        <p:nvSpPr>
-          <p:cNvPr id="7" name="日期占位符 6"/>
+              <a:rPr lang="zh-CN" altLang="en-US"/>
+              <a:t>五级</a:t>
+            </a:r>
+            <a:endParaRPr lang="en-US" dirty="0"/>
+          </a:p>
+        </p:txBody>
+      </p:sp>
+      <p:sp>
+        <p:nvSpPr>
+          <p:cNvPr id="7" name="Date Placeholder 6"/>
           <p:cNvSpPr>
             <a:spLocks noGrp="1"/>
           </p:cNvSpPr>
           <p:nvPr>
             <p:ph type="dt" sz="half" idx="10"/>
-            <p:custDataLst>
-              <p:tags r:id="rId7"/>
-            </p:custDataLst>
           </p:nvPr>
         </p:nvSpPr>
         <p:spPr/>
@@ -1759,6 +2160,7 @@
           <a:p>
             <a:fld id="{760FBDFE-C587-4B4C-A407-44438C67B59E}" type="datetimeFigureOut">
               <a:rPr lang="zh-CN" altLang="en-US" smtClean="0"/>
+              <a:t>2024/7/22</a:t>
             </a:fld>
             <a:endParaRPr lang="zh-CN" altLang="en-US"/>
           </a:p>
@@ -1766,15 +2168,12 @@
       </p:sp>
       <p:sp>
         <p:nvSpPr>
-          <p:cNvPr id="8" name="页脚占位符 7"/>
+          <p:cNvPr id="8" name="Footer Placeholder 7"/>
           <p:cNvSpPr>
             <a:spLocks noGrp="1"/>
           </p:cNvSpPr>
           <p:nvPr>
             <p:ph type="ftr" sz="quarter" idx="11"/>
-            <p:custDataLst>
-              <p:tags r:id="rId8"/>
-            </p:custDataLst>
           </p:nvPr>
         </p:nvSpPr>
         <p:spPr/>
@@ -1788,15 +2187,12 @@
       </p:sp>
       <p:sp>
         <p:nvSpPr>
-          <p:cNvPr id="9" name="灯片编号占位符 8"/>
+          <p:cNvPr id="9" name="Slide Number Placeholder 8"/>
           <p:cNvSpPr>
             <a:spLocks noGrp="1"/>
           </p:cNvSpPr>
           <p:nvPr>
             <p:ph type="sldNum" sz="quarter" idx="12"/>
-            <p:custDataLst>
-              <p:tags r:id="rId9"/>
-            </p:custDataLst>
           </p:nvPr>
         </p:nvSpPr>
         <p:spPr/>
@@ -1806,12 +2202,18 @@
           <a:p>
             <a:fld id="{49AE70B2-8BF9-45C0-BB95-33D1B9D3A854}" type="slidenum">
               <a:rPr lang="zh-CN" altLang="en-US" smtClean="0"/>
+              <a:t>‹#›</a:t>
             </a:fld>
             <a:endParaRPr lang="zh-CN" altLang="en-US"/>
           </a:p>
         </p:txBody>
       </p:sp>
     </p:spTree>
+    <p:extLst>
+      <p:ext uri="{BB962C8B-B14F-4D97-AF65-F5344CB8AC3E}">
+        <p14:creationId xmlns:p14="http://schemas.microsoft.com/office/powerpoint/2010/main" val="2372990677"/>
+      </p:ext>
+    </p:extLst>
   </p:cSld>
   <p:clrMapOvr>
     <a:masterClrMapping/>
@@ -1838,49 +2240,35 @@
       </p:grpSpPr>
       <p:sp>
         <p:nvSpPr>
-          <p:cNvPr id="2" name="标题 1"/>
+          <p:cNvPr id="2" name="Title 1"/>
           <p:cNvSpPr>
             <a:spLocks noGrp="1"/>
           </p:cNvSpPr>
           <p:nvPr>
             <p:ph type="title"/>
-            <p:custDataLst>
-              <p:tags r:id="rId2"/>
-            </p:custDataLst>
-          </p:nvPr>
-        </p:nvSpPr>
-        <p:spPr>
-          <a:xfrm>
-            <a:off x="608400" y="608400"/>
-            <a:ext cx="10969200" cy="705600"/>
-          </a:xfrm>
-        </p:spPr>
-        <p:txBody>
-          <a:bodyPr vert="horz" lIns="90000" tIns="46800" rIns="90000" bIns="46800" rtlCol="0" anchor="ctr" anchorCtr="0">
-            <a:normAutofit/>
-          </a:bodyPr>
-          <a:lstStyle/>
-          <a:p>
-            <a:pPr lvl="0"/>
-            <a:r>
-              <a:rPr lang="zh-CN" altLang="en-US" smtClean="0"/>
+          </p:nvPr>
+        </p:nvSpPr>
+        <p:spPr/>
+        <p:txBody>
+          <a:bodyPr/>
+          <a:lstStyle/>
+          <a:p>
+            <a:r>
+              <a:rPr lang="zh-CN" altLang="en-US"/>
               <a:t>单击此处编辑母版标题样式</a:t>
             </a:r>
-            <a:endParaRPr lang="zh-CN" altLang="en-US"/>
-          </a:p>
-        </p:txBody>
-      </p:sp>
-      <p:sp>
-        <p:nvSpPr>
-          <p:cNvPr id="3" name="日期占位符 2"/>
+            <a:endParaRPr lang="en-US" dirty="0"/>
+          </a:p>
+        </p:txBody>
+      </p:sp>
+      <p:sp>
+        <p:nvSpPr>
+          <p:cNvPr id="3" name="Date Placeholder 2"/>
           <p:cNvSpPr>
             <a:spLocks noGrp="1"/>
           </p:cNvSpPr>
           <p:nvPr>
             <p:ph type="dt" sz="half" idx="10"/>
-            <p:custDataLst>
-              <p:tags r:id="rId3"/>
-            </p:custDataLst>
           </p:nvPr>
         </p:nvSpPr>
         <p:spPr/>
@@ -1890,6 +2278,7 @@
           <a:p>
             <a:fld id="{760FBDFE-C587-4B4C-A407-44438C67B59E}" type="datetimeFigureOut">
               <a:rPr lang="zh-CN" altLang="en-US" smtClean="0"/>
+              <a:t>2024/7/22</a:t>
             </a:fld>
             <a:endParaRPr lang="zh-CN" altLang="en-US"/>
           </a:p>
@@ -1897,15 +2286,12 @@
       </p:sp>
       <p:sp>
         <p:nvSpPr>
-          <p:cNvPr id="4" name="页脚占位符 3"/>
+          <p:cNvPr id="4" name="Footer Placeholder 3"/>
           <p:cNvSpPr>
             <a:spLocks noGrp="1"/>
           </p:cNvSpPr>
           <p:nvPr>
             <p:ph type="ftr" sz="quarter" idx="11"/>
-            <p:custDataLst>
-              <p:tags r:id="rId4"/>
-            </p:custDataLst>
           </p:nvPr>
         </p:nvSpPr>
         <p:spPr/>
@@ -1919,15 +2305,12 @@
       </p:sp>
       <p:sp>
         <p:nvSpPr>
-          <p:cNvPr id="5" name="灯片编号占位符 4"/>
+          <p:cNvPr id="5" name="Slide Number Placeholder 4"/>
           <p:cNvSpPr>
             <a:spLocks noGrp="1"/>
           </p:cNvSpPr>
           <p:nvPr>
             <p:ph type="sldNum" sz="quarter" idx="12"/>
-            <p:custDataLst>
-              <p:tags r:id="rId5"/>
-            </p:custDataLst>
           </p:nvPr>
         </p:nvSpPr>
         <p:spPr/>
@@ -1937,12 +2320,18 @@
           <a:p>
             <a:fld id="{49AE70B2-8BF9-45C0-BB95-33D1B9D3A854}" type="slidenum">
               <a:rPr lang="zh-CN" altLang="en-US" smtClean="0"/>
+              <a:t>‹#›</a:t>
             </a:fld>
             <a:endParaRPr lang="zh-CN" altLang="en-US"/>
           </a:p>
         </p:txBody>
       </p:sp>
     </p:spTree>
+    <p:extLst>
+      <p:ext uri="{BB962C8B-B14F-4D97-AF65-F5344CB8AC3E}">
+        <p14:creationId xmlns:p14="http://schemas.microsoft.com/office/powerpoint/2010/main" val="4215103470"/>
+      </p:ext>
+    </p:extLst>
   </p:cSld>
   <p:clrMapOvr>
     <a:masterClrMapping/>
@@ -1969,15 +2358,12 @@
       </p:grpSpPr>
       <p:sp>
         <p:nvSpPr>
-          <p:cNvPr id="2" name="日期占位符 1"/>
+          <p:cNvPr id="2" name="Date Placeholder 1"/>
           <p:cNvSpPr>
             <a:spLocks noGrp="1"/>
           </p:cNvSpPr>
           <p:nvPr>
             <p:ph type="dt" sz="half" idx="10"/>
-            <p:custDataLst>
-              <p:tags r:id="rId2"/>
-            </p:custDataLst>
           </p:nvPr>
         </p:nvSpPr>
         <p:spPr/>
@@ -1987,6 +2373,7 @@
           <a:p>
             <a:fld id="{760FBDFE-C587-4B4C-A407-44438C67B59E}" type="datetimeFigureOut">
               <a:rPr lang="zh-CN" altLang="en-US" smtClean="0"/>
+              <a:t>2024/7/22</a:t>
             </a:fld>
             <a:endParaRPr lang="zh-CN" altLang="en-US"/>
           </a:p>
@@ -1994,15 +2381,12 @@
       </p:sp>
       <p:sp>
         <p:nvSpPr>
-          <p:cNvPr id="3" name="页脚占位符 2"/>
+          <p:cNvPr id="3" name="Footer Placeholder 2"/>
           <p:cNvSpPr>
             <a:spLocks noGrp="1"/>
           </p:cNvSpPr>
           <p:nvPr>
             <p:ph type="ftr" sz="quarter" idx="11"/>
-            <p:custDataLst>
-              <p:tags r:id="rId3"/>
-            </p:custDataLst>
           </p:nvPr>
         </p:nvSpPr>
         <p:spPr/>
@@ -2016,15 +2400,12 @@
       </p:sp>
       <p:sp>
         <p:nvSpPr>
-          <p:cNvPr id="4" name="灯片编号占位符 3"/>
+          <p:cNvPr id="4" name="Slide Number Placeholder 3"/>
           <p:cNvSpPr>
             <a:spLocks noGrp="1"/>
           </p:cNvSpPr>
           <p:nvPr>
             <p:ph type="sldNum" sz="quarter" idx="12"/>
-            <p:custDataLst>
-              <p:tags r:id="rId4"/>
-            </p:custDataLst>
           </p:nvPr>
         </p:nvSpPr>
         <p:spPr/>
@@ -2034,12 +2415,18 @@
           <a:p>
             <a:fld id="{49AE70B2-8BF9-45C0-BB95-33D1B9D3A854}" type="slidenum">
               <a:rPr lang="zh-CN" altLang="en-US" smtClean="0"/>
+              <a:t>‹#›</a:t>
             </a:fld>
             <a:endParaRPr lang="zh-CN" altLang="en-US"/>
           </a:p>
         </p:txBody>
       </p:sp>
     </p:spTree>
+    <p:extLst>
+      <p:ext uri="{BB962C8B-B14F-4D97-AF65-F5344CB8AC3E}">
+        <p14:creationId xmlns:p14="http://schemas.microsoft.com/office/powerpoint/2010/main" val="4259182056"/>
+      </p:ext>
+    </p:extLst>
   </p:cSld>
   <p:clrMapOvr>
     <a:masterClrMapping/>
@@ -2048,7 +2435,284 @@
 </file>
 
 <file path=ppt/slideLayouts/slideLayout8.xml><?xml version="1.0" encoding="utf-8"?>
-<p:sldLayout xmlns:a="http://schemas.openxmlformats.org/drawingml/2006/main" xmlns:r="http://schemas.openxmlformats.org/officeDocument/2006/relationships" xmlns:p="http://schemas.openxmlformats.org/presentationml/2006/main" preserve="1" userDrawn="1">
+<p:sldLayout xmlns:a="http://schemas.openxmlformats.org/drawingml/2006/main" xmlns:r="http://schemas.openxmlformats.org/officeDocument/2006/relationships" xmlns:p="http://schemas.openxmlformats.org/presentationml/2006/main" type="objTx" preserve="1">
+  <p:cSld name="内容与标题">
+    <p:spTree>
+      <p:nvGrpSpPr>
+        <p:cNvPr id="1" name=""/>
+        <p:cNvGrpSpPr/>
+        <p:nvPr/>
+      </p:nvGrpSpPr>
+      <p:grpSpPr>
+        <a:xfrm>
+          <a:off x="0" y="0"/>
+          <a:ext cx="0" cy="0"/>
+          <a:chOff x="0" y="0"/>
+          <a:chExt cx="0" cy="0"/>
+        </a:xfrm>
+      </p:grpSpPr>
+      <p:sp>
+        <p:nvSpPr>
+          <p:cNvPr id="2" name="Title 1"/>
+          <p:cNvSpPr>
+            <a:spLocks noGrp="1"/>
+          </p:cNvSpPr>
+          <p:nvPr>
+            <p:ph type="title"/>
+          </p:nvPr>
+        </p:nvSpPr>
+        <p:spPr>
+          <a:xfrm>
+            <a:off x="839788" y="457200"/>
+            <a:ext cx="3932237" cy="1600200"/>
+          </a:xfrm>
+        </p:spPr>
+        <p:txBody>
+          <a:bodyPr anchor="b"/>
+          <a:lstStyle>
+            <a:lvl1pPr>
+              <a:defRPr sz="3200"/>
+            </a:lvl1pPr>
+          </a:lstStyle>
+          <a:p>
+            <a:r>
+              <a:rPr lang="zh-CN" altLang="en-US"/>
+              <a:t>单击此处编辑母版标题样式</a:t>
+            </a:r>
+            <a:endParaRPr lang="en-US" dirty="0"/>
+          </a:p>
+        </p:txBody>
+      </p:sp>
+      <p:sp>
+        <p:nvSpPr>
+          <p:cNvPr id="3" name="Content Placeholder 2"/>
+          <p:cNvSpPr>
+            <a:spLocks noGrp="1"/>
+          </p:cNvSpPr>
+          <p:nvPr>
+            <p:ph idx="1"/>
+          </p:nvPr>
+        </p:nvSpPr>
+        <p:spPr>
+          <a:xfrm>
+            <a:off x="5183188" y="987425"/>
+            <a:ext cx="6172200" cy="4873625"/>
+          </a:xfrm>
+        </p:spPr>
+        <p:txBody>
+          <a:bodyPr/>
+          <a:lstStyle>
+            <a:lvl1pPr>
+              <a:defRPr sz="3200"/>
+            </a:lvl1pPr>
+            <a:lvl2pPr>
+              <a:defRPr sz="2800"/>
+            </a:lvl2pPr>
+            <a:lvl3pPr>
+              <a:defRPr sz="2400"/>
+            </a:lvl3pPr>
+            <a:lvl4pPr>
+              <a:defRPr sz="2000"/>
+            </a:lvl4pPr>
+            <a:lvl5pPr>
+              <a:defRPr sz="2000"/>
+            </a:lvl5pPr>
+            <a:lvl6pPr>
+              <a:defRPr sz="2000"/>
+            </a:lvl6pPr>
+            <a:lvl7pPr>
+              <a:defRPr sz="2000"/>
+            </a:lvl7pPr>
+            <a:lvl8pPr>
+              <a:defRPr sz="2000"/>
+            </a:lvl8pPr>
+            <a:lvl9pPr>
+              <a:defRPr sz="2000"/>
+            </a:lvl9pPr>
+          </a:lstStyle>
+          <a:p>
+            <a:pPr lvl="0"/>
+            <a:r>
+              <a:rPr lang="zh-CN" altLang="en-US"/>
+              <a:t>单击此处编辑母版文本样式</a:t>
+            </a:r>
+          </a:p>
+          <a:p>
+            <a:pPr lvl="1"/>
+            <a:r>
+              <a:rPr lang="zh-CN" altLang="en-US"/>
+              <a:t>二级</a:t>
+            </a:r>
+          </a:p>
+          <a:p>
+            <a:pPr lvl="2"/>
+            <a:r>
+              <a:rPr lang="zh-CN" altLang="en-US"/>
+              <a:t>三级</a:t>
+            </a:r>
+          </a:p>
+          <a:p>
+            <a:pPr lvl="3"/>
+            <a:r>
+              <a:rPr lang="zh-CN" altLang="en-US"/>
+              <a:t>四级</a:t>
+            </a:r>
+          </a:p>
+          <a:p>
+            <a:pPr lvl="4"/>
+            <a:r>
+              <a:rPr lang="zh-CN" altLang="en-US"/>
+              <a:t>五级</a:t>
+            </a:r>
+            <a:endParaRPr lang="en-US" dirty="0"/>
+          </a:p>
+        </p:txBody>
+      </p:sp>
+      <p:sp>
+        <p:nvSpPr>
+          <p:cNvPr id="4" name="Text Placeholder 3"/>
+          <p:cNvSpPr>
+            <a:spLocks noGrp="1"/>
+          </p:cNvSpPr>
+          <p:nvPr>
+            <p:ph type="body" sz="half" idx="2"/>
+          </p:nvPr>
+        </p:nvSpPr>
+        <p:spPr>
+          <a:xfrm>
+            <a:off x="839788" y="2057400"/>
+            <a:ext cx="3932237" cy="3811588"/>
+          </a:xfrm>
+        </p:spPr>
+        <p:txBody>
+          <a:bodyPr/>
+          <a:lstStyle>
+            <a:lvl1pPr marL="0" indent="0">
+              <a:buNone/>
+              <a:defRPr sz="1600"/>
+            </a:lvl1pPr>
+            <a:lvl2pPr marL="457200" indent="0">
+              <a:buNone/>
+              <a:defRPr sz="1400"/>
+            </a:lvl2pPr>
+            <a:lvl3pPr marL="914400" indent="0">
+              <a:buNone/>
+              <a:defRPr sz="1200"/>
+            </a:lvl3pPr>
+            <a:lvl4pPr marL="1371600" indent="0">
+              <a:buNone/>
+              <a:defRPr sz="1000"/>
+            </a:lvl4pPr>
+            <a:lvl5pPr marL="1828800" indent="0">
+              <a:buNone/>
+              <a:defRPr sz="1000"/>
+            </a:lvl5pPr>
+            <a:lvl6pPr marL="2286000" indent="0">
+              <a:buNone/>
+              <a:defRPr sz="1000"/>
+            </a:lvl6pPr>
+            <a:lvl7pPr marL="2743200" indent="0">
+              <a:buNone/>
+              <a:defRPr sz="1000"/>
+            </a:lvl7pPr>
+            <a:lvl8pPr marL="3200400" indent="0">
+              <a:buNone/>
+              <a:defRPr sz="1000"/>
+            </a:lvl8pPr>
+            <a:lvl9pPr marL="3657600" indent="0">
+              <a:buNone/>
+              <a:defRPr sz="1000"/>
+            </a:lvl9pPr>
+          </a:lstStyle>
+          <a:p>
+            <a:pPr lvl="0"/>
+            <a:r>
+              <a:rPr lang="zh-CN" altLang="en-US"/>
+              <a:t>单击此处编辑母版文本样式</a:t>
+            </a:r>
+          </a:p>
+        </p:txBody>
+      </p:sp>
+      <p:sp>
+        <p:nvSpPr>
+          <p:cNvPr id="5" name="Date Placeholder 4"/>
+          <p:cNvSpPr>
+            <a:spLocks noGrp="1"/>
+          </p:cNvSpPr>
+          <p:nvPr>
+            <p:ph type="dt" sz="half" idx="10"/>
+          </p:nvPr>
+        </p:nvSpPr>
+        <p:spPr/>
+        <p:txBody>
+          <a:bodyPr/>
+          <a:lstStyle/>
+          <a:p>
+            <a:fld id="{760FBDFE-C587-4B4C-A407-44438C67B59E}" type="datetimeFigureOut">
+              <a:rPr lang="zh-CN" altLang="en-US" smtClean="0"/>
+              <a:t>2024/7/22</a:t>
+            </a:fld>
+            <a:endParaRPr lang="zh-CN" altLang="en-US"/>
+          </a:p>
+        </p:txBody>
+      </p:sp>
+      <p:sp>
+        <p:nvSpPr>
+          <p:cNvPr id="6" name="Footer Placeholder 5"/>
+          <p:cNvSpPr>
+            <a:spLocks noGrp="1"/>
+          </p:cNvSpPr>
+          <p:nvPr>
+            <p:ph type="ftr" sz="quarter" idx="11"/>
+          </p:nvPr>
+        </p:nvSpPr>
+        <p:spPr/>
+        <p:txBody>
+          <a:bodyPr/>
+          <a:lstStyle/>
+          <a:p>
+            <a:endParaRPr lang="zh-CN" altLang="en-US" dirty="0"/>
+          </a:p>
+        </p:txBody>
+      </p:sp>
+      <p:sp>
+        <p:nvSpPr>
+          <p:cNvPr id="7" name="Slide Number Placeholder 6"/>
+          <p:cNvSpPr>
+            <a:spLocks noGrp="1"/>
+          </p:cNvSpPr>
+          <p:nvPr>
+            <p:ph type="sldNum" sz="quarter" idx="12"/>
+          </p:nvPr>
+        </p:nvSpPr>
+        <p:spPr/>
+        <p:txBody>
+          <a:bodyPr/>
+          <a:lstStyle/>
+          <a:p>
+            <a:fld id="{49AE70B2-8BF9-45C0-BB95-33D1B9D3A854}" type="slidenum">
+              <a:rPr lang="zh-CN" altLang="en-US" smtClean="0"/>
+              <a:t>‹#›</a:t>
+            </a:fld>
+            <a:endParaRPr lang="zh-CN" altLang="en-US" dirty="0"/>
+          </a:p>
+        </p:txBody>
+      </p:sp>
+    </p:spTree>
+    <p:extLst>
+      <p:ext uri="{BB962C8B-B14F-4D97-AF65-F5344CB8AC3E}">
+        <p14:creationId xmlns:p14="http://schemas.microsoft.com/office/powerpoint/2010/main" val="4152430755"/>
+      </p:ext>
+    </p:extLst>
+  </p:cSld>
+  <p:clrMapOvr>
+    <a:masterClrMapping/>
+  </p:clrMapOvr>
+</p:sldLayout>
+</file>
+
+<file path=ppt/slideLayouts/slideLayout9.xml><?xml version="1.0" encoding="utf-8"?>
+<p:sldLayout xmlns:a="http://schemas.openxmlformats.org/drawingml/2006/main" xmlns:r="http://schemas.openxmlformats.org/officeDocument/2006/relationships" xmlns:p="http://schemas.openxmlformats.org/presentationml/2006/main" type="picTx" preserve="1">
   <p:cSld name="图片与标题">
     <p:spTree>
       <p:nvGrpSpPr>
@@ -2066,89 +2730,174 @@
       </p:grpSpPr>
       <p:sp>
         <p:nvSpPr>
-          <p:cNvPr id="3" name="图片占位符 2"/>
-          <p:cNvSpPr>
-            <a:spLocks noGrp="1"/>
-          </p:cNvSpPr>
-          <p:nvPr>
-            <p:ph type="pic" idx="1"/>
-            <p:custDataLst>
-              <p:tags r:id="rId2"/>
-            </p:custDataLst>
+          <p:cNvPr id="2" name="Title 1"/>
+          <p:cNvSpPr>
+            <a:spLocks noGrp="1"/>
+          </p:cNvSpPr>
+          <p:nvPr>
+            <p:ph type="title"/>
           </p:nvPr>
         </p:nvSpPr>
         <p:spPr>
           <a:xfrm>
-            <a:off x="608400" y="1555200"/>
-            <a:ext cx="5233077" cy="4608000"/>
+            <a:off x="839788" y="457200"/>
+            <a:ext cx="3932237" cy="1600200"/>
           </a:xfrm>
         </p:spPr>
         <p:txBody>
-          <a:bodyPr vert="horz" lIns="90000" tIns="46800" rIns="90000" bIns="46800" rtlCol="0">
-            <a:normAutofit/>
-          </a:bodyPr>
+          <a:bodyPr anchor="b"/>
           <a:lstStyle>
             <a:lvl1pPr>
+              <a:defRPr sz="3200"/>
+            </a:lvl1pPr>
+          </a:lstStyle>
+          <a:p>
+            <a:r>
+              <a:rPr lang="zh-CN" altLang="en-US"/>
+              <a:t>单击此处编辑母版标题样式</a:t>
+            </a:r>
+            <a:endParaRPr lang="en-US" dirty="0"/>
+          </a:p>
+        </p:txBody>
+      </p:sp>
+      <p:sp>
+        <p:nvSpPr>
+          <p:cNvPr id="3" name="Picture Placeholder 2"/>
+          <p:cNvSpPr>
+            <a:spLocks noGrp="1" noChangeAspect="1"/>
+          </p:cNvSpPr>
+          <p:nvPr>
+            <p:ph type="pic" idx="1"/>
+          </p:nvPr>
+        </p:nvSpPr>
+        <p:spPr>
+          <a:xfrm>
+            <a:off x="5183188" y="987425"/>
+            <a:ext cx="6172200" cy="4873625"/>
+          </a:xfrm>
+        </p:spPr>
+        <p:txBody>
+          <a:bodyPr anchor="t"/>
+          <a:lstStyle>
+            <a:lvl1pPr marL="0" indent="0">
+              <a:buNone/>
+              <a:defRPr sz="3200"/>
+            </a:lvl1pPr>
+            <a:lvl2pPr marL="457200" indent="0">
+              <a:buNone/>
+              <a:defRPr sz="2800"/>
+            </a:lvl2pPr>
+            <a:lvl3pPr marL="914400" indent="0">
+              <a:buNone/>
+              <a:defRPr sz="2400"/>
+            </a:lvl3pPr>
+            <a:lvl4pPr marL="1371600" indent="0">
+              <a:buNone/>
+              <a:defRPr sz="2000"/>
+            </a:lvl4pPr>
+            <a:lvl5pPr marL="1828800" indent="0">
+              <a:buNone/>
+              <a:defRPr sz="2000"/>
+            </a:lvl5pPr>
+            <a:lvl6pPr marL="2286000" indent="0">
+              <a:buNone/>
+              <a:defRPr sz="2000"/>
+            </a:lvl6pPr>
+            <a:lvl7pPr marL="2743200" indent="0">
+              <a:buNone/>
+              <a:defRPr sz="2000"/>
+            </a:lvl7pPr>
+            <a:lvl8pPr marL="3200400" indent="0">
+              <a:buNone/>
+              <a:defRPr sz="2000"/>
+            </a:lvl8pPr>
+            <a:lvl9pPr marL="3657600" indent="0">
+              <a:buNone/>
+              <a:defRPr sz="2000"/>
+            </a:lvl9pPr>
+          </a:lstStyle>
+          <a:p>
+            <a:r>
+              <a:rPr lang="zh-CN" altLang="en-US"/>
+              <a:t>单击图标添加图片</a:t>
+            </a:r>
+            <a:endParaRPr lang="en-US" dirty="0"/>
+          </a:p>
+        </p:txBody>
+      </p:sp>
+      <p:sp>
+        <p:nvSpPr>
+          <p:cNvPr id="4" name="Text Placeholder 3"/>
+          <p:cNvSpPr>
+            <a:spLocks noGrp="1"/>
+          </p:cNvSpPr>
+          <p:nvPr>
+            <p:ph type="body" sz="half" idx="2"/>
+          </p:nvPr>
+        </p:nvSpPr>
+        <p:spPr>
+          <a:xfrm>
+            <a:off x="839788" y="2057400"/>
+            <a:ext cx="3932237" cy="3811588"/>
+          </a:xfrm>
+        </p:spPr>
+        <p:txBody>
+          <a:bodyPr/>
+          <a:lstStyle>
+            <a:lvl1pPr marL="0" indent="0">
               <a:buNone/>
               <a:defRPr sz="1600"/>
             </a:lvl1pPr>
+            <a:lvl2pPr marL="457200" indent="0">
+              <a:buNone/>
+              <a:defRPr sz="1400"/>
+            </a:lvl2pPr>
+            <a:lvl3pPr marL="914400" indent="0">
+              <a:buNone/>
+              <a:defRPr sz="1200"/>
+            </a:lvl3pPr>
+            <a:lvl4pPr marL="1371600" indent="0">
+              <a:buNone/>
+              <a:defRPr sz="1000"/>
+            </a:lvl4pPr>
+            <a:lvl5pPr marL="1828800" indent="0">
+              <a:buNone/>
+              <a:defRPr sz="1000"/>
+            </a:lvl5pPr>
+            <a:lvl6pPr marL="2286000" indent="0">
+              <a:buNone/>
+              <a:defRPr sz="1000"/>
+            </a:lvl6pPr>
+            <a:lvl7pPr marL="2743200" indent="0">
+              <a:buNone/>
+              <a:defRPr sz="1000"/>
+            </a:lvl7pPr>
+            <a:lvl8pPr marL="3200400" indent="0">
+              <a:buNone/>
+              <a:defRPr sz="1000"/>
+            </a:lvl8pPr>
+            <a:lvl9pPr marL="3657600" indent="0">
+              <a:buNone/>
+              <a:defRPr sz="1000"/>
+            </a:lvl9pPr>
           </a:lstStyle>
           <a:p>
             <a:pPr lvl="0"/>
-            <a:endParaRPr lang="zh-CN" altLang="en-US"/>
-          </a:p>
-        </p:txBody>
-      </p:sp>
-      <p:sp>
-        <p:nvSpPr>
-          <p:cNvPr id="4" name="文本占位符 3"/>
-          <p:cNvSpPr>
-            <a:spLocks noGrp="1"/>
-          </p:cNvSpPr>
-          <p:nvPr>
-            <p:ph type="body" sz="half" idx="2"/>
-            <p:custDataLst>
-              <p:tags r:id="rId3"/>
-            </p:custDataLst>
-          </p:nvPr>
-        </p:nvSpPr>
-        <p:spPr>
-          <a:xfrm>
-            <a:off x="6350400" y="1555200"/>
-            <a:ext cx="5227200" cy="4608000"/>
-          </a:xfrm>
-        </p:spPr>
-        <p:txBody>
-          <a:bodyPr vert="horz" lIns="90000" tIns="46800" rIns="90000" bIns="46800" rtlCol="0">
-            <a:normAutofit/>
-          </a:bodyPr>
-          <a:lstStyle>
-            <a:lvl1pPr>
-              <a:buNone/>
-              <a:defRPr sz="1600"/>
-            </a:lvl1pPr>
-          </a:lstStyle>
-          <a:p>
-            <a:pPr lvl="0"/>
-            <a:r>
-              <a:rPr lang="zh-CN" altLang="en-US" smtClean="0"/>
+            <a:r>
+              <a:rPr lang="zh-CN" altLang="en-US"/>
               <a:t>单击此处编辑母版文本样式</a:t>
             </a:r>
-            <a:endParaRPr lang="zh-CN" altLang="en-US"/>
-          </a:p>
-        </p:txBody>
-      </p:sp>
-      <p:sp>
-        <p:nvSpPr>
-          <p:cNvPr id="5" name="日期占位符 4"/>
+          </a:p>
+        </p:txBody>
+      </p:sp>
+      <p:sp>
+        <p:nvSpPr>
+          <p:cNvPr id="5" name="Date Placeholder 4"/>
           <p:cNvSpPr>
             <a:spLocks noGrp="1"/>
           </p:cNvSpPr>
           <p:nvPr>
             <p:ph type="dt" sz="half" idx="10"/>
-            <p:custDataLst>
-              <p:tags r:id="rId4"/>
-            </p:custDataLst>
           </p:nvPr>
         </p:nvSpPr>
         <p:spPr/>
@@ -2158,6 +2907,7 @@
           <a:p>
             <a:fld id="{9EFD9D74-47D9-4702-A33C-335B63B48DBF}" type="datetimeFigureOut">
               <a:rPr lang="zh-CN" altLang="en-US" smtClean="0"/>
+              <a:t>2024/7/22</a:t>
             </a:fld>
             <a:endParaRPr lang="zh-CN" altLang="en-US" dirty="0"/>
           </a:p>
@@ -2165,15 +2915,12 @@
       </p:sp>
       <p:sp>
         <p:nvSpPr>
-          <p:cNvPr id="6" name="页脚占位符 5"/>
+          <p:cNvPr id="6" name="Footer Placeholder 5"/>
           <p:cNvSpPr>
             <a:spLocks noGrp="1"/>
           </p:cNvSpPr>
           <p:nvPr>
             <p:ph type="ftr" sz="quarter" idx="11"/>
-            <p:custDataLst>
-              <p:tags r:id="rId5"/>
-            </p:custDataLst>
           </p:nvPr>
         </p:nvSpPr>
         <p:spPr/>
@@ -2187,15 +2934,12 @@
       </p:sp>
       <p:sp>
         <p:nvSpPr>
-          <p:cNvPr id="7" name="灯片编号占位符 6"/>
+          <p:cNvPr id="7" name="Slide Number Placeholder 6"/>
           <p:cNvSpPr>
             <a:spLocks noGrp="1"/>
           </p:cNvSpPr>
           <p:nvPr>
             <p:ph type="sldNum" sz="quarter" idx="12"/>
-            <p:custDataLst>
-              <p:tags r:id="rId6"/>
-            </p:custDataLst>
           </p:nvPr>
         </p:nvSpPr>
         <p:spPr/>
@@ -2205,256 +2949,18 @@
           <a:p>
             <a:fld id="{FABC47A4-756D-490B-A52F-7D9E2C9FC05F}" type="slidenum">
               <a:rPr lang="zh-CN" altLang="en-US" smtClean="0"/>
+              <a:t>‹#›</a:t>
             </a:fld>
             <a:endParaRPr lang="zh-CN" altLang="en-US"/>
           </a:p>
         </p:txBody>
       </p:sp>
-      <p:sp>
-        <p:nvSpPr>
-          <p:cNvPr id="9" name="标题 8"/>
-          <p:cNvSpPr>
-            <a:spLocks noGrp="1"/>
-          </p:cNvSpPr>
-          <p:nvPr>
-            <p:ph type="title"/>
-            <p:custDataLst>
-              <p:tags r:id="rId7"/>
-            </p:custDataLst>
-          </p:nvPr>
-        </p:nvSpPr>
-        <p:spPr/>
-        <p:txBody>
-          <a:bodyPr/>
-          <a:p>
-            <a:r>
-              <a:rPr lang="zh-CN" altLang="en-US"/>
-              <a:t>单击此处编辑母版标题样式</a:t>
-            </a:r>
-            <a:endParaRPr lang="zh-CN" altLang="en-US"/>
-          </a:p>
-        </p:txBody>
-      </p:sp>
     </p:spTree>
-  </p:cSld>
-  <p:clrMapOvr>
-    <a:masterClrMapping/>
-  </p:clrMapOvr>
-</p:sldLayout>
-</file>
-
-<file path=ppt/slideLayouts/slideLayout9.xml><?xml version="1.0" encoding="utf-8"?>
-<p:sldLayout xmlns:a="http://schemas.openxmlformats.org/drawingml/2006/main" xmlns:r="http://schemas.openxmlformats.org/officeDocument/2006/relationships" xmlns:p="http://schemas.openxmlformats.org/presentationml/2006/main" type="vertTitleAndTx" preserve="1">
-  <p:cSld name="竖排标题与文本">
-    <p:spTree>
-      <p:nvGrpSpPr>
-        <p:cNvPr id="1" name=""/>
-        <p:cNvGrpSpPr/>
-        <p:nvPr/>
-      </p:nvGrpSpPr>
-      <p:grpSpPr>
-        <a:xfrm>
-          <a:off x="0" y="0"/>
-          <a:ext cx="0" cy="0"/>
-          <a:chOff x="0" y="0"/>
-          <a:chExt cx="0" cy="0"/>
-        </a:xfrm>
-      </p:grpSpPr>
-      <p:sp>
-        <p:nvSpPr>
-          <p:cNvPr id="2" name="竖排标题 1"/>
-          <p:cNvSpPr>
-            <a:spLocks noGrp="1"/>
-          </p:cNvSpPr>
-          <p:nvPr>
-            <p:ph type="title" orient="vert" hasCustomPrompt="1"/>
-            <p:custDataLst>
-              <p:tags r:id="rId2"/>
-            </p:custDataLst>
-          </p:nvPr>
-        </p:nvSpPr>
-        <p:spPr>
-          <a:xfrm>
-            <a:off x="10234800" y="914400"/>
-            <a:ext cx="1044000" cy="5029200"/>
-          </a:xfrm>
-        </p:spPr>
-        <p:txBody>
-          <a:bodyPr vert="eaVert" lIns="90000" tIns="46800" rIns="90000" bIns="46800" rtlCol="0" anchor="ctr" anchorCtr="0">
-            <a:normAutofit/>
-          </a:bodyPr>
-          <a:lstStyle>
-            <a:lvl1pPr>
-              <a:buNone/>
-              <a:defRPr sz="2800"/>
-            </a:lvl1pPr>
-          </a:lstStyle>
-          <a:p>
-            <a:pPr lvl="0"/>
-            <a:r>
-              <a:rPr lang="zh-CN" altLang="en-US" smtClean="0"/>
-              <a:t>单击此处编辑标题</a:t>
-            </a:r>
-            <a:endParaRPr lang="zh-CN" altLang="en-US"/>
-          </a:p>
-        </p:txBody>
-      </p:sp>
-      <p:sp>
-        <p:nvSpPr>
-          <p:cNvPr id="3" name="竖排文字占位符 2"/>
-          <p:cNvSpPr>
-            <a:spLocks noGrp="1"/>
-          </p:cNvSpPr>
-          <p:nvPr>
-            <p:ph type="body" orient="vert" idx="1"/>
-            <p:custDataLst>
-              <p:tags r:id="rId3"/>
-            </p:custDataLst>
-          </p:nvPr>
-        </p:nvSpPr>
-        <p:spPr>
-          <a:xfrm>
-            <a:off x="914400" y="914400"/>
-            <a:ext cx="9169200" cy="5029200"/>
-          </a:xfrm>
-        </p:spPr>
-        <p:txBody>
-          <a:bodyPr vert="eaVert" lIns="46800" tIns="46800" rIns="46800" bIns="46800"/>
-          <a:lstStyle>
-            <a:lvl1pPr marL="228600" indent="-228600">
-              <a:spcAft>
-                <a:spcPts val="1000"/>
-              </a:spcAft>
-              <a:defRPr spc="300"/>
-            </a:lvl1pPr>
-            <a:lvl2pPr marL="685800" indent="-228600">
-              <a:defRPr spc="300"/>
-            </a:lvl2pPr>
-            <a:lvl3pPr marL="1143000" indent="-228600">
-              <a:defRPr spc="300"/>
-            </a:lvl3pPr>
-            <a:lvl4pPr marL="1600200" indent="-228600">
-              <a:defRPr spc="300"/>
-            </a:lvl4pPr>
-            <a:lvl5pPr marL="2057400" indent="-228600">
-              <a:defRPr spc="300"/>
-            </a:lvl5pPr>
-          </a:lstStyle>
-          <a:p>
-            <a:pPr lvl="0"/>
-            <a:r>
-              <a:rPr lang="zh-CN" altLang="en-US" dirty="0"/>
-              <a:t>单击此处编辑母版文本样式</a:t>
-            </a:r>
-            <a:endParaRPr lang="zh-CN" altLang="en-US" dirty="0"/>
-          </a:p>
-          <a:p>
-            <a:pPr lvl="1"/>
-            <a:r>
-              <a:rPr lang="zh-CN" altLang="en-US" dirty="0"/>
-              <a:t>第二级</a:t>
-            </a:r>
-            <a:endParaRPr lang="zh-CN" altLang="en-US" dirty="0"/>
-          </a:p>
-          <a:p>
-            <a:pPr lvl="2"/>
-            <a:r>
-              <a:rPr lang="zh-CN" altLang="en-US" dirty="0"/>
-              <a:t>第三级</a:t>
-            </a:r>
-            <a:endParaRPr lang="zh-CN" altLang="en-US" dirty="0"/>
-          </a:p>
-          <a:p>
-            <a:pPr lvl="3"/>
-            <a:r>
-              <a:rPr lang="zh-CN" altLang="en-US" dirty="0"/>
-              <a:t>第四级</a:t>
-            </a:r>
-            <a:endParaRPr lang="zh-CN" altLang="en-US" dirty="0"/>
-          </a:p>
-          <a:p>
-            <a:pPr lvl="4"/>
-            <a:r>
-              <a:rPr lang="zh-CN" altLang="en-US" dirty="0"/>
-              <a:t>第五级</a:t>
-            </a:r>
-            <a:endParaRPr lang="zh-CN" altLang="en-US" dirty="0"/>
-          </a:p>
-        </p:txBody>
-      </p:sp>
-      <p:sp>
-        <p:nvSpPr>
-          <p:cNvPr id="4" name="日期占位符 3"/>
-          <p:cNvSpPr>
-            <a:spLocks noGrp="1"/>
-          </p:cNvSpPr>
-          <p:nvPr>
-            <p:ph type="dt" sz="half" idx="10"/>
-            <p:custDataLst>
-              <p:tags r:id="rId4"/>
-            </p:custDataLst>
-          </p:nvPr>
-        </p:nvSpPr>
-        <p:spPr/>
-        <p:txBody>
-          <a:bodyPr/>
-          <a:lstStyle/>
-          <a:p>
-            <a:fld id="{760FBDFE-C587-4B4C-A407-44438C67B59E}" type="datetimeFigureOut">
-              <a:rPr lang="zh-CN" altLang="en-US" smtClean="0"/>
-            </a:fld>
-            <a:endParaRPr lang="zh-CN" altLang="en-US"/>
-          </a:p>
-        </p:txBody>
-      </p:sp>
-      <p:sp>
-        <p:nvSpPr>
-          <p:cNvPr id="5" name="页脚占位符 4"/>
-          <p:cNvSpPr>
-            <a:spLocks noGrp="1"/>
-          </p:cNvSpPr>
-          <p:nvPr>
-            <p:ph type="ftr" sz="quarter" idx="11"/>
-            <p:custDataLst>
-              <p:tags r:id="rId5"/>
-            </p:custDataLst>
-          </p:nvPr>
-        </p:nvSpPr>
-        <p:spPr/>
-        <p:txBody>
-          <a:bodyPr/>
-          <a:lstStyle/>
-          <a:p>
-            <a:endParaRPr lang="zh-CN" altLang="en-US"/>
-          </a:p>
-        </p:txBody>
-      </p:sp>
-      <p:sp>
-        <p:nvSpPr>
-          <p:cNvPr id="6" name="灯片编号占位符 5"/>
-          <p:cNvSpPr>
-            <a:spLocks noGrp="1"/>
-          </p:cNvSpPr>
-          <p:nvPr>
-            <p:ph type="sldNum" sz="quarter" idx="12"/>
-            <p:custDataLst>
-              <p:tags r:id="rId6"/>
-            </p:custDataLst>
-          </p:nvPr>
-        </p:nvSpPr>
-        <p:spPr/>
-        <p:txBody>
-          <a:bodyPr/>
-          <a:lstStyle/>
-          <a:p>
-            <a:fld id="{49AE70B2-8BF9-45C0-BB95-33D1B9D3A854}" type="slidenum">
-              <a:rPr lang="zh-CN" altLang="en-US" smtClean="0"/>
-            </a:fld>
-            <a:endParaRPr lang="zh-CN" altLang="en-US"/>
-          </a:p>
-        </p:txBody>
-      </p:sp>
-    </p:spTree>
+    <p:extLst>
+      <p:ext uri="{BB962C8B-B14F-4D97-AF65-F5344CB8AC3E}">
+        <p14:creationId xmlns:p14="http://schemas.microsoft.com/office/powerpoint/2010/main" val="689539072"/>
+      </p:ext>
+    </p:extLst>
   </p:cSld>
   <p:clrMapOvr>
     <a:masterClrMapping/>
@@ -2486,138 +2992,123 @@
       </p:grpSpPr>
       <p:sp>
         <p:nvSpPr>
-          <p:cNvPr id="2" name="标题占位符 1"/>
+          <p:cNvPr id="2" name="Title Placeholder 1"/>
           <p:cNvSpPr>
             <a:spLocks noGrp="1"/>
           </p:cNvSpPr>
           <p:nvPr>
             <p:ph type="title"/>
-            <p:custDataLst>
-              <p:tags r:id="rId12"/>
-            </p:custDataLst>
           </p:nvPr>
         </p:nvSpPr>
         <p:spPr>
           <a:xfrm>
-            <a:off x="608400" y="608400"/>
-            <a:ext cx="10969200" cy="705600"/>
+            <a:off x="838200" y="365125"/>
+            <a:ext cx="10515600" cy="1325563"/>
           </a:xfrm>
           <a:prstGeom prst="rect">
             <a:avLst/>
           </a:prstGeom>
         </p:spPr>
         <p:txBody>
-          <a:bodyPr vert="horz" lIns="90170" tIns="46990" rIns="90170" bIns="46990" rtlCol="0" anchor="ctr" anchorCtr="0">
+          <a:bodyPr vert="horz" lIns="91440" tIns="45720" rIns="91440" bIns="45720" rtlCol="0" anchor="ctr">
             <a:normAutofit/>
           </a:bodyPr>
           <a:lstStyle/>
           <a:p>
             <a:r>
-              <a:rPr lang="zh-CN" altLang="en-US" dirty="0"/>
+              <a:rPr lang="zh-CN" altLang="en-US"/>
               <a:t>单击此处编辑母版标题样式</a:t>
             </a:r>
-            <a:endParaRPr lang="zh-CN" altLang="en-US" dirty="0"/>
-          </a:p>
-        </p:txBody>
-      </p:sp>
-      <p:sp>
-        <p:nvSpPr>
-          <p:cNvPr id="3" name="文本占位符 2"/>
+            <a:endParaRPr lang="en-US" dirty="0"/>
+          </a:p>
+        </p:txBody>
+      </p:sp>
+      <p:sp>
+        <p:nvSpPr>
+          <p:cNvPr id="3" name="Text Placeholder 2"/>
           <p:cNvSpPr>
             <a:spLocks noGrp="1"/>
           </p:cNvSpPr>
           <p:nvPr>
             <p:ph type="body" idx="1"/>
-            <p:custDataLst>
-              <p:tags r:id="rId13"/>
-            </p:custDataLst>
           </p:nvPr>
         </p:nvSpPr>
         <p:spPr>
           <a:xfrm>
-            <a:off x="608400" y="1490400"/>
-            <a:ext cx="10969200" cy="4759200"/>
+            <a:off x="838200" y="1825625"/>
+            <a:ext cx="10515600" cy="4351338"/>
           </a:xfrm>
           <a:prstGeom prst="rect">
             <a:avLst/>
           </a:prstGeom>
         </p:spPr>
         <p:txBody>
-          <a:bodyPr vert="horz" lIns="90000" tIns="46800" rIns="90000" bIns="46800" rtlCol="0">
+          <a:bodyPr vert="horz" lIns="91440" tIns="45720" rIns="91440" bIns="45720" rtlCol="0">
             <a:normAutofit/>
           </a:bodyPr>
           <a:lstStyle/>
           <a:p>
             <a:pPr lvl="0"/>
             <a:r>
-              <a:rPr lang="zh-CN" altLang="en-US" dirty="0"/>
+              <a:rPr lang="zh-CN" altLang="en-US"/>
               <a:t>单击此处编辑母版文本样式</a:t>
             </a:r>
-            <a:endParaRPr lang="zh-CN" altLang="en-US" dirty="0"/>
           </a:p>
           <a:p>
             <a:pPr lvl="1"/>
             <a:r>
-              <a:rPr lang="zh-CN" altLang="en-US" dirty="0"/>
-              <a:t>第二级</a:t>
-            </a:r>
-            <a:endParaRPr lang="zh-CN" altLang="en-US" dirty="0"/>
+              <a:rPr lang="zh-CN" altLang="en-US"/>
+              <a:t>二级</a:t>
+            </a:r>
           </a:p>
           <a:p>
             <a:pPr lvl="2"/>
             <a:r>
-              <a:rPr lang="zh-CN" altLang="en-US" dirty="0"/>
-              <a:t>第三级</a:t>
-            </a:r>
-            <a:endParaRPr lang="zh-CN" altLang="en-US" dirty="0"/>
+              <a:rPr lang="zh-CN" altLang="en-US"/>
+              <a:t>三级</a:t>
+            </a:r>
           </a:p>
           <a:p>
             <a:pPr lvl="3"/>
             <a:r>
-              <a:rPr lang="zh-CN" altLang="en-US" dirty="0"/>
-              <a:t>第四级</a:t>
-            </a:r>
-            <a:endParaRPr lang="zh-CN" altLang="en-US" dirty="0"/>
+              <a:rPr lang="zh-CN" altLang="en-US"/>
+              <a:t>四级</a:t>
+            </a:r>
           </a:p>
           <a:p>
             <a:pPr lvl="4"/>
             <a:r>
-              <a:rPr lang="zh-CN" altLang="en-US" dirty="0"/>
-              <a:t>第五级</a:t>
-            </a:r>
-            <a:endParaRPr lang="zh-CN" altLang="en-US" dirty="0"/>
-          </a:p>
-        </p:txBody>
-      </p:sp>
-      <p:sp>
-        <p:nvSpPr>
-          <p:cNvPr id="4" name="日期占位符 3"/>
+              <a:rPr lang="zh-CN" altLang="en-US"/>
+              <a:t>五级</a:t>
+            </a:r>
+            <a:endParaRPr lang="en-US" dirty="0"/>
+          </a:p>
+        </p:txBody>
+      </p:sp>
+      <p:sp>
+        <p:nvSpPr>
+          <p:cNvPr id="4" name="Date Placeholder 3"/>
           <p:cNvSpPr>
             <a:spLocks noGrp="1"/>
           </p:cNvSpPr>
           <p:nvPr>
             <p:ph type="dt" sz="half" idx="2"/>
-            <p:custDataLst>
-              <p:tags r:id="rId14"/>
-            </p:custDataLst>
           </p:nvPr>
         </p:nvSpPr>
         <p:spPr>
           <a:xfrm>
-            <a:off x="612000" y="6314400"/>
-            <a:ext cx="2700000" cy="316800"/>
+            <a:off x="838200" y="6356350"/>
+            <a:ext cx="2743200" cy="365125"/>
           </a:xfrm>
           <a:prstGeom prst="rect">
             <a:avLst/>
           </a:prstGeom>
         </p:spPr>
         <p:txBody>
-          <a:bodyPr vert="horz" lIns="91440" tIns="45720" rIns="91440" bIns="45720" rtlCol="0" anchor="ctr">
-            <a:normAutofit/>
-          </a:bodyPr>
+          <a:bodyPr vert="horz" lIns="91440" tIns="45720" rIns="91440" bIns="45720" rtlCol="0" anchor="ctr"/>
           <a:lstStyle>
             <a:lvl1pPr algn="l">
-              <a:defRPr sz="1000" baseline="0">
+              <a:defRPr sz="1200">
                 <a:solidFill>
                   <a:schemeClr val="tx1">
                     <a:tint val="75000"/>
@@ -2629,6 +3120,7 @@
           <a:p>
             <a:fld id="{760FBDFE-C587-4B4C-A407-44438C67B59E}" type="datetimeFigureOut">
               <a:rPr lang="zh-CN" altLang="en-US" smtClean="0"/>
+              <a:t>2024/7/22</a:t>
             </a:fld>
             <a:endParaRPr lang="zh-CN" altLang="en-US"/>
           </a:p>
@@ -2636,33 +3128,28 @@
       </p:sp>
       <p:sp>
         <p:nvSpPr>
-          <p:cNvPr id="5" name="页脚占位符 4"/>
+          <p:cNvPr id="5" name="Footer Placeholder 4"/>
           <p:cNvSpPr>
             <a:spLocks noGrp="1"/>
           </p:cNvSpPr>
           <p:nvPr>
             <p:ph type="ftr" sz="quarter" idx="3"/>
-            <p:custDataLst>
-              <p:tags r:id="rId15"/>
-            </p:custDataLst>
           </p:nvPr>
         </p:nvSpPr>
         <p:spPr>
           <a:xfrm>
-            <a:off x="4116000" y="6314400"/>
-            <a:ext cx="3960000" cy="316800"/>
+            <a:off x="4038600" y="6356350"/>
+            <a:ext cx="4114800" cy="365125"/>
           </a:xfrm>
           <a:prstGeom prst="rect">
             <a:avLst/>
           </a:prstGeom>
         </p:spPr>
         <p:txBody>
-          <a:bodyPr vert="horz" lIns="91440" tIns="45720" rIns="91440" bIns="45720" rtlCol="0" anchor="ctr">
-            <a:normAutofit/>
-          </a:bodyPr>
+          <a:bodyPr vert="horz" lIns="91440" tIns="45720" rIns="91440" bIns="45720" rtlCol="0" anchor="ctr"/>
           <a:lstStyle>
             <a:lvl1pPr algn="ctr">
-              <a:defRPr sz="1000" baseline="0">
+              <a:defRPr sz="1200">
                 <a:solidFill>
                   <a:schemeClr val="tx1">
                     <a:tint val="75000"/>
@@ -2678,33 +3165,28 @@
       </p:sp>
       <p:sp>
         <p:nvSpPr>
-          <p:cNvPr id="6" name="灯片编号占位符 5"/>
+          <p:cNvPr id="6" name="Slide Number Placeholder 5"/>
           <p:cNvSpPr>
             <a:spLocks noGrp="1"/>
           </p:cNvSpPr>
           <p:nvPr>
             <p:ph type="sldNum" sz="quarter" idx="4"/>
-            <p:custDataLst>
-              <p:tags r:id="rId16"/>
-            </p:custDataLst>
           </p:nvPr>
         </p:nvSpPr>
         <p:spPr>
           <a:xfrm>
-            <a:off x="8877600" y="6314400"/>
-            <a:ext cx="2700000" cy="316800"/>
+            <a:off x="8610600" y="6356350"/>
+            <a:ext cx="2743200" cy="365125"/>
           </a:xfrm>
           <a:prstGeom prst="rect">
             <a:avLst/>
           </a:prstGeom>
         </p:spPr>
         <p:txBody>
-          <a:bodyPr vert="horz" lIns="91440" tIns="45720" rIns="91440" bIns="45720" rtlCol="0" anchor="ctr">
-            <a:normAutofit/>
-          </a:bodyPr>
+          <a:bodyPr vert="horz" lIns="91440" tIns="45720" rIns="91440" bIns="45720" rtlCol="0" anchor="ctr"/>
           <a:lstStyle>
             <a:lvl1pPr algn="r">
-              <a:defRPr sz="1000" baseline="0">
+              <a:defRPr sz="1200">
                 <a:solidFill>
                   <a:schemeClr val="tx1">
                     <a:tint val="75000"/>
@@ -2716,48 +3198,50 @@
           <a:p>
             <a:fld id="{49AE70B2-8BF9-45C0-BB95-33D1B9D3A854}" type="slidenum">
               <a:rPr lang="zh-CN" altLang="en-US" smtClean="0"/>
+              <a:t>‹#›</a:t>
             </a:fld>
             <a:endParaRPr lang="zh-CN" altLang="en-US" dirty="0"/>
           </a:p>
         </p:txBody>
       </p:sp>
     </p:spTree>
-    <p:custDataLst>
-      <p:tags r:id="rId17"/>
-    </p:custDataLst>
+    <p:extLst>
+      <p:ext uri="{BB962C8B-B14F-4D97-AF65-F5344CB8AC3E}">
+        <p14:creationId xmlns:p14="http://schemas.microsoft.com/office/powerpoint/2010/main" val="1345088379"/>
+      </p:ext>
+    </p:extLst>
   </p:cSld>
-  <p:clrMap bg1="lt1" tx1="dk1" bg2="lt2" tx2="dk2" accent1="accent1" accent2="accent2" accent3="accent3" accent4="accent4" accent5="accent5" accent6="accent6" hlink="hlink" folHlink="folHlink"/>
+  <p:clrMap bg1="dk1" tx1="lt1" bg2="dk2" tx2="lt2" accent1="accent1" accent2="accent2" accent3="accent3" accent4="accent4" accent5="accent5" accent6="accent6" hlink="hlink" folHlink="folHlink"/>
   <p:sldLayoutIdLst>
-    <p:sldLayoutId id="2147483649" r:id="rId1"/>
-    <p:sldLayoutId id="2147483650" r:id="rId2"/>
-    <p:sldLayoutId id="2147483651" r:id="rId3"/>
-    <p:sldLayoutId id="2147483652" r:id="rId4"/>
-    <p:sldLayoutId id="2147483653" r:id="rId5"/>
-    <p:sldLayoutId id="2147483654" r:id="rId6"/>
-    <p:sldLayoutId id="2147483655" r:id="rId7"/>
-    <p:sldLayoutId id="2147483656" r:id="rId8"/>
-    <p:sldLayoutId id="2147483657" r:id="rId9"/>
-    <p:sldLayoutId id="2147483658" r:id="rId10"/>
-    <p:sldLayoutId id="2147483659" r:id="rId11"/>
+    <p:sldLayoutId id="2147483673" r:id="rId1"/>
+    <p:sldLayoutId id="2147483674" r:id="rId2"/>
+    <p:sldLayoutId id="2147483675" r:id="rId3"/>
+    <p:sldLayoutId id="2147483676" r:id="rId4"/>
+    <p:sldLayoutId id="2147483677" r:id="rId5"/>
+    <p:sldLayoutId id="2147483678" r:id="rId6"/>
+    <p:sldLayoutId id="2147483679" r:id="rId7"/>
+    <p:sldLayoutId id="2147483680" r:id="rId8"/>
+    <p:sldLayoutId id="2147483681" r:id="rId9"/>
+    <p:sldLayoutId id="2147483682" r:id="rId10"/>
+    <p:sldLayoutId id="2147483683" r:id="rId11"/>
+    <p:sldLayoutId id="2147483656" r:id="rId12"/>
+    <p:sldLayoutId id="2147483658" r:id="rId13"/>
+    <p:sldLayoutId id="2147483659" r:id="rId14"/>
   </p:sldLayoutIdLst>
   <p:txStyles>
     <p:titleStyle>
-      <a:lvl1pPr algn="l" defTabSz="914400" rtl="0" eaLnBrk="1" fontAlgn="auto" latinLnBrk="0" hangingPunct="1">
+      <a:lvl1pPr algn="l" defTabSz="914400" rtl="0" eaLnBrk="1" latinLnBrk="0" hangingPunct="1">
         <a:lnSpc>
-          <a:spcPct val="100000"/>
+          <a:spcPct val="90000"/>
         </a:lnSpc>
         <a:spcBef>
           <a:spcPct val="0"/>
         </a:spcBef>
         <a:buNone/>
-        <a:defRPr sz="3600" b="1" u="none" strike="noStrike" kern="1200" cap="none" spc="300" normalizeH="0" baseline="0">
+        <a:defRPr sz="4400" kern="1200">
           <a:solidFill>
-            <a:schemeClr val="tx1">
-              <a:lumMod val="85000"/>
-              <a:lumOff val="15000"/>
-            </a:schemeClr>
+            <a:schemeClr val="tx1"/>
           </a:solidFill>
-          <a:uFillTx/>
           <a:latin typeface="+mj-lt"/>
           <a:ea typeface="+mj-ea"/>
           <a:cs typeface="+mj-cs"/>
@@ -2765,132 +3249,91 @@
       </a:lvl1pPr>
     </p:titleStyle>
     <p:bodyStyle>
-      <a:lvl1pPr marL="228600" indent="-228600" algn="l" defTabSz="914400" rtl="0" eaLnBrk="1" fontAlgn="auto" latinLnBrk="0" hangingPunct="1">
+      <a:lvl1pPr marL="228600" indent="-228600" algn="l" defTabSz="914400" rtl="0" eaLnBrk="1" latinLnBrk="0" hangingPunct="1">
         <a:lnSpc>
-          <a:spcPct val="130000"/>
+          <a:spcPct val="90000"/>
         </a:lnSpc>
         <a:spcBef>
-          <a:spcPts val="0"/>
+          <a:spcPts val="1000"/>
         </a:spcBef>
-        <a:spcAft>
-          <a:spcPts val="1000"/>
-        </a:spcAft>
         <a:buFont typeface="Arial" panose="020B0604020202020204" pitchFamily="34" charset="0"/>
-        <a:buChar char="●"/>
-        <a:defRPr sz="1800" u="none" strike="noStrike" kern="1200" cap="none" spc="150" normalizeH="0" baseline="0">
+        <a:buChar char="•"/>
+        <a:defRPr sz="2800" kern="1200">
           <a:solidFill>
-            <a:schemeClr val="tx1">
-              <a:lumMod val="65000"/>
-              <a:lumOff val="35000"/>
-            </a:schemeClr>
+            <a:schemeClr val="tx1"/>
           </a:solidFill>
-          <a:uFillTx/>
           <a:latin typeface="+mn-lt"/>
           <a:ea typeface="+mn-ea"/>
           <a:cs typeface="+mn-cs"/>
         </a:defRPr>
       </a:lvl1pPr>
-      <a:lvl2pPr marL="685800" indent="-228600" algn="l" defTabSz="914400" rtl="0" eaLnBrk="1" fontAlgn="auto" latinLnBrk="0" hangingPunct="1">
+      <a:lvl2pPr marL="685800" indent="-228600" algn="l" defTabSz="914400" rtl="0" eaLnBrk="1" latinLnBrk="0" hangingPunct="1">
         <a:lnSpc>
-          <a:spcPct val="120000"/>
+          <a:spcPct val="90000"/>
         </a:lnSpc>
         <a:spcBef>
-          <a:spcPts val="0"/>
+          <a:spcPts val="500"/>
         </a:spcBef>
-        <a:spcAft>
-          <a:spcPts val="600"/>
-        </a:spcAft>
         <a:buFont typeface="Arial" panose="020B0604020202020204" pitchFamily="34" charset="0"/>
-        <a:buChar char="●"/>
-        <a:tabLst>
-          <a:tab pos="1609725" algn="l"/>
-          <a:tab pos="1609725" algn="l"/>
-          <a:tab pos="1609725" algn="l"/>
-          <a:tab pos="1609725" algn="l"/>
-        </a:tabLst>
-        <a:defRPr sz="1600" u="none" strike="noStrike" kern="1200" cap="none" spc="150" normalizeH="0" baseline="0">
+        <a:buChar char="•"/>
+        <a:defRPr sz="2400" kern="1200">
           <a:solidFill>
-            <a:schemeClr val="tx1">
-              <a:lumMod val="65000"/>
-              <a:lumOff val="35000"/>
-            </a:schemeClr>
+            <a:schemeClr val="tx1"/>
           </a:solidFill>
-          <a:uFillTx/>
           <a:latin typeface="+mn-lt"/>
           <a:ea typeface="+mn-ea"/>
           <a:cs typeface="+mn-cs"/>
         </a:defRPr>
       </a:lvl2pPr>
-      <a:lvl3pPr marL="1143000" indent="-228600" algn="l" defTabSz="914400" rtl="0" eaLnBrk="1" fontAlgn="auto" latinLnBrk="0" hangingPunct="1">
+      <a:lvl3pPr marL="1143000" indent="-228600" algn="l" defTabSz="914400" rtl="0" eaLnBrk="1" latinLnBrk="0" hangingPunct="1">
         <a:lnSpc>
-          <a:spcPct val="120000"/>
+          <a:spcPct val="90000"/>
         </a:lnSpc>
         <a:spcBef>
-          <a:spcPts val="0"/>
+          <a:spcPts val="500"/>
         </a:spcBef>
-        <a:spcAft>
-          <a:spcPts val="600"/>
-        </a:spcAft>
         <a:buFont typeface="Arial" panose="020B0604020202020204" pitchFamily="34" charset="0"/>
-        <a:buChar char="●"/>
-        <a:defRPr sz="1600" u="none" strike="noStrike" kern="1200" cap="none" spc="150" normalizeH="0" baseline="0">
+        <a:buChar char="•"/>
+        <a:defRPr sz="2000" kern="1200">
           <a:solidFill>
-            <a:schemeClr val="tx1">
-              <a:lumMod val="65000"/>
-              <a:lumOff val="35000"/>
-            </a:schemeClr>
+            <a:schemeClr val="tx1"/>
           </a:solidFill>
-          <a:uFillTx/>
           <a:latin typeface="+mn-lt"/>
           <a:ea typeface="+mn-ea"/>
           <a:cs typeface="+mn-cs"/>
         </a:defRPr>
       </a:lvl3pPr>
-      <a:lvl4pPr marL="1600200" indent="-228600" algn="l" defTabSz="914400" rtl="0" eaLnBrk="1" fontAlgn="auto" latinLnBrk="0" hangingPunct="1">
+      <a:lvl4pPr marL="1600200" indent="-228600" algn="l" defTabSz="914400" rtl="0" eaLnBrk="1" latinLnBrk="0" hangingPunct="1">
         <a:lnSpc>
-          <a:spcPct val="120000"/>
+          <a:spcPct val="90000"/>
         </a:lnSpc>
         <a:spcBef>
-          <a:spcPts val="0"/>
+          <a:spcPts val="500"/>
         </a:spcBef>
-        <a:spcAft>
-          <a:spcPts val="300"/>
-        </a:spcAft>
-        <a:buFont typeface="Wingdings" panose="05000000000000000000" charset="0"/>
-        <a:buChar char=""/>
-        <a:defRPr sz="1400" u="none" strike="noStrike" kern="1200" cap="none" spc="150" normalizeH="0" baseline="0">
+        <a:buFont typeface="Arial" panose="020B0604020202020204" pitchFamily="34" charset="0"/>
+        <a:buChar char="•"/>
+        <a:defRPr sz="1800" kern="1200">
           <a:solidFill>
-            <a:schemeClr val="tx1">
-              <a:lumMod val="65000"/>
-              <a:lumOff val="35000"/>
-            </a:schemeClr>
+            <a:schemeClr val="tx1"/>
           </a:solidFill>
-          <a:uFillTx/>
           <a:latin typeface="+mn-lt"/>
           <a:ea typeface="+mn-ea"/>
           <a:cs typeface="+mn-cs"/>
         </a:defRPr>
       </a:lvl4pPr>
-      <a:lvl5pPr marL="2057400" indent="-228600" algn="l" defTabSz="914400" rtl="0" eaLnBrk="1" fontAlgn="auto" latinLnBrk="0" hangingPunct="1">
+      <a:lvl5pPr marL="2057400" indent="-228600" algn="l" defTabSz="914400" rtl="0" eaLnBrk="1" latinLnBrk="0" hangingPunct="1">
         <a:lnSpc>
-          <a:spcPct val="120000"/>
+          <a:spcPct val="90000"/>
         </a:lnSpc>
         <a:spcBef>
-          <a:spcPts val="0"/>
+          <a:spcPts val="500"/>
         </a:spcBef>
-        <a:spcAft>
-          <a:spcPts val="300"/>
-        </a:spcAft>
         <a:buFont typeface="Arial" panose="020B0604020202020204" pitchFamily="34" charset="0"/>
         <a:buChar char="•"/>
-        <a:defRPr sz="1400" u="none" strike="noStrike" kern="1200" cap="none" spc="150" normalizeH="0" baseline="0">
+        <a:defRPr sz="1800" kern="1200">
           <a:solidFill>
-            <a:schemeClr val="tx1">
-              <a:lumMod val="65000"/>
-              <a:lumOff val="35000"/>
-            </a:schemeClr>
+            <a:schemeClr val="tx1"/>
           </a:solidFill>
-          <a:uFillTx/>
           <a:latin typeface="+mn-lt"/>
           <a:ea typeface="+mn-ea"/>
           <a:cs typeface="+mn-cs"/>
@@ -2971,7 +3414,7 @@
     </p:bodyStyle>
     <p:otherStyle>
       <a:defPPr>
-        <a:defRPr lang="zh-CN"/>
+        <a:defRPr lang="en-US"/>
       </a:defPPr>
       <a:lvl1pPr marL="0" algn="l" defTabSz="914400" rtl="0" eaLnBrk="1" latinLnBrk="0" hangingPunct="1">
         <a:defRPr sz="1800" kern="1200">
@@ -3105,19 +3548,19 @@
           <a:bodyPr wrap="square" rtlCol="0">
             <a:noAutofit/>
           </a:bodyPr>
-          <a:p>
-            <a:r>
-              <a:rPr lang="zh-CN" altLang="en-US" sz="2400" u="sng"/>
+          <a:lstStyle/>
+          <a:p>
+            <a:r>
+              <a:rPr lang="zh-CN" altLang="en-US" sz="2400" u="sng" dirty="0"/>
               <a:t>问题反馈</a:t>
             </a:r>
             <a:r>
-              <a:rPr lang="zh-CN" altLang="en-US"/>
+              <a:rPr lang="zh-CN" altLang="en-US" dirty="0"/>
               <a:t>：</a:t>
             </a:r>
-            <a:endParaRPr lang="zh-CN" altLang="en-US"/>
-          </a:p>
-          <a:p>
-            <a:endParaRPr lang="zh-CN" altLang="en-US"/>
+          </a:p>
+          <a:p>
+            <a:endParaRPr lang="zh-CN" altLang="en-US" dirty="0"/>
           </a:p>
           <a:p>
             <a:pPr marL="742950" lvl="1" indent="-285750">
@@ -3125,17 +3568,17 @@
               <a:buChar char="n"/>
             </a:pPr>
             <a:r>
-              <a:rPr lang="zh-CN" altLang="en-US"/>
+              <a:rPr lang="zh-CN" altLang="en-US" dirty="0"/>
               <a:t>问题</a:t>
             </a:r>
             <a:r>
-              <a:rPr lang="en-US" altLang="zh-CN"/>
+              <a:rPr lang="en-US" altLang="zh-CN" dirty="0"/>
               <a:t>1</a:t>
             </a:r>
-            <a:endParaRPr lang="zh-CN" altLang="en-US"/>
-          </a:p>
-          <a:p>
-            <a:endParaRPr lang="zh-CN" altLang="en-US"/>
+            <a:endParaRPr lang="zh-CN" altLang="en-US" dirty="0"/>
+          </a:p>
+          <a:p>
+            <a:endParaRPr lang="zh-CN" altLang="en-US" dirty="0"/>
           </a:p>
           <a:p>
             <a:pPr marL="1200150" lvl="2" indent="-285750">
@@ -3143,10 +3586,9 @@
               <a:buChar char="•"/>
             </a:pPr>
             <a:r>
-              <a:rPr lang="zh-CN" altLang="en-US"/>
+              <a:rPr lang="zh-CN" altLang="en-US" dirty="0"/>
               <a:t>* manager list 可以嵌套么？list of dicts?</a:t>
             </a:r>
-            <a:endParaRPr lang="zh-CN" altLang="en-US"/>
           </a:p>
           <a:p>
             <a:pPr marL="1200150" lvl="2" indent="-285750">
@@ -3154,7 +3596,7 @@
               <a:buChar char="•"/>
             </a:pPr>
             <a:r>
-              <a:rPr lang="zh-CN" altLang="en-US">
+              <a:rPr lang="zh-CN" altLang="en-US" dirty="0">
                 <a:solidFill>
                   <a:srgbClr val="FF0000"/>
                 </a:solidFill>
@@ -3162,50 +3604,93 @@
               <a:t>回答</a:t>
             </a:r>
             <a:r>
-              <a:rPr lang="zh-CN" altLang="en-US"/>
+              <a:rPr lang="zh-CN" altLang="en-US" dirty="0"/>
               <a:t>：</a:t>
             </a:r>
             <a:r>
-              <a:rPr lang="en-US" altLang="zh-CN"/>
+              <a:rPr lang="en-US" altLang="zh-CN" dirty="0"/>
               <a:t>manager list </a:t>
             </a:r>
             <a:r>
-              <a:rPr lang="zh-CN" altLang="en-US"/>
+              <a:rPr lang="zh-CN" altLang="en-US" dirty="0"/>
               <a:t>可以嵌套，比如</a:t>
             </a:r>
             <a:r>
-              <a:rPr lang="en-US" altLang="zh-CN"/>
-              <a:t>manager.list([],[])</a:t>
-            </a:r>
-            <a:r>
-              <a:rPr lang="zh-CN" altLang="en-US"/>
+              <a:rPr lang="en-US" altLang="zh-CN" dirty="0" err="1"/>
+              <a:t>manager.list</a:t>
+            </a:r>
+            <a:r>
+              <a:rPr lang="en-US" altLang="zh-CN" dirty="0"/>
+              <a:t>([],[])</a:t>
+            </a:r>
+            <a:r>
+              <a:rPr lang="zh-CN" altLang="en-US" dirty="0"/>
               <a:t>但是我们是作为全局变量使用的，所以里面的</a:t>
             </a:r>
             <a:r>
-              <a:rPr lang="en-US" altLang="zh-CN"/>
+              <a:rPr lang="en-US" altLang="zh-CN" dirty="0"/>
               <a:t>[]</a:t>
             </a:r>
             <a:r>
-              <a:rPr lang="zh-CN" altLang="en-US"/>
-              <a:t>不是共享的，所以如果嵌套的需要作为贡献，就需要定义为</a:t>
-            </a:r>
-            <a:r>
-              <a:rPr lang="en-US" altLang="zh-CN"/>
-              <a:t>manager.list(manager.list, manager.list),</a:t>
-            </a:r>
-            <a:r>
-              <a:rPr lang="zh-CN" altLang="en-US"/>
+              <a:rPr lang="zh-CN" altLang="en-US" b="1" dirty="0">
+                <a:solidFill>
+                  <a:srgbClr val="FF0000"/>
+                </a:solidFill>
+              </a:rPr>
+              <a:t>不是</a:t>
+            </a:r>
+            <a:r>
+              <a:rPr lang="zh-CN" altLang="en-US" dirty="0"/>
+              <a:t>共享的，所以如果嵌套的需要作为</a:t>
+            </a:r>
+            <a:r>
+              <a:rPr lang="zh-CN" altLang="en-US" b="1" dirty="0">
+                <a:solidFill>
+                  <a:srgbClr val="FF0000"/>
+                </a:solidFill>
+              </a:rPr>
+              <a:t>共享</a:t>
+            </a:r>
+            <a:r>
+              <a:rPr lang="zh-CN" altLang="en-US" dirty="0"/>
+              <a:t>贡献，就需要定义为</a:t>
+            </a:r>
+            <a:r>
+              <a:rPr lang="en-US" altLang="zh-CN" dirty="0" err="1"/>
+              <a:t>manager.list</a:t>
+            </a:r>
+            <a:r>
+              <a:rPr lang="en-US" altLang="zh-CN" dirty="0"/>
+              <a:t>(</a:t>
+            </a:r>
+            <a:r>
+              <a:rPr lang="en-US" altLang="zh-CN" dirty="0" err="1"/>
+              <a:t>manager.list</a:t>
+            </a:r>
+            <a:r>
+              <a:rPr lang="en-US" altLang="zh-CN" dirty="0"/>
+              <a:t>, </a:t>
+            </a:r>
+            <a:r>
+              <a:rPr lang="en-US" altLang="zh-CN" dirty="0" err="1"/>
+              <a:t>manager.list</a:t>
+            </a:r>
+            <a:r>
+              <a:rPr lang="en-US" altLang="zh-CN" dirty="0"/>
+              <a:t>),</a:t>
+            </a:r>
+            <a:r>
+              <a:rPr lang="zh-CN" altLang="en-US" dirty="0"/>
               <a:t>但如果所有</a:t>
             </a:r>
             <a:r>
-              <a:rPr lang="en-US" altLang="zh-CN"/>
+              <a:rPr lang="en-US" altLang="zh-CN" dirty="0"/>
               <a:t>agent</a:t>
             </a:r>
             <a:r>
-              <a:rPr lang="zh-CN" altLang="en-US"/>
+              <a:rPr lang="zh-CN" altLang="en-US" dirty="0"/>
               <a:t>都一起改这个共享内存，由于嵌套的比较深，所以非常慢，我最开始实现的就是这一种，直接通过共享内存嵌套来实现全局变量功能，会存在由于锁机制的存在，使得排队写入速度非常慢，并且短时间会引起内存极具增大</a:t>
             </a:r>
-            <a:endParaRPr lang="zh-CN" altLang="en-US"/>
           </a:p>
           <a:p>
             <a:pPr marL="1200150" lvl="2" indent="-285750">
@@ -3213,10 +3698,17 @@
               <a:buChar char="•"/>
             </a:pPr>
             <a:r>
-              <a:rPr lang="zh-CN" altLang="en-US"/>
-              <a:t>* queque 的定义方式必须按照你昨天展示的，queues[(ag_1, ag_2)]去定义？</a:t>
-            </a:r>
-            <a:endParaRPr lang="zh-CN" altLang="en-US"/>
+              <a:rPr lang="zh-CN" altLang="en-US" dirty="0"/>
+              <a:t>* queue</a:t>
+            </a:r>
+            <a:r>
+              <a:rPr lang="en-US" altLang="zh-CN" dirty="0"/>
+              <a:t>s</a:t>
+            </a:r>
+            <a:r>
+              <a:rPr lang="zh-CN" altLang="en-US" dirty="0"/>
+              <a:t> 的定义方式必须按照你昨天展示的，queues[(ag_1, ag_2)]去定义？</a:t>
+            </a:r>
           </a:p>
           <a:p>
             <a:pPr marL="1200150" lvl="2" indent="-285750">
@@ -3224,7 +3716,7 @@
               <a:buChar char="•"/>
             </a:pPr>
             <a:r>
-              <a:rPr lang="zh-CN" altLang="en-US">
+              <a:rPr lang="zh-CN" altLang="en-US" dirty="0">
                 <a:solidFill>
                   <a:srgbClr val="FF0000"/>
                 </a:solidFill>
@@ -3232,18 +3724,17 @@
               <a:t>回答</a:t>
             </a:r>
             <a:r>
-              <a:rPr lang="zh-CN" altLang="en-US"/>
+              <a:rPr lang="zh-CN" altLang="en-US" dirty="0"/>
               <a:t>：不一定，这个是为了书写方便，可以完全每个</a:t>
             </a:r>
             <a:r>
-              <a:rPr lang="en-US" altLang="zh-CN"/>
+              <a:rPr lang="en-US" altLang="zh-CN" dirty="0"/>
               <a:t>worker</a:t>
             </a:r>
             <a:r>
-              <a:rPr lang="zh-CN" altLang="en-US"/>
+              <a:rPr lang="zh-CN" altLang="en-US" dirty="0"/>
               <a:t>都自已定义自己的，不需要全局维护，这需要发给和你关联的那个。</a:t>
             </a:r>
-            <a:endParaRPr lang="zh-CN" altLang="en-US"/>
           </a:p>
           <a:p>
             <a:pPr marL="1200150" lvl="2" indent="-285750">
@@ -3251,10 +3742,9 @@
               <a:buChar char="•"/>
             </a:pPr>
             <a:r>
-              <a:rPr lang="zh-CN" altLang="en-US"/>
+              <a:rPr lang="zh-CN" altLang="en-US" dirty="0"/>
               <a:t>* manager list 和 queue在算法程序里使用有什么区别？背后原理是否一样？</a:t>
             </a:r>
-            <a:endParaRPr lang="zh-CN" altLang="en-US"/>
           </a:p>
           <a:p>
             <a:pPr marL="1200150" lvl="2" indent="-285750">
@@ -3262,7 +3752,7 @@
               <a:buChar char="•"/>
             </a:pPr>
             <a:r>
-              <a:rPr lang="zh-CN" altLang="en-US">
+              <a:rPr lang="zh-CN" altLang="en-US" dirty="0">
                 <a:solidFill>
                   <a:srgbClr val="FF0000"/>
                 </a:solidFill>
@@ -3270,106 +3760,209 @@
               <a:t>回答</a:t>
             </a:r>
             <a:r>
-              <a:rPr lang="zh-CN" altLang="en-US"/>
+              <a:rPr lang="zh-CN" altLang="en-US" dirty="0"/>
               <a:t>：这里首先提一下多进程之间通信常用的机制，共享内存</a:t>
             </a:r>
             <a:r>
-              <a:rPr lang="en-US" altLang="zh-CN"/>
+              <a:rPr lang="en-US" altLang="zh-CN" dirty="0" err="1"/>
               <a:t>Arrary</a:t>
             </a:r>
             <a:r>
-              <a:rPr lang="zh-CN" altLang="en-US"/>
+              <a:rPr lang="zh-CN" altLang="en-US" dirty="0"/>
               <a:t>这种，这能共享一个数，</a:t>
             </a:r>
             <a:r>
-              <a:rPr lang="en-US" altLang="zh-CN"/>
+              <a:rPr lang="en-US" altLang="zh-CN" dirty="0"/>
               <a:t>manager</a:t>
             </a:r>
             <a:r>
-              <a:rPr lang="zh-CN" altLang="en-US"/>
+              <a:rPr lang="zh-CN" altLang="en-US" dirty="0"/>
               <a:t>这种定义了</a:t>
             </a:r>
             <a:r>
-              <a:rPr lang="en-US" altLang="zh-CN"/>
+              <a:rPr lang="en-US" altLang="zh-CN" dirty="0"/>
               <a:t>list</a:t>
             </a:r>
             <a:r>
-              <a:rPr lang="zh-CN" altLang="en-US"/>
+              <a:rPr lang="zh-CN" altLang="en-US" dirty="0"/>
               <a:t>和</a:t>
             </a:r>
             <a:r>
-              <a:rPr lang="en-US" altLang="zh-CN"/>
-              <a:t>dict,</a:t>
-            </a:r>
-            <a:r>
-              <a:rPr lang="zh-CN" altLang="en-US"/>
+              <a:rPr lang="en-US" altLang="zh-CN" dirty="0" err="1"/>
+              <a:t>dict</a:t>
+            </a:r>
+            <a:r>
+              <a:rPr lang="en-US" altLang="zh-CN" dirty="0"/>
+              <a:t>,</a:t>
+            </a:r>
+            <a:r>
+              <a:rPr lang="zh-CN" altLang="en-US" dirty="0"/>
               <a:t>并且里面可以嵌套，可以共享稍微复杂的数据结构。还有就是管道</a:t>
             </a:r>
             <a:r>
-              <a:rPr lang="en-US" altLang="zh-CN"/>
+              <a:rPr lang="en-US" altLang="zh-CN" dirty="0"/>
               <a:t>pipe</a:t>
             </a:r>
             <a:r>
-              <a:rPr lang="zh-CN" altLang="en-US"/>
+              <a:rPr lang="zh-CN" altLang="en-US" dirty="0"/>
               <a:t>以及队列</a:t>
             </a:r>
             <a:r>
-              <a:rPr lang="en-US" altLang="zh-CN"/>
+              <a:rPr lang="en-US" altLang="zh-CN" dirty="0"/>
               <a:t>queue,</a:t>
             </a:r>
             <a:r>
-              <a:rPr lang="zh-CN" altLang="en-US"/>
+              <a:rPr lang="zh-CN" altLang="en-US" dirty="0"/>
               <a:t>后面这种</a:t>
             </a:r>
             <a:r>
-              <a:rPr lang="en-US" altLang="zh-CN"/>
+              <a:rPr lang="en-US" altLang="zh-CN" dirty="0"/>
               <a:t>queue</a:t>
             </a:r>
             <a:r>
-              <a:rPr lang="zh-CN" altLang="en-US"/>
+              <a:rPr lang="zh-CN" altLang="en-US" dirty="0"/>
               <a:t>主要的好处是能够处理大规模数据读写，要不</a:t>
             </a:r>
             <a:r>
-              <a:rPr lang="en-US" altLang="zh-CN"/>
+              <a:rPr lang="en-US" altLang="zh-CN" dirty="0"/>
               <a:t>pipe</a:t>
             </a:r>
             <a:r>
-              <a:rPr lang="zh-CN" altLang="en-US"/>
-              <a:t>要好用，因为管道会有一个</a:t>
-            </a:r>
-            <a:r>
-              <a:rPr lang="en-US" altLang="zh-CN"/>
+              <a:rPr lang="zh-CN" altLang="en-US" dirty="0"/>
+              <a:t>要好用，因为</a:t>
+            </a:r>
+            <a:r>
+              <a:rPr lang="zh-CN" altLang="en-US" b="1" dirty="0">
+                <a:solidFill>
+                  <a:srgbClr val="FF0000"/>
+                </a:solidFill>
+              </a:rPr>
+              <a:t>管道</a:t>
+            </a:r>
+            <a:r>
+              <a:rPr lang="zh-CN" altLang="en-US" dirty="0"/>
+              <a:t>会有一个</a:t>
+            </a:r>
+            <a:r>
+              <a:rPr lang="en-US" altLang="zh-CN" b="1" dirty="0">
+                <a:solidFill>
+                  <a:srgbClr val="FF0000"/>
+                </a:solidFill>
+              </a:rPr>
               <a:t>buffer size</a:t>
             </a:r>
             <a:r>
-              <a:rPr lang="zh-CN" altLang="en-US"/>
+              <a:rPr lang="zh-CN" altLang="en-US" dirty="0"/>
               <a:t>的上限，要比</a:t>
             </a:r>
             <a:r>
-              <a:rPr lang="en-US" altLang="zh-CN"/>
+              <a:rPr lang="en-US" altLang="zh-CN" b="1" dirty="0">
+                <a:solidFill>
+                  <a:srgbClr val="FF0000"/>
+                </a:solidFill>
+              </a:rPr>
               <a:t>queue</a:t>
             </a:r>
             <a:r>
-              <a:rPr lang="zh-CN" altLang="en-US"/>
-              <a:t>要小。背后的原理我认为都是一样的，都是内存的读写操作，但不一样的地方就是资源的争夺问题上，</a:t>
-            </a:r>
-            <a:r>
-              <a:rPr lang="en-US" altLang="zh-CN"/>
+              <a:rPr lang="zh-CN" altLang="en-US" dirty="0"/>
+              <a:t>要</a:t>
+            </a:r>
+            <a:r>
+              <a:rPr lang="zh-CN" altLang="en-US" b="1" dirty="0">
+                <a:solidFill>
+                  <a:srgbClr val="FF0000"/>
+                </a:solidFill>
+              </a:rPr>
+              <a:t>小</a:t>
+            </a:r>
+            <a:r>
+              <a:rPr lang="zh-CN" altLang="en-US" dirty="0"/>
+              <a:t>。背后的原理我认为都是一样的，都是内存的读写操作，但不一样的地方就是资源的争夺问题上，</a:t>
+            </a:r>
+            <a:r>
+              <a:rPr lang="en-US" altLang="zh-CN" b="1" dirty="0">
+                <a:solidFill>
+                  <a:srgbClr val="FF0000"/>
+                </a:solidFill>
+              </a:rPr>
               <a:t>manager list</a:t>
             </a:r>
             <a:r>
-              <a:rPr lang="zh-CN" altLang="en-US"/>
-              <a:t>这种有专门的锁机制，来决定读写先后顺序，而</a:t>
-            </a:r>
-            <a:r>
-              <a:rPr lang="en-US" altLang="zh-CN"/>
+              <a:rPr lang="zh-CN" altLang="en-US" dirty="0"/>
+              <a:t>这种有</a:t>
+            </a:r>
+            <a:r>
+              <a:rPr lang="zh-CN" altLang="en-US" b="1" dirty="0">
+                <a:solidFill>
+                  <a:srgbClr val="FF0000"/>
+                </a:solidFill>
+              </a:rPr>
+              <a:t>专门</a:t>
+            </a:r>
+            <a:r>
+              <a:rPr lang="zh-CN" altLang="en-US" dirty="0"/>
+              <a:t>的</a:t>
+            </a:r>
+            <a:r>
+              <a:rPr lang="zh-CN" altLang="en-US" b="1" dirty="0">
+                <a:solidFill>
+                  <a:srgbClr val="FF0000"/>
+                </a:solidFill>
+              </a:rPr>
+              <a:t>锁</a:t>
+            </a:r>
+            <a:r>
+              <a:rPr lang="zh-CN" altLang="en-US" dirty="0"/>
+              <a:t>机制，来决定读写先后</a:t>
+            </a:r>
+            <a:r>
+              <a:rPr lang="zh-CN" altLang="en-US" b="1" dirty="0">
+                <a:solidFill>
+                  <a:srgbClr val="FF0000"/>
+                </a:solidFill>
+              </a:rPr>
+              <a:t>顺序</a:t>
+            </a:r>
+            <a:r>
+              <a:rPr lang="zh-CN" altLang="en-US" dirty="0"/>
+              <a:t>，而</a:t>
+            </a:r>
+            <a:r>
+              <a:rPr lang="en-US" altLang="zh-CN" b="1" dirty="0">
+                <a:solidFill>
+                  <a:srgbClr val="FF0000"/>
+                </a:solidFill>
+              </a:rPr>
               <a:t>queue</a:t>
             </a:r>
             <a:r>
-              <a:rPr lang="zh-CN" altLang="en-US"/>
-              <a:t>这种可以减小多个一起写入的资源竞争关系。详细可以参看</a:t>
-            </a:r>
-            <a:endParaRPr lang="zh-CN" altLang="en-US"/>
+              <a:rPr lang="zh-CN" altLang="en-US" dirty="0"/>
+              <a:t>这种可以</a:t>
+            </a:r>
+            <a:r>
+              <a:rPr lang="zh-CN" altLang="en-US" b="1" dirty="0">
+                <a:solidFill>
+                  <a:srgbClr val="FF0000"/>
+                </a:solidFill>
+              </a:rPr>
+              <a:t>减小</a:t>
+            </a:r>
+            <a:r>
+              <a:rPr lang="zh-CN" altLang="en-US" dirty="0"/>
+              <a:t>多个一起写入的资源</a:t>
+            </a:r>
+            <a:r>
+              <a:rPr lang="zh-CN" altLang="en-US" b="1" dirty="0">
+                <a:solidFill>
+                  <a:srgbClr val="FF0000"/>
+                </a:solidFill>
+              </a:rPr>
+              <a:t>竞争</a:t>
+            </a:r>
+            <a:r>
+              <a:rPr lang="zh-CN" altLang="en-US" dirty="0"/>
+              <a:t>关系。详细可以参看</a:t>
+            </a:r>
           </a:p>
           <a:p>
             <a:pPr marL="742950" lvl="1" indent="-285750">
@@ -3377,10 +3970,9 @@
               <a:buChar char="•"/>
             </a:pPr>
             <a:r>
-              <a:rPr lang="zh-CN" altLang="en-US"/>
+              <a:rPr lang="zh-CN" altLang="en-US" dirty="0"/>
               <a:t>https://www.geeksforgeeks.org/python-multiprocessing-queue-vs-multiprocessing-manager-queue/#:~:text=Queue()%20and%20multiprocessing.,a%20time%2C%20while%20manager().</a:t>
             </a:r>
-            <a:endParaRPr lang="zh-CN" altLang="en-US"/>
           </a:p>
         </p:txBody>
       </p:sp>
@@ -3432,19 +4024,19 @@
           <a:bodyPr wrap="square" rtlCol="0">
             <a:noAutofit/>
           </a:bodyPr>
-          <a:p>
-            <a:r>
-              <a:rPr lang="zh-CN" altLang="en-US" sz="2400" u="sng"/>
+          <a:lstStyle/>
+          <a:p>
+            <a:r>
+              <a:rPr lang="zh-CN" altLang="en-US" sz="2400" u="sng" dirty="0"/>
               <a:t>问题反馈</a:t>
             </a:r>
             <a:r>
-              <a:rPr lang="zh-CN" altLang="en-US"/>
+              <a:rPr lang="zh-CN" altLang="en-US" dirty="0"/>
               <a:t>：</a:t>
             </a:r>
-            <a:endParaRPr lang="zh-CN" altLang="en-US"/>
-          </a:p>
-          <a:p>
-            <a:endParaRPr lang="zh-CN" altLang="en-US"/>
+          </a:p>
+          <a:p>
+            <a:endParaRPr lang="zh-CN" altLang="en-US" dirty="0"/>
           </a:p>
           <a:p>
             <a:pPr marL="742950" lvl="1" indent="-285750">
@@ -3452,17 +4044,17 @@
               <a:buChar char="n"/>
             </a:pPr>
             <a:r>
-              <a:rPr lang="zh-CN" altLang="en-US"/>
+              <a:rPr lang="zh-CN" altLang="en-US" dirty="0"/>
               <a:t>问题</a:t>
             </a:r>
             <a:r>
-              <a:rPr lang="en-US" altLang="zh-CN"/>
+              <a:rPr lang="en-US" altLang="zh-CN" dirty="0"/>
               <a:t>2</a:t>
             </a:r>
-            <a:endParaRPr lang="zh-CN" altLang="en-US"/>
-          </a:p>
-          <a:p>
-            <a:endParaRPr lang="zh-CN" altLang="en-US"/>
+            <a:endParaRPr lang="zh-CN" altLang="en-US" dirty="0"/>
+          </a:p>
+          <a:p>
+            <a:endParaRPr lang="zh-CN" altLang="en-US" dirty="0"/>
           </a:p>
           <a:p>
             <a:pPr marL="1200150" lvl="2" indent="-285750">
@@ -3470,17 +4062,52 @@
               <a:buChar char="•"/>
             </a:pPr>
             <a:r>
-              <a:rPr lang="zh-CN" altLang="en-US"/>
-              <a:t>可以把consensus换成求最大值，这样收敛值是确定的。异步单向带延迟的consensus好像没那么简单。</a:t>
-            </a:r>
-            <a:endParaRPr lang="zh-CN" altLang="en-US"/>
+              <a:rPr lang="zh-CN" altLang="en-US" dirty="0"/>
+              <a:t>可以把consensus换成求最大值，这样收敛值是确定的。</a:t>
+            </a:r>
+            <a:r>
+              <a:rPr lang="zh-CN" altLang="en-US" b="1" dirty="0">
+                <a:solidFill>
+                  <a:srgbClr val="FF0000"/>
+                </a:solidFill>
+              </a:rPr>
+              <a:t>异步</a:t>
+            </a:r>
+            <a:r>
+              <a:rPr lang="zh-CN" altLang="en-US" dirty="0"/>
+              <a:t>单向带</a:t>
+            </a:r>
+            <a:r>
+              <a:rPr lang="zh-CN" altLang="en-US" b="1" dirty="0">
+                <a:solidFill>
+                  <a:srgbClr val="FF0000"/>
+                </a:solidFill>
+              </a:rPr>
+              <a:t>延迟</a:t>
+            </a:r>
+            <a:r>
+              <a:rPr lang="zh-CN" altLang="en-US" dirty="0"/>
+              <a:t>的consensus好像</a:t>
+            </a:r>
+            <a:r>
+              <a:rPr lang="zh-CN" altLang="en-US" b="1" dirty="0">
+                <a:solidFill>
+                  <a:srgbClr val="FF0000"/>
+                </a:solidFill>
+              </a:rPr>
+              <a:t>没那么简单</a:t>
+            </a:r>
+            <a:r>
+              <a:rPr lang="zh-CN" altLang="en-US" dirty="0"/>
+              <a:t>。</a:t>
+            </a:r>
           </a:p>
           <a:p>
             <a:pPr marL="1200150" lvl="2" indent="-285750">
               <a:buFont typeface="Arial" panose="020B0604020202020204" pitchFamily="34" charset="0"/>
               <a:buChar char="•"/>
             </a:pPr>
-            <a:endParaRPr lang="zh-CN" altLang="en-US"/>
+            <a:endParaRPr lang="zh-CN" altLang="en-US" dirty="0"/>
           </a:p>
           <a:p>
             <a:pPr marL="1200150" lvl="2" indent="-285750">
@@ -3488,7 +4115,7 @@
               <a:buChar char="•"/>
             </a:pPr>
             <a:r>
-              <a:rPr lang="zh-CN" altLang="en-US">
+              <a:rPr lang="zh-CN" altLang="en-US" dirty="0">
                 <a:solidFill>
                   <a:srgbClr val="FF0000"/>
                 </a:solidFill>
@@ -3496,18 +4123,41 @@
               <a:t>回答</a:t>
             </a:r>
             <a:r>
-              <a:rPr lang="zh-CN" altLang="en-US"/>
-              <a:t>：确实这种异步的都是不好确定收敛的，但是对于我们这种取最大的</a:t>
-            </a:r>
-            <a:r>
-              <a:rPr lang="en-US" altLang="zh-CN"/>
+              <a:rPr lang="zh-CN" altLang="en-US" dirty="0"/>
+              <a:t>：确实这种</a:t>
+            </a:r>
+            <a:r>
+              <a:rPr lang="zh-CN" altLang="en-US" b="1" dirty="0">
+                <a:solidFill>
+                  <a:srgbClr val="FF0000"/>
+                </a:solidFill>
+              </a:rPr>
+              <a:t>异步</a:t>
+            </a:r>
+            <a:r>
+              <a:rPr lang="zh-CN" altLang="en-US" dirty="0"/>
+              <a:t>的都是</a:t>
+            </a:r>
+            <a:r>
+              <a:rPr lang="zh-CN" altLang="en-US" b="1" dirty="0">
+                <a:solidFill>
+                  <a:srgbClr val="FF0000"/>
+                </a:solidFill>
+              </a:rPr>
+              <a:t>不好确定收敛</a:t>
+            </a:r>
+            <a:r>
+              <a:rPr lang="zh-CN" altLang="en-US" dirty="0"/>
+              <a:t>的，但是对于我们这种取最大的</a:t>
+            </a:r>
+            <a:r>
+              <a:rPr lang="en-US" altLang="zh-CN" dirty="0"/>
               <a:t>consensus</a:t>
             </a:r>
             <a:r>
-              <a:rPr lang="zh-CN" altLang="en-US"/>
+              <a:rPr lang="zh-CN" altLang="en-US" dirty="0"/>
               <a:t>异步肯定是可以收敛的，具体要看我们收敛的指标是啥。但我在后续实验中还是做了多进程的同步和异步对比，一般来说同步可能要比异步要快，但是可能同步由于锁机制的存在，在小规模上，可能最终性能没有异步难么快。</a:t>
             </a:r>
-            <a:endParaRPr lang="zh-CN" altLang="en-US"/>
           </a:p>
         </p:txBody>
       </p:sp>
@@ -3548,7 +4198,7 @@
           <p:nvPr/>
         </p:nvPicPr>
         <p:blipFill>
-          <a:blip r:embed="rId1"/>
+          <a:blip r:embed="rId7"/>
           <a:srcRect r="9166"/>
           <a:stretch>
             <a:fillRect/>
@@ -3584,6 +4234,7 @@
           <a:bodyPr wrap="square" rtlCol="0">
             <a:noAutofit/>
           </a:bodyPr>
+          <a:lstStyle/>
           <a:p>
             <a:r>
               <a:rPr lang="zh-CN" altLang="en-US" sz="2400" u="sng"/>
@@ -3593,7 +4244,6 @@
               <a:rPr lang="zh-CN" altLang="en-US"/>
               <a:t>：</a:t>
             </a:r>
-            <a:endParaRPr lang="zh-CN" altLang="en-US"/>
           </a:p>
           <a:p>
             <a:endParaRPr lang="zh-CN" altLang="en-US"/>
@@ -3611,7 +4261,6 @@
               <a:rPr lang="en-US" altLang="zh-CN"/>
               <a:t>3</a:t>
             </a:r>
-            <a:endParaRPr lang="en-US" altLang="zh-CN"/>
           </a:p>
           <a:p>
             <a:pPr marL="742950" lvl="1" indent="-285750">
@@ -3639,7 +4288,6 @@
               <a:rPr lang="zh-CN" altLang="en-US"/>
               <a:t> 第4页的异步的问题，我建议每个智能体加个不同的延迟。最后和集中式实现方法（for loop单一进程）的对比，应该是在以绝对时间为横轴，画出两种实现方法下每个智能体x值的变化。</a:t>
             </a:r>
-            <a:endParaRPr lang="zh-CN" altLang="en-US"/>
           </a:p>
           <a:p>
             <a:pPr marL="1200150" lvl="2" indent="-285750">
@@ -3705,7 +4353,6 @@
               <a:rPr lang="zh-CN" altLang="en-US"/>
               <a:t>有一个不同的延时代表内部执行任务时长不一样。</a:t>
             </a:r>
-            <a:endParaRPr lang="zh-CN" altLang="en-US"/>
           </a:p>
           <a:p>
             <a:pPr marL="1200150" lvl="2" indent="-285750">
@@ -3725,7 +4372,7 @@
           <p:nvPr/>
         </p:nvPicPr>
         <p:blipFill>
-          <a:blip r:embed="rId2"/>
+          <a:blip r:embed="rId8"/>
           <a:stretch>
             <a:fillRect/>
           </a:stretch>
@@ -3749,7 +4396,7 @@
           <p:nvPr/>
         </p:nvPicPr>
         <p:blipFill>
-          <a:blip r:embed="rId3"/>
+          <a:blip r:embed="rId9"/>
           <a:srcRect r="9147"/>
           <a:stretch>
             <a:fillRect/>
@@ -3774,7 +4421,7 @@
           <p:nvPr/>
         </p:nvPicPr>
         <p:blipFill>
-          <a:blip r:embed="rId4"/>
+          <a:blip r:embed="rId10"/>
           <a:srcRect r="9295"/>
           <a:stretch>
             <a:fillRect/>
@@ -3810,12 +4457,12 @@
           <a:bodyPr wrap="square" rtlCol="0">
             <a:spAutoFit/>
           </a:bodyPr>
+          <a:lstStyle/>
           <a:p>
             <a:r>
               <a:rPr lang="zh-CN" altLang="en-US"/>
               <a:t>网络通信拓扑图</a:t>
             </a:r>
-            <a:endParaRPr lang="zh-CN" altLang="en-US"/>
           </a:p>
         </p:txBody>
       </p:sp>
@@ -3825,7 +4472,7 @@
           <p:cNvSpPr txBox="1"/>
           <p:nvPr>
             <p:custDataLst>
-              <p:tags r:id="rId5"/>
+              <p:tags r:id="rId2"/>
             </p:custDataLst>
           </p:nvPr>
         </p:nvSpPr>
@@ -3843,6 +4490,7 @@
           <a:bodyPr wrap="square" rtlCol="0">
             <a:spAutoFit/>
           </a:bodyPr>
+          <a:lstStyle/>
           <a:p>
             <a:r>
               <a:rPr lang="zh-CN" altLang="en-US"/>
@@ -3856,7 +4504,6 @@
               <a:rPr lang="zh-CN" altLang="en-US"/>
               <a:t>同步</a:t>
             </a:r>
-            <a:endParaRPr lang="zh-CN" altLang="en-US"/>
           </a:p>
         </p:txBody>
       </p:sp>
@@ -3866,7 +4513,7 @@
           <p:cNvSpPr txBox="1"/>
           <p:nvPr>
             <p:custDataLst>
-              <p:tags r:id="rId6"/>
+              <p:tags r:id="rId3"/>
             </p:custDataLst>
           </p:nvPr>
         </p:nvSpPr>
@@ -3884,6 +4531,7 @@
           <a:bodyPr wrap="square" rtlCol="0">
             <a:spAutoFit/>
           </a:bodyPr>
+          <a:lstStyle/>
           <a:p>
             <a:r>
               <a:rPr lang="zh-CN" altLang="en-US"/>
@@ -3897,7 +4545,6 @@
               <a:rPr lang="zh-CN" altLang="en-US"/>
               <a:t>异步</a:t>
             </a:r>
-            <a:endParaRPr lang="zh-CN" altLang="en-US"/>
           </a:p>
         </p:txBody>
       </p:sp>
@@ -3907,7 +4554,7 @@
           <p:cNvSpPr txBox="1"/>
           <p:nvPr>
             <p:custDataLst>
-              <p:tags r:id="rId7"/>
+              <p:tags r:id="rId4"/>
             </p:custDataLst>
           </p:nvPr>
         </p:nvSpPr>
@@ -3925,6 +4572,7 @@
           <a:bodyPr wrap="square" rtlCol="0">
             <a:spAutoFit/>
           </a:bodyPr>
+          <a:lstStyle/>
           <a:p>
             <a:r>
               <a:rPr lang="zh-CN" altLang="en-US"/>
@@ -3938,7 +4586,6 @@
               <a:rPr lang="zh-CN" altLang="en-US"/>
               <a:t>同步</a:t>
             </a:r>
-            <a:endParaRPr lang="zh-CN" altLang="en-US"/>
           </a:p>
         </p:txBody>
       </p:sp>
@@ -3951,7 +4598,7 @@
           <p:nvPr/>
         </p:nvPicPr>
         <p:blipFill>
-          <a:blip r:embed="rId8"/>
+          <a:blip r:embed="rId11"/>
           <a:stretch>
             <a:fillRect/>
           </a:stretch>
@@ -3972,7 +4619,7 @@
           <p:cNvSpPr txBox="1"/>
           <p:nvPr>
             <p:custDataLst>
-              <p:tags r:id="rId9"/>
+              <p:tags r:id="rId5"/>
             </p:custDataLst>
           </p:nvPr>
         </p:nvSpPr>
@@ -3990,6 +4637,7 @@
           <a:bodyPr wrap="square" rtlCol="0">
             <a:spAutoFit/>
           </a:bodyPr>
+          <a:lstStyle/>
           <a:p>
             <a:r>
               <a:rPr lang="zh-CN" altLang="en-US"/>
@@ -4003,13 +4651,12 @@
               <a:rPr lang="zh-CN" altLang="en-US"/>
               <a:t>异步</a:t>
             </a:r>
-            <a:endParaRPr lang="zh-CN" altLang="en-US"/>
           </a:p>
         </p:txBody>
       </p:sp>
     </p:spTree>
     <p:custDataLst>
-      <p:tags r:id="rId10"/>
+      <p:tags r:id="rId1"/>
     </p:custDataLst>
   </p:cSld>
   <p:clrMapOvr>
@@ -4055,19 +4702,19 @@
           <a:bodyPr wrap="square" rtlCol="0">
             <a:noAutofit/>
           </a:bodyPr>
-          <a:p>
-            <a:r>
-              <a:rPr lang="zh-CN" altLang="en-US" sz="2400" u="sng"/>
+          <a:lstStyle/>
+          <a:p>
+            <a:r>
+              <a:rPr lang="zh-CN" altLang="en-US" sz="2400" u="sng" dirty="0"/>
               <a:t>问题反馈</a:t>
             </a:r>
             <a:r>
-              <a:rPr lang="zh-CN" altLang="en-US"/>
+              <a:rPr lang="zh-CN" altLang="en-US" dirty="0"/>
               <a:t>：</a:t>
             </a:r>
-            <a:endParaRPr lang="zh-CN" altLang="en-US"/>
-          </a:p>
-          <a:p>
-            <a:endParaRPr lang="zh-CN" altLang="en-US"/>
+          </a:p>
+          <a:p>
+            <a:endParaRPr lang="zh-CN" altLang="en-US" dirty="0"/>
           </a:p>
           <a:p>
             <a:pPr marL="742950" lvl="1" indent="-285750">
@@ -4075,17 +4722,17 @@
               <a:buChar char="n"/>
             </a:pPr>
             <a:r>
-              <a:rPr lang="zh-CN" altLang="en-US"/>
+              <a:rPr lang="zh-CN" altLang="en-US" dirty="0"/>
               <a:t>问题</a:t>
             </a:r>
             <a:r>
-              <a:rPr lang="en-US" altLang="zh-CN"/>
+              <a:rPr lang="en-US" altLang="zh-CN" dirty="0"/>
               <a:t>3</a:t>
             </a:r>
-            <a:endParaRPr lang="zh-CN" altLang="en-US"/>
-          </a:p>
-          <a:p>
-            <a:endParaRPr lang="zh-CN" altLang="en-US"/>
+            <a:endParaRPr lang="zh-CN" altLang="en-US" dirty="0"/>
+          </a:p>
+          <a:p>
+            <a:endParaRPr lang="zh-CN" altLang="en-US" dirty="0"/>
           </a:p>
           <a:p>
             <a:pPr marL="1200150" lvl="2" indent="-285750">
@@ -4093,17 +4740,16 @@
               <a:buChar char="•"/>
             </a:pPr>
             <a:r>
-              <a:rPr lang="zh-CN" altLang="en-US"/>
+              <a:rPr lang="zh-CN" altLang="en-US" dirty="0"/>
               <a:t> 第4页的异步的问题，我建议每个智能体加个不同的延迟。最后和集中式实现方法（for loop单一进程）的对比，应该是在以绝对时间为横轴，画出两种实现方法下每个智能体x值的变化。</a:t>
             </a:r>
-            <a:endParaRPr lang="zh-CN" altLang="en-US"/>
           </a:p>
           <a:p>
             <a:pPr marL="1200150" lvl="2" indent="-285750">
               <a:buFont typeface="Arial" panose="020B0604020202020204" pitchFamily="34" charset="0"/>
               <a:buChar char="•"/>
             </a:pPr>
-            <a:endParaRPr lang="zh-CN" altLang="en-US"/>
+            <a:endParaRPr lang="zh-CN" altLang="en-US" dirty="0"/>
           </a:p>
           <a:p>
             <a:pPr marL="1200150" lvl="2" indent="-285750">
@@ -4111,7 +4757,7 @@
               <a:buChar char="•"/>
             </a:pPr>
             <a:r>
-              <a:rPr lang="zh-CN" altLang="en-US">
+              <a:rPr lang="zh-CN" altLang="en-US" dirty="0">
                 <a:solidFill>
                   <a:srgbClr val="FF0000"/>
                 </a:solidFill>
@@ -4119,33 +4765,32 @@
               <a:t>回答</a:t>
             </a:r>
             <a:r>
-              <a:rPr lang="zh-CN" altLang="en-US"/>
+              <a:rPr lang="zh-CN" altLang="en-US" dirty="0"/>
               <a:t>：多进程的实现可以参考我的</a:t>
             </a:r>
             <a:r>
-              <a:rPr lang="en-US" altLang="zh-CN"/>
+              <a:rPr lang="en-US" altLang="zh-CN" dirty="0"/>
               <a:t>python</a:t>
             </a:r>
             <a:r>
-              <a:rPr lang="zh-CN" altLang="en-US"/>
+              <a:rPr lang="zh-CN" altLang="en-US" dirty="0"/>
               <a:t>代码。但是我在实现集中式方法（也就是</a:t>
             </a:r>
             <a:r>
-              <a:rPr lang="en-US" altLang="zh-CN"/>
+              <a:rPr lang="en-US" altLang="zh-CN" dirty="0"/>
               <a:t>for loop</a:t>
             </a:r>
             <a:r>
-              <a:rPr lang="zh-CN" altLang="en-US"/>
+              <a:rPr lang="zh-CN" altLang="en-US" dirty="0"/>
               <a:t>）的时候，有以下疑问，并且实现完和清元讨论了一下，都有相似的疑问：</a:t>
             </a:r>
-            <a:endParaRPr lang="zh-CN" altLang="en-US"/>
           </a:p>
           <a:p>
             <a:pPr marL="1200150" lvl="2" indent="-285750">
               <a:buFont typeface="Arial" panose="020B0604020202020204" pitchFamily="34" charset="0"/>
               <a:buChar char="•"/>
             </a:pPr>
-            <a:endParaRPr lang="zh-CN" altLang="en-US"/>
+            <a:endParaRPr lang="zh-CN" altLang="en-US" dirty="0"/>
           </a:p>
           <a:p>
             <a:pPr marL="1657350" lvl="3" indent="-285750">
@@ -4153,33 +4798,32 @@
               <a:buChar char="•"/>
             </a:pPr>
             <a:r>
-              <a:rPr lang="zh-CN" altLang="en-US"/>
+              <a:rPr lang="zh-CN" altLang="en-US" dirty="0"/>
               <a:t>如果只是按照我们以前的模式也就是</a:t>
             </a:r>
             <a:r>
-              <a:rPr lang="en-US" altLang="zh-CN"/>
+              <a:rPr lang="en-US" altLang="zh-CN" dirty="0"/>
               <a:t>for loops</a:t>
             </a:r>
             <a:r>
-              <a:rPr lang="zh-CN" altLang="en-US"/>
+              <a:rPr lang="zh-CN" altLang="en-US" dirty="0"/>
               <a:t>所有发送，然后再</a:t>
             </a:r>
             <a:r>
-              <a:rPr lang="en-US" altLang="zh-CN"/>
+              <a:rPr lang="en-US" altLang="zh-CN" dirty="0"/>
               <a:t>for loop</a:t>
             </a:r>
             <a:r>
               <a:rPr lang="zh-CN" altLang="en-US"/>
               <a:t>所有接收，这种很明显在任务的总时间就是所有延时加起来，那肯定很明显要比多进程慢不少，所以压根没有做实验的必要性，正如上面图就可以看出来。</a:t>
             </a:r>
-            <a:endParaRPr lang="zh-CN" altLang="en-US"/>
           </a:p>
           <a:p>
             <a:pPr marL="1657350" lvl="3" indent="-285750">
               <a:buFont typeface="Arial" panose="020B0604020202020204" pitchFamily="34" charset="0"/>
               <a:buChar char="•"/>
             </a:pPr>
-            <a:endParaRPr lang="zh-CN" altLang="en-US"/>
+            <a:endParaRPr lang="zh-CN" altLang="en-US" dirty="0"/>
           </a:p>
           <a:p>
             <a:pPr marL="1657350" lvl="3" indent="-285750">
@@ -4187,18 +4831,17 @@
               <a:buChar char="•"/>
             </a:pPr>
             <a:r>
-              <a:rPr lang="zh-CN" altLang="en-US"/>
+              <a:rPr lang="zh-CN" altLang="en-US" dirty="0"/>
               <a:t>所以我们要着重讨论理解您的上面提的这个问题，如果是只在一个进程中，模拟这种异步的感觉，也就是一个进程里面要实现每个</a:t>
             </a:r>
             <a:r>
-              <a:rPr lang="en-US" altLang="zh-CN"/>
+              <a:rPr lang="en-US" altLang="zh-CN" dirty="0"/>
               <a:t>agent</a:t>
             </a:r>
             <a:r>
-              <a:rPr lang="zh-CN" altLang="en-US"/>
+              <a:rPr lang="zh-CN" altLang="en-US" dirty="0"/>
               <a:t>独自发送然后独自接收其他的，一旦接收到其他的，我自己认为是不太可能的，和清元聊完都达成了以下一致观点：</a:t>
             </a:r>
-            <a:endParaRPr lang="zh-CN" altLang="en-US"/>
           </a:p>
           <a:p>
             <a:pPr marL="2114550" lvl="4" indent="-285750">
@@ -4206,34 +4849,37 @@
               <a:buChar char="•"/>
             </a:pPr>
             <a:r>
-              <a:rPr lang="zh-CN" altLang="en-US"/>
+              <a:rPr lang="zh-CN" altLang="en-US" dirty="0"/>
               <a:t>如果使用</a:t>
             </a:r>
             <a:r>
-              <a:rPr lang="en-US" altLang="zh-CN"/>
-              <a:t>forloop </a:t>
-            </a:r>
-            <a:r>
-              <a:rPr lang="zh-CN" altLang="en-US"/>
+              <a:rPr lang="en-US" altLang="zh-CN" dirty="0" err="1"/>
+              <a:t>forloop</a:t>
+            </a:r>
+            <a:r>
+              <a:rPr lang="en-US" altLang="zh-CN" dirty="0"/>
+              <a:t> </a:t>
+            </a:r>
+            <a:r>
+              <a:rPr lang="zh-CN" altLang="en-US" dirty="0"/>
               <a:t>接收，</a:t>
             </a:r>
             <a:r>
-              <a:rPr lang="en-US" altLang="zh-CN"/>
+              <a:rPr lang="en-US" altLang="zh-CN" dirty="0" err="1"/>
               <a:t>forloop</a:t>
             </a:r>
             <a:r>
-              <a:rPr lang="zh-CN" altLang="en-US"/>
+              <a:rPr lang="zh-CN" altLang="en-US" dirty="0"/>
               <a:t>发送这种，一定是个同步的，也就是不管你各自算多久，大家最后都是一起收完再去算，就无法模拟每个</a:t>
             </a:r>
             <a:r>
-              <a:rPr lang="en-US" altLang="zh-CN"/>
+              <a:rPr lang="en-US" altLang="zh-CN" dirty="0"/>
               <a:t>agent</a:t>
             </a:r>
             <a:r>
-              <a:rPr lang="zh-CN" altLang="en-US"/>
+              <a:rPr lang="zh-CN" altLang="en-US" dirty="0"/>
               <a:t>都在一个进程中的处理</a:t>
             </a:r>
-            <a:endParaRPr lang="zh-CN" altLang="en-US"/>
           </a:p>
           <a:p>
             <a:pPr marL="2114550" lvl="4" indent="-285750">
@@ -4241,42 +4887,41 @@
               <a:buChar char="•"/>
             </a:pPr>
             <a:r>
-              <a:rPr lang="zh-CN" altLang="en-US"/>
+              <a:rPr lang="zh-CN" altLang="en-US" dirty="0"/>
               <a:t>如果使用</a:t>
             </a:r>
             <a:r>
-              <a:rPr lang="en-US" altLang="zh-CN"/>
+              <a:rPr lang="en-US" altLang="zh-CN" dirty="0" err="1"/>
               <a:t>forloop</a:t>
             </a:r>
             <a:r>
-              <a:rPr lang="zh-CN" altLang="en-US"/>
+              <a:rPr lang="zh-CN" altLang="en-US" dirty="0"/>
               <a:t>每个</a:t>
             </a:r>
             <a:r>
-              <a:rPr lang="en-US" altLang="zh-CN"/>
+              <a:rPr lang="en-US" altLang="zh-CN" dirty="0"/>
               <a:t>agent</a:t>
             </a:r>
             <a:r>
-              <a:rPr lang="zh-CN" altLang="en-US"/>
+              <a:rPr lang="zh-CN" altLang="en-US" dirty="0"/>
               <a:t>发送再接收，那么每个</a:t>
             </a:r>
             <a:r>
-              <a:rPr lang="en-US" altLang="zh-CN"/>
+              <a:rPr lang="en-US" altLang="zh-CN" dirty="0"/>
               <a:t>agent</a:t>
             </a:r>
             <a:r>
-              <a:rPr lang="zh-CN" altLang="en-US"/>
+              <a:rPr lang="zh-CN" altLang="en-US" dirty="0"/>
               <a:t>前后放置顺序都会严重影响我拿到的解，但是不管你一个进程中怎么异步，最后每个</a:t>
             </a:r>
             <a:r>
-              <a:rPr lang="en-US" altLang="zh-CN"/>
+              <a:rPr lang="en-US" altLang="zh-CN" dirty="0"/>
               <a:t>agent</a:t>
             </a:r>
             <a:r>
-              <a:rPr lang="zh-CN" altLang="en-US"/>
+              <a:rPr lang="zh-CN" altLang="en-US" dirty="0"/>
               <a:t>的延时都会累加到这个单进程中，所以一定时间要大很多。</a:t>
             </a:r>
-            <a:endParaRPr lang="zh-CN" altLang="en-US"/>
           </a:p>
           <a:p>
             <a:pPr marL="1657350" lvl="3" indent="-285750">
@@ -4284,17 +4929,16 @@
               <a:buChar char="•"/>
             </a:pPr>
             <a:r>
-              <a:rPr lang="zh-CN" altLang="en-US"/>
+              <a:rPr lang="zh-CN" altLang="en-US" dirty="0"/>
               <a:t>关于这个，您随时找我聊，不知道是否完全理解您的意思</a:t>
             </a:r>
-            <a:endParaRPr lang="zh-CN" altLang="en-US"/>
           </a:p>
           <a:p>
             <a:pPr marL="1200150" lvl="2" indent="-285750">
               <a:buFont typeface="Arial" panose="020B0604020202020204" pitchFamily="34" charset="0"/>
               <a:buChar char="•"/>
             </a:pPr>
-            <a:endParaRPr lang="zh-CN" altLang="en-US"/>
+            <a:endParaRPr lang="zh-CN" altLang="en-US" dirty="0"/>
           </a:p>
         </p:txBody>
       </p:sp>
@@ -4310,553 +4954,13 @@
 </file>
 
 <file path=ppt/tags/tag1.xml><?xml version="1.0" encoding="utf-8"?>
-<p:tagLst xmlns:p="http://schemas.openxmlformats.org/presentationml/2006/main">
-  <p:tag name="KSO_WM_UNIT_HIGHLIGHT" val="0"/>
-  <p:tag name="KSO_WM_UNIT_COMPATIBLE" val="0"/>
-  <p:tag name="KSO_WM_UNIT_DIAGRAM_ISNUMVISUAL" val="0"/>
-  <p:tag name="KSO_WM_UNIT_DIAGRAM_ISREFERUNIT" val="0"/>
-  <p:tag name="KSO_WM_UNIT_ID" val="_1**"/>
-  <p:tag name="KSO_WM_UNIT_LAYERLEVEL" val="1"/>
-  <p:tag name="KSO_WM_TAG_VERSION" val="1.0"/>
-  <p:tag name="KSO_WM_BEAUTIFY_FLAG" val="#wm#"/>
+<p:tagLst xmlns:a="http://schemas.openxmlformats.org/drawingml/2006/main" xmlns:r="http://schemas.openxmlformats.org/officeDocument/2006/relationships" xmlns:p="http://schemas.openxmlformats.org/presentationml/2006/main">
+  <p:tag name="COMMONDATA" val="eyJoZGlkIjoiMWM4MmVkOTA1MjFjYzMwZWNmZGFhODliZDBjZWU4YWMifQ=="/>
 </p:tagLst>
 </file>
 
 <file path=ppt/tags/tag10.xml><?xml version="1.0" encoding="utf-8"?>
-<p:tagLst xmlns:p="http://schemas.openxmlformats.org/presentationml/2006/main">
-  <p:tag name="KSO_WM_UNIT_HIGHLIGHT" val="0"/>
-  <p:tag name="KSO_WM_UNIT_COMPATIBLE" val="0"/>
-  <p:tag name="KSO_WM_UNIT_DIAGRAM_ISNUMVISUAL" val="0"/>
-  <p:tag name="KSO_WM_UNIT_DIAGRAM_ISREFERUNIT" val="0"/>
-  <p:tag name="KSO_WM_UNIT_ID" val="_2**"/>
-  <p:tag name="KSO_WM_UNIT_LAYERLEVEL" val="1"/>
-  <p:tag name="KSO_WM_TAG_VERSION" val="1.0"/>
-  <p:tag name="KSO_WM_BEAUTIFY_FLAG" val="#wm#"/>
-</p:tagLst>
-</file>
-
-<file path=ppt/tags/tag11.xml><?xml version="1.0" encoding="utf-8"?>
-<p:tagLst xmlns:p="http://schemas.openxmlformats.org/presentationml/2006/main">
-  <p:tag name="KSO_WM_UNIT_HIGHLIGHT" val="0"/>
-  <p:tag name="KSO_WM_UNIT_COMPATIBLE" val="0"/>
-  <p:tag name="KSO_WM_UNIT_DIAGRAM_ISNUMVISUAL" val="0"/>
-  <p:tag name="KSO_WM_UNIT_DIAGRAM_ISREFERUNIT" val="0"/>
-  <p:tag name="KSO_WM_UNIT_ID" val="_3**"/>
-  <p:tag name="KSO_WM_UNIT_LAYERLEVEL" val="1"/>
-  <p:tag name="KSO_WM_TAG_VERSION" val="1.0"/>
-  <p:tag name="KSO_WM_BEAUTIFY_FLAG" val="#wm#"/>
-</p:tagLst>
-</file>
-
-<file path=ppt/tags/tag12.xml><?xml version="1.0" encoding="utf-8"?>
-<p:tagLst xmlns:p="http://schemas.openxmlformats.org/presentationml/2006/main">
-  <p:tag name="KSO_WM_UNIT_HIGHLIGHT" val="0"/>
-  <p:tag name="KSO_WM_UNIT_COMPATIBLE" val="0"/>
-  <p:tag name="KSO_WM_UNIT_DIAGRAM_ISNUMVISUAL" val="0"/>
-  <p:tag name="KSO_WM_UNIT_DIAGRAM_ISREFERUNIT" val="0"/>
-  <p:tag name="KSO_WM_UNIT_ID" val="_3**"/>
-  <p:tag name="KSO_WM_UNIT_LAYERLEVEL" val="1"/>
-  <p:tag name="KSO_WM_TAG_VERSION" val="1.0"/>
-  <p:tag name="KSO_WM_BEAUTIFY_FLAG" val="#wm#"/>
-</p:tagLst>
-</file>
-
-<file path=ppt/tags/tag13.xml><?xml version="1.0" encoding="utf-8"?>
-<p:tagLst xmlns:p="http://schemas.openxmlformats.org/presentationml/2006/main">
-  <p:tag name="KSO_WM_UNIT_HIGHLIGHT" val="0"/>
-  <p:tag name="KSO_WM_UNIT_COMPATIBLE" val="0"/>
-  <p:tag name="KSO_WM_UNIT_DIAGRAM_ISNUMVISUAL" val="0"/>
-  <p:tag name="KSO_WM_UNIT_DIAGRAM_ISREFERUNIT" val="0"/>
-  <p:tag name="KSO_WM_UNIT_ID" val="_3**"/>
-  <p:tag name="KSO_WM_UNIT_LAYERLEVEL" val="1"/>
-  <p:tag name="KSO_WM_TAG_VERSION" val="1.0"/>
-  <p:tag name="KSO_WM_BEAUTIFY_FLAG" val="#wm#"/>
-</p:tagLst>
-</file>
-
-<file path=ppt/tags/tag14.xml><?xml version="1.0" encoding="utf-8"?>
-<p:tagLst xmlns:p="http://schemas.openxmlformats.org/presentationml/2006/main">
-  <p:tag name="KSO_WM_UNIT_HIGHLIGHT" val="0"/>
-  <p:tag name="KSO_WM_UNIT_COMPATIBLE" val="0"/>
-  <p:tag name="KSO_WM_UNIT_DIAGRAM_ISNUMVISUAL" val="0"/>
-  <p:tag name="KSO_WM_UNIT_DIAGRAM_ISREFERUNIT" val="0"/>
-  <p:tag name="KSO_WM_UNIT_ID" val="_3**"/>
-  <p:tag name="KSO_WM_UNIT_LAYERLEVEL" val="1"/>
-  <p:tag name="KSO_WM_TAG_VERSION" val="1.0"/>
-  <p:tag name="KSO_WM_BEAUTIFY_FLAG" val="#wm#"/>
-</p:tagLst>
-</file>
-
-<file path=ppt/tags/tag15.xml><?xml version="1.0" encoding="utf-8"?>
-<p:tagLst xmlns:p="http://schemas.openxmlformats.org/presentationml/2006/main">
-  <p:tag name="KSO_WM_UNIT_HIGHLIGHT" val="0"/>
-  <p:tag name="KSO_WM_UNIT_COMPATIBLE" val="0"/>
-  <p:tag name="KSO_WM_UNIT_DIAGRAM_ISNUMVISUAL" val="0"/>
-  <p:tag name="KSO_WM_UNIT_DIAGRAM_ISREFERUNIT" val="0"/>
-  <p:tag name="KSO_WM_UNIT_ID" val="_3**"/>
-  <p:tag name="KSO_WM_UNIT_LAYERLEVEL" val="1"/>
-  <p:tag name="KSO_WM_TAG_VERSION" val="1.0"/>
-  <p:tag name="KSO_WM_BEAUTIFY_FLAG" val="#wm#"/>
-</p:tagLst>
-</file>
-
-<file path=ppt/tags/tag16.xml><?xml version="1.0" encoding="utf-8"?>
-<p:tagLst xmlns:p="http://schemas.openxmlformats.org/presentationml/2006/main">
-  <p:tag name="KSO_WM_UNIT_HIGHLIGHT" val="0"/>
-  <p:tag name="KSO_WM_UNIT_COMPATIBLE" val="0"/>
-  <p:tag name="KSO_WM_UNIT_DIAGRAM_ISNUMVISUAL" val="0"/>
-  <p:tag name="KSO_WM_UNIT_DIAGRAM_ISREFERUNIT" val="0"/>
-  <p:tag name="KSO_WM_UNIT_ID" val="_4**"/>
-  <p:tag name="KSO_WM_UNIT_LAYERLEVEL" val="1"/>
-  <p:tag name="KSO_WM_TAG_VERSION" val="1.0"/>
-  <p:tag name="KSO_WM_BEAUTIFY_FLAG" val="#wm#"/>
-</p:tagLst>
-</file>
-
-<file path=ppt/tags/tag17.xml><?xml version="1.0" encoding="utf-8"?>
-<p:tagLst xmlns:p="http://schemas.openxmlformats.org/presentationml/2006/main">
-  <p:tag name="KSO_WM_UNIT_HIGHLIGHT" val="0"/>
-  <p:tag name="KSO_WM_UNIT_COMPATIBLE" val="0"/>
-  <p:tag name="KSO_WM_UNIT_DIAGRAM_ISNUMVISUAL" val="0"/>
-  <p:tag name="KSO_WM_UNIT_DIAGRAM_ISREFERUNIT" val="0"/>
-  <p:tag name="KSO_WM_UNIT_ID" val="_4**"/>
-  <p:tag name="KSO_WM_UNIT_LAYERLEVEL" val="1"/>
-  <p:tag name="KSO_WM_TAG_VERSION" val="1.0"/>
-  <p:tag name="KSO_WM_BEAUTIFY_FLAG" val="#wm#"/>
-</p:tagLst>
-</file>
-
-<file path=ppt/tags/tag18.xml><?xml version="1.0" encoding="utf-8"?>
-<p:tagLst xmlns:p="http://schemas.openxmlformats.org/presentationml/2006/main">
-  <p:tag name="KSO_WM_UNIT_HIGHLIGHT" val="0"/>
-  <p:tag name="KSO_WM_UNIT_COMPATIBLE" val="0"/>
-  <p:tag name="KSO_WM_UNIT_DIAGRAM_ISNUMVISUAL" val="0"/>
-  <p:tag name="KSO_WM_UNIT_DIAGRAM_ISREFERUNIT" val="0"/>
-  <p:tag name="KSO_WM_UNIT_ID" val="_4**"/>
-  <p:tag name="KSO_WM_UNIT_LAYERLEVEL" val="1"/>
-  <p:tag name="KSO_WM_TAG_VERSION" val="1.0"/>
-  <p:tag name="KSO_WM_BEAUTIFY_FLAG" val="#wm#"/>
-</p:tagLst>
-</file>
-
-<file path=ppt/tags/tag19.xml><?xml version="1.0" encoding="utf-8"?>
-<p:tagLst xmlns:p="http://schemas.openxmlformats.org/presentationml/2006/main">
-  <p:tag name="KSO_WM_UNIT_HIGHLIGHT" val="0"/>
-  <p:tag name="KSO_WM_UNIT_COMPATIBLE" val="0"/>
-  <p:tag name="KSO_WM_UNIT_DIAGRAM_ISNUMVISUAL" val="0"/>
-  <p:tag name="KSO_WM_UNIT_DIAGRAM_ISREFERUNIT" val="0"/>
-  <p:tag name="KSO_WM_UNIT_ID" val="_4**"/>
-  <p:tag name="KSO_WM_UNIT_LAYERLEVEL" val="1"/>
-  <p:tag name="KSO_WM_TAG_VERSION" val="1.0"/>
-  <p:tag name="KSO_WM_BEAUTIFY_FLAG" val="#wm#"/>
-</p:tagLst>
-</file>
-
-<file path=ppt/tags/tag2.xml><?xml version="1.0" encoding="utf-8"?>
-<p:tagLst xmlns:p="http://schemas.openxmlformats.org/presentationml/2006/main">
-  <p:tag name="KSO_WM_UNIT_HIGHLIGHT" val="0"/>
-  <p:tag name="KSO_WM_UNIT_COMPATIBLE" val="0"/>
-  <p:tag name="KSO_WM_UNIT_DIAGRAM_ISNUMVISUAL" val="0"/>
-  <p:tag name="KSO_WM_UNIT_DIAGRAM_ISREFERUNIT" val="0"/>
-  <p:tag name="KSO_WM_UNIT_ID" val="_1**"/>
-  <p:tag name="KSO_WM_UNIT_LAYERLEVEL" val="1"/>
-  <p:tag name="KSO_WM_TAG_VERSION" val="1.0"/>
-  <p:tag name="KSO_WM_BEAUTIFY_FLAG" val="#wm#"/>
-</p:tagLst>
-</file>
-
-<file path=ppt/tags/tag20.xml><?xml version="1.0" encoding="utf-8"?>
-<p:tagLst xmlns:p="http://schemas.openxmlformats.org/presentationml/2006/main">
-  <p:tag name="KSO_WM_UNIT_HIGHLIGHT" val="0"/>
-  <p:tag name="KSO_WM_UNIT_COMPATIBLE" val="0"/>
-  <p:tag name="KSO_WM_UNIT_DIAGRAM_ISNUMVISUAL" val="0"/>
-  <p:tag name="KSO_WM_UNIT_DIAGRAM_ISREFERUNIT" val="0"/>
-  <p:tag name="KSO_WM_UNIT_ID" val="_4**"/>
-  <p:tag name="KSO_WM_UNIT_LAYERLEVEL" val="1"/>
-  <p:tag name="KSO_WM_TAG_VERSION" val="1.0"/>
-  <p:tag name="KSO_WM_BEAUTIFY_FLAG" val="#wm#"/>
-</p:tagLst>
-</file>
-
-<file path=ppt/tags/tag21.xml><?xml version="1.0" encoding="utf-8"?>
-<p:tagLst xmlns:p="http://schemas.openxmlformats.org/presentationml/2006/main">
-  <p:tag name="KSO_WM_UNIT_HIGHLIGHT" val="0"/>
-  <p:tag name="KSO_WM_UNIT_COMPATIBLE" val="0"/>
-  <p:tag name="KSO_WM_UNIT_DIAGRAM_ISNUMVISUAL" val="0"/>
-  <p:tag name="KSO_WM_UNIT_DIAGRAM_ISREFERUNIT" val="0"/>
-  <p:tag name="KSO_WM_UNIT_ID" val="_4**"/>
-  <p:tag name="KSO_WM_UNIT_LAYERLEVEL" val="1"/>
-  <p:tag name="KSO_WM_TAG_VERSION" val="1.0"/>
-  <p:tag name="KSO_WM_BEAUTIFY_FLAG" val="#wm#"/>
-</p:tagLst>
-</file>
-
-<file path=ppt/tags/tag22.xml><?xml version="1.0" encoding="utf-8"?>
-<p:tagLst xmlns:p="http://schemas.openxmlformats.org/presentationml/2006/main">
-  <p:tag name="KSO_WM_UNIT_HIGHLIGHT" val="0"/>
-  <p:tag name="KSO_WM_UNIT_COMPATIBLE" val="0"/>
-  <p:tag name="KSO_WM_UNIT_DIAGRAM_ISNUMVISUAL" val="0"/>
-  <p:tag name="KSO_WM_UNIT_DIAGRAM_ISREFERUNIT" val="0"/>
-  <p:tag name="KSO_WM_UNIT_ID" val="_5**"/>
-  <p:tag name="KSO_WM_UNIT_LAYERLEVEL" val="1"/>
-  <p:tag name="KSO_WM_TAG_VERSION" val="1.0"/>
-  <p:tag name="KSO_WM_BEAUTIFY_FLAG" val="#wm#"/>
-</p:tagLst>
-</file>
-
-<file path=ppt/tags/tag23.xml><?xml version="1.0" encoding="utf-8"?>
-<p:tagLst xmlns:p="http://schemas.openxmlformats.org/presentationml/2006/main">
-  <p:tag name="KSO_WM_UNIT_HIGHLIGHT" val="0"/>
-  <p:tag name="KSO_WM_UNIT_COMPATIBLE" val="0"/>
-  <p:tag name="KSO_WM_UNIT_DIAGRAM_ISNUMVISUAL" val="0"/>
-  <p:tag name="KSO_WM_UNIT_DIAGRAM_ISREFERUNIT" val="0"/>
-  <p:tag name="KSO_WM_UNIT_ID" val="_5**"/>
-  <p:tag name="KSO_WM_UNIT_LAYERLEVEL" val="1"/>
-  <p:tag name="KSO_WM_TAG_VERSION" val="1.0"/>
-  <p:tag name="KSO_WM_BEAUTIFY_FLAG" val="#wm#"/>
-</p:tagLst>
-</file>
-
-<file path=ppt/tags/tag24.xml><?xml version="1.0" encoding="utf-8"?>
-<p:tagLst xmlns:p="http://schemas.openxmlformats.org/presentationml/2006/main">
-  <p:tag name="KSO_WM_UNIT_HIGHLIGHT" val="0"/>
-  <p:tag name="KSO_WM_UNIT_COMPATIBLE" val="0"/>
-  <p:tag name="KSO_WM_UNIT_DIAGRAM_ISNUMVISUAL" val="0"/>
-  <p:tag name="KSO_WM_UNIT_DIAGRAM_ISREFERUNIT" val="0"/>
-  <p:tag name="KSO_WM_UNIT_ID" val="_5**"/>
-  <p:tag name="KSO_WM_UNIT_LAYERLEVEL" val="1"/>
-  <p:tag name="KSO_WM_TAG_VERSION" val="1.0"/>
-  <p:tag name="KSO_WM_BEAUTIFY_FLAG" val="#wm#"/>
-</p:tagLst>
-</file>
-
-<file path=ppt/tags/tag25.xml><?xml version="1.0" encoding="utf-8"?>
-<p:tagLst xmlns:p="http://schemas.openxmlformats.org/presentationml/2006/main">
-  <p:tag name="KSO_WM_UNIT_HIGHLIGHT" val="0"/>
-  <p:tag name="KSO_WM_UNIT_COMPATIBLE" val="0"/>
-  <p:tag name="KSO_WM_UNIT_DIAGRAM_ISNUMVISUAL" val="0"/>
-  <p:tag name="KSO_WM_UNIT_DIAGRAM_ISREFERUNIT" val="0"/>
-  <p:tag name="KSO_WM_UNIT_ID" val="_5**"/>
-  <p:tag name="KSO_WM_UNIT_LAYERLEVEL" val="1"/>
-  <p:tag name="KSO_WM_TAG_VERSION" val="1.0"/>
-  <p:tag name="KSO_WM_BEAUTIFY_FLAG" val="#wm#"/>
-</p:tagLst>
-</file>
-
-<file path=ppt/tags/tag26.xml><?xml version="1.0" encoding="utf-8"?>
-<p:tagLst xmlns:p="http://schemas.openxmlformats.org/presentationml/2006/main">
-  <p:tag name="KSO_WM_UNIT_HIGHLIGHT" val="0"/>
-  <p:tag name="KSO_WM_UNIT_COMPATIBLE" val="0"/>
-  <p:tag name="KSO_WM_UNIT_DIAGRAM_ISNUMVISUAL" val="0"/>
-  <p:tag name="KSO_WM_UNIT_DIAGRAM_ISREFERUNIT" val="0"/>
-  <p:tag name="KSO_WM_UNIT_ID" val="_5**"/>
-  <p:tag name="KSO_WM_UNIT_LAYERLEVEL" val="1"/>
-  <p:tag name="KSO_WM_TAG_VERSION" val="1.0"/>
-  <p:tag name="KSO_WM_BEAUTIFY_FLAG" val="#wm#"/>
-</p:tagLst>
-</file>
-
-<file path=ppt/tags/tag27.xml><?xml version="1.0" encoding="utf-8"?>
-<p:tagLst xmlns:p="http://schemas.openxmlformats.org/presentationml/2006/main">
-  <p:tag name="KSO_WM_UNIT_HIGHLIGHT" val="0"/>
-  <p:tag name="KSO_WM_UNIT_COMPATIBLE" val="0"/>
-  <p:tag name="KSO_WM_UNIT_DIAGRAM_ISNUMVISUAL" val="0"/>
-  <p:tag name="KSO_WM_UNIT_DIAGRAM_ISREFERUNIT" val="0"/>
-  <p:tag name="KSO_WM_UNIT_ID" val="_5**"/>
-  <p:tag name="KSO_WM_UNIT_LAYERLEVEL" val="1"/>
-  <p:tag name="KSO_WM_TAG_VERSION" val="1.0"/>
-  <p:tag name="KSO_WM_BEAUTIFY_FLAG" val="#wm#"/>
-</p:tagLst>
-</file>
-
-<file path=ppt/tags/tag28.xml><?xml version="1.0" encoding="utf-8"?>
-<p:tagLst xmlns:p="http://schemas.openxmlformats.org/presentationml/2006/main">
-  <p:tag name="KSO_WM_UNIT_HIGHLIGHT" val="0"/>
-  <p:tag name="KSO_WM_UNIT_COMPATIBLE" val="0"/>
-  <p:tag name="KSO_WM_UNIT_DIAGRAM_ISNUMVISUAL" val="0"/>
-  <p:tag name="KSO_WM_UNIT_DIAGRAM_ISREFERUNIT" val="0"/>
-  <p:tag name="KSO_WM_UNIT_ID" val="_5**"/>
-  <p:tag name="KSO_WM_UNIT_LAYERLEVEL" val="1"/>
-  <p:tag name="KSO_WM_TAG_VERSION" val="1.0"/>
-  <p:tag name="KSO_WM_BEAUTIFY_FLAG" val="#wm#"/>
-</p:tagLst>
-</file>
-
-<file path=ppt/tags/tag29.xml><?xml version="1.0" encoding="utf-8"?>
-<p:tagLst xmlns:p="http://schemas.openxmlformats.org/presentationml/2006/main">
-  <p:tag name="KSO_WM_UNIT_HIGHLIGHT" val="0"/>
-  <p:tag name="KSO_WM_UNIT_COMPATIBLE" val="0"/>
-  <p:tag name="KSO_WM_UNIT_DIAGRAM_ISNUMVISUAL" val="0"/>
-  <p:tag name="KSO_WM_UNIT_DIAGRAM_ISREFERUNIT" val="0"/>
-  <p:tag name="KSO_WM_UNIT_ID" val="_5**"/>
-  <p:tag name="KSO_WM_UNIT_LAYERLEVEL" val="1"/>
-  <p:tag name="KSO_WM_TAG_VERSION" val="1.0"/>
-  <p:tag name="KSO_WM_BEAUTIFY_FLAG" val="#wm#"/>
-</p:tagLst>
-</file>
-
-<file path=ppt/tags/tag3.xml><?xml version="1.0" encoding="utf-8"?>
-<p:tagLst xmlns:p="http://schemas.openxmlformats.org/presentationml/2006/main">
-  <p:tag name="KSO_WM_UNIT_HIGHLIGHT" val="0"/>
-  <p:tag name="KSO_WM_UNIT_COMPATIBLE" val="0"/>
-  <p:tag name="KSO_WM_UNIT_DIAGRAM_ISNUMVISUAL" val="0"/>
-  <p:tag name="KSO_WM_UNIT_DIAGRAM_ISREFERUNIT" val="0"/>
-  <p:tag name="KSO_WM_UNIT_ID" val="_1**"/>
-  <p:tag name="KSO_WM_UNIT_LAYERLEVEL" val="1"/>
-  <p:tag name="KSO_WM_TAG_VERSION" val="1.0"/>
-  <p:tag name="KSO_WM_BEAUTIFY_FLAG" val="#wm#"/>
-</p:tagLst>
-</file>
-
-<file path=ppt/tags/tag30.xml><?xml version="1.0" encoding="utf-8"?>
-<p:tagLst xmlns:p="http://schemas.openxmlformats.org/presentationml/2006/main">
-  <p:tag name="KSO_WM_UNIT_HIGHLIGHT" val="0"/>
-  <p:tag name="KSO_WM_UNIT_COMPATIBLE" val="0"/>
-  <p:tag name="KSO_WM_UNIT_DIAGRAM_ISNUMVISUAL" val="0"/>
-  <p:tag name="KSO_WM_UNIT_DIAGRAM_ISREFERUNIT" val="0"/>
-  <p:tag name="KSO_WM_UNIT_ID" val="_6**"/>
-  <p:tag name="KSO_WM_UNIT_LAYERLEVEL" val="1"/>
-  <p:tag name="KSO_WM_TAG_VERSION" val="1.0"/>
-  <p:tag name="KSO_WM_BEAUTIFY_FLAG" val="#wm#"/>
-</p:tagLst>
-</file>
-
-<file path=ppt/tags/tag31.xml><?xml version="1.0" encoding="utf-8"?>
-<p:tagLst xmlns:p="http://schemas.openxmlformats.org/presentationml/2006/main">
-  <p:tag name="KSO_WM_UNIT_HIGHLIGHT" val="0"/>
-  <p:tag name="KSO_WM_UNIT_COMPATIBLE" val="0"/>
-  <p:tag name="KSO_WM_UNIT_DIAGRAM_ISNUMVISUAL" val="0"/>
-  <p:tag name="KSO_WM_UNIT_DIAGRAM_ISREFERUNIT" val="0"/>
-  <p:tag name="KSO_WM_UNIT_ID" val="_6**"/>
-  <p:tag name="KSO_WM_UNIT_LAYERLEVEL" val="1"/>
-  <p:tag name="KSO_WM_TAG_VERSION" val="1.0"/>
-  <p:tag name="KSO_WM_BEAUTIFY_FLAG" val="#wm#"/>
-</p:tagLst>
-</file>
-
-<file path=ppt/tags/tag32.xml><?xml version="1.0" encoding="utf-8"?>
-<p:tagLst xmlns:p="http://schemas.openxmlformats.org/presentationml/2006/main">
-  <p:tag name="KSO_WM_UNIT_HIGHLIGHT" val="0"/>
-  <p:tag name="KSO_WM_UNIT_COMPATIBLE" val="0"/>
-  <p:tag name="KSO_WM_UNIT_DIAGRAM_ISNUMVISUAL" val="0"/>
-  <p:tag name="KSO_WM_UNIT_DIAGRAM_ISREFERUNIT" val="0"/>
-  <p:tag name="KSO_WM_UNIT_ID" val="_6**"/>
-  <p:tag name="KSO_WM_UNIT_LAYERLEVEL" val="1"/>
-  <p:tag name="KSO_WM_TAG_VERSION" val="1.0"/>
-  <p:tag name="KSO_WM_BEAUTIFY_FLAG" val="#wm#"/>
-</p:tagLst>
-</file>
-
-<file path=ppt/tags/tag33.xml><?xml version="1.0" encoding="utf-8"?>
-<p:tagLst xmlns:p="http://schemas.openxmlformats.org/presentationml/2006/main">
-  <p:tag name="KSO_WM_UNIT_HIGHLIGHT" val="0"/>
-  <p:tag name="KSO_WM_UNIT_COMPATIBLE" val="0"/>
-  <p:tag name="KSO_WM_UNIT_DIAGRAM_ISNUMVISUAL" val="0"/>
-  <p:tag name="KSO_WM_UNIT_DIAGRAM_ISREFERUNIT" val="0"/>
-  <p:tag name="KSO_WM_UNIT_ID" val="_6**"/>
-  <p:tag name="KSO_WM_UNIT_LAYERLEVEL" val="1"/>
-  <p:tag name="KSO_WM_TAG_VERSION" val="1.0"/>
-  <p:tag name="KSO_WM_BEAUTIFY_FLAG" val="#wm#"/>
-</p:tagLst>
-</file>
-
-<file path=ppt/tags/tag34.xml><?xml version="1.0" encoding="utf-8"?>
-<p:tagLst xmlns:p="http://schemas.openxmlformats.org/presentationml/2006/main">
-  <p:tag name="KSO_WM_UNIT_HIGHLIGHT" val="0"/>
-  <p:tag name="KSO_WM_UNIT_COMPATIBLE" val="0"/>
-  <p:tag name="KSO_WM_UNIT_DIAGRAM_ISNUMVISUAL" val="0"/>
-  <p:tag name="KSO_WM_UNIT_DIAGRAM_ISREFERUNIT" val="0"/>
-  <p:tag name="KSO_WM_UNIT_ID" val="_7**"/>
-  <p:tag name="KSO_WM_UNIT_LAYERLEVEL" val="1"/>
-  <p:tag name="KSO_WM_TAG_VERSION" val="1.0"/>
-  <p:tag name="KSO_WM_BEAUTIFY_FLAG" val="#wm#"/>
-</p:tagLst>
-</file>
-
-<file path=ppt/tags/tag35.xml><?xml version="1.0" encoding="utf-8"?>
-<p:tagLst xmlns:p="http://schemas.openxmlformats.org/presentationml/2006/main">
-  <p:tag name="KSO_WM_UNIT_HIGHLIGHT" val="0"/>
-  <p:tag name="KSO_WM_UNIT_COMPATIBLE" val="0"/>
-  <p:tag name="KSO_WM_UNIT_DIAGRAM_ISNUMVISUAL" val="0"/>
-  <p:tag name="KSO_WM_UNIT_DIAGRAM_ISREFERUNIT" val="0"/>
-  <p:tag name="KSO_WM_UNIT_ID" val="_7**"/>
-  <p:tag name="KSO_WM_UNIT_LAYERLEVEL" val="1"/>
-  <p:tag name="KSO_WM_TAG_VERSION" val="1.0"/>
-  <p:tag name="KSO_WM_BEAUTIFY_FLAG" val="#wm#"/>
-</p:tagLst>
-</file>
-
-<file path=ppt/tags/tag36.xml><?xml version="1.0" encoding="utf-8"?>
-<p:tagLst xmlns:p="http://schemas.openxmlformats.org/presentationml/2006/main">
-  <p:tag name="KSO_WM_UNIT_HIGHLIGHT" val="0"/>
-  <p:tag name="KSO_WM_UNIT_COMPATIBLE" val="0"/>
-  <p:tag name="KSO_WM_UNIT_DIAGRAM_ISNUMVISUAL" val="0"/>
-  <p:tag name="KSO_WM_UNIT_DIAGRAM_ISREFERUNIT" val="0"/>
-  <p:tag name="KSO_WM_UNIT_ID" val="_7**"/>
-  <p:tag name="KSO_WM_UNIT_LAYERLEVEL" val="1"/>
-  <p:tag name="KSO_WM_TAG_VERSION" val="1.0"/>
-  <p:tag name="KSO_WM_BEAUTIFY_FLAG" val="#wm#"/>
-</p:tagLst>
-</file>
-
-<file path=ppt/tags/tag37.xml><?xml version="1.0" encoding="utf-8"?>
-<p:tagLst xmlns:p="http://schemas.openxmlformats.org/presentationml/2006/main">
-  <p:tag name="KSO_WM_UNIT_HIGHLIGHT" val="0"/>
-  <p:tag name="KSO_WM_UNIT_COMPATIBLE" val="0"/>
-  <p:tag name="KSO_WM_UNIT_DIAGRAM_ISNUMVISUAL" val="0"/>
-  <p:tag name="KSO_WM_UNIT_DIAGRAM_ISREFERUNIT" val="0"/>
-  <p:tag name="KSO_WM_UNIT_ID" val="_8**"/>
-  <p:tag name="KSO_WM_UNIT_LAYERLEVEL" val="1"/>
-  <p:tag name="KSO_WM_TAG_VERSION" val="1.0"/>
-  <p:tag name="KSO_WM_BEAUTIFY_FLAG" val="#wm#"/>
-</p:tagLst>
-</file>
-
-<file path=ppt/tags/tag38.xml><?xml version="1.0" encoding="utf-8"?>
-<p:tagLst xmlns:p="http://schemas.openxmlformats.org/presentationml/2006/main">
-  <p:tag name="KSO_WM_UNIT_HIGHLIGHT" val="0"/>
-  <p:tag name="KSO_WM_UNIT_COMPATIBLE" val="0"/>
-  <p:tag name="KSO_WM_UNIT_DIAGRAM_ISNUMVISUAL" val="0"/>
-  <p:tag name="KSO_WM_UNIT_DIAGRAM_ISREFERUNIT" val="0"/>
-  <p:tag name="KSO_WM_UNIT_ID" val="_8**"/>
-  <p:tag name="KSO_WM_UNIT_LAYERLEVEL" val="1"/>
-  <p:tag name="KSO_WM_TAG_VERSION" val="1.0"/>
-  <p:tag name="KSO_WM_BEAUTIFY_FLAG" val="#wm#"/>
-</p:tagLst>
-</file>
-
-<file path=ppt/tags/tag39.xml><?xml version="1.0" encoding="utf-8"?>
-<p:tagLst xmlns:p="http://schemas.openxmlformats.org/presentationml/2006/main">
-  <p:tag name="KSO_WM_UNIT_HIGHLIGHT" val="0"/>
-  <p:tag name="KSO_WM_UNIT_COMPATIBLE" val="0"/>
-  <p:tag name="KSO_WM_UNIT_DIAGRAM_ISNUMVISUAL" val="0"/>
-  <p:tag name="KSO_WM_UNIT_DIAGRAM_ISREFERUNIT" val="0"/>
-  <p:tag name="KSO_WM_UNIT_ID" val="_8**"/>
-  <p:tag name="KSO_WM_UNIT_LAYERLEVEL" val="1"/>
-  <p:tag name="KSO_WM_TAG_VERSION" val="1.0"/>
-  <p:tag name="KSO_WM_BEAUTIFY_FLAG" val="#wm#"/>
-</p:tagLst>
-</file>
-
-<file path=ppt/tags/tag4.xml><?xml version="1.0" encoding="utf-8"?>
-<p:tagLst xmlns:p="http://schemas.openxmlformats.org/presentationml/2006/main">
-  <p:tag name="KSO_WM_UNIT_HIGHLIGHT" val="0"/>
-  <p:tag name="KSO_WM_UNIT_COMPATIBLE" val="0"/>
-  <p:tag name="KSO_WM_UNIT_DIAGRAM_ISNUMVISUAL" val="0"/>
-  <p:tag name="KSO_WM_UNIT_DIAGRAM_ISREFERUNIT" val="0"/>
-  <p:tag name="KSO_WM_UNIT_ID" val="_1**"/>
-  <p:tag name="KSO_WM_UNIT_LAYERLEVEL" val="1"/>
-  <p:tag name="KSO_WM_TAG_VERSION" val="1.0"/>
-  <p:tag name="KSO_WM_BEAUTIFY_FLAG" val="#wm#"/>
-</p:tagLst>
-</file>
-
-<file path=ppt/tags/tag40.xml><?xml version="1.0" encoding="utf-8"?>
-<p:tagLst xmlns:p="http://schemas.openxmlformats.org/presentationml/2006/main">
-  <p:tag name="KSO_WM_UNIT_HIGHLIGHT" val="0"/>
-  <p:tag name="KSO_WM_UNIT_COMPATIBLE" val="0"/>
-  <p:tag name="KSO_WM_UNIT_DIAGRAM_ISNUMVISUAL" val="0"/>
-  <p:tag name="KSO_WM_UNIT_DIAGRAM_ISREFERUNIT" val="0"/>
-  <p:tag name="KSO_WM_UNIT_ID" val="_8**"/>
-  <p:tag name="KSO_WM_UNIT_LAYERLEVEL" val="1"/>
-  <p:tag name="KSO_WM_TAG_VERSION" val="1.0"/>
-  <p:tag name="KSO_WM_BEAUTIFY_FLAG" val="#wm#"/>
-</p:tagLst>
-</file>
-
-<file path=ppt/tags/tag41.xml><?xml version="1.0" encoding="utf-8"?>
-<p:tagLst xmlns:p="http://schemas.openxmlformats.org/presentationml/2006/main">
-  <p:tag name="KSO_WM_UNIT_HIGHLIGHT" val="0"/>
-  <p:tag name="KSO_WM_UNIT_COMPATIBLE" val="0"/>
-  <p:tag name="KSO_WM_UNIT_DIAGRAM_ISNUMVISUAL" val="0"/>
-  <p:tag name="KSO_WM_UNIT_DIAGRAM_ISREFERUNIT" val="0"/>
-  <p:tag name="KSO_WM_UNIT_ID" val="_8**"/>
-  <p:tag name="KSO_WM_UNIT_LAYERLEVEL" val="1"/>
-  <p:tag name="KSO_WM_TAG_VERSION" val="1.0"/>
-  <p:tag name="KSO_WM_BEAUTIFY_FLAG" val="#wm#"/>
-</p:tagLst>
-</file>
-
-<file path=ppt/tags/tag42.xml><?xml version="1.0" encoding="utf-8"?>
-<p:tagLst xmlns:p="http://schemas.openxmlformats.org/presentationml/2006/main">
-  <p:tag name="KSO_WM_UNIT_HIGHLIGHT" val="0"/>
-  <p:tag name="KSO_WM_UNIT_COMPATIBLE" val="0"/>
-  <p:tag name="KSO_WM_UNIT_DIAGRAM_ISNUMVISUAL" val="0"/>
-  <p:tag name="KSO_WM_UNIT_DIAGRAM_ISREFERUNIT" val="0"/>
-  <p:tag name="KSO_WM_UNIT_ID" val="_8**"/>
-  <p:tag name="KSO_WM_UNIT_LAYERLEVEL" val="1"/>
-  <p:tag name="KSO_WM_TAG_VERSION" val="1.0"/>
-  <p:tag name="KSO_WM_BEAUTIFY_FLAG" val="#wm#"/>
-</p:tagLst>
-</file>
-
-<file path=ppt/tags/tag43.xml><?xml version="1.0" encoding="utf-8"?>
-<p:tagLst xmlns:p="http://schemas.openxmlformats.org/presentationml/2006/main">
-  <p:tag name="KSO_WM_UNIT_HIGHLIGHT" val="0"/>
-  <p:tag name="KSO_WM_UNIT_COMPATIBLE" val="0"/>
-  <p:tag name="KSO_WM_UNIT_DIAGRAM_ISNUMVISUAL" val="0"/>
-  <p:tag name="KSO_WM_UNIT_DIAGRAM_ISREFERUNIT" val="0"/>
-  <p:tag name="KSO_WM_UNIT_ID" val="_9**"/>
-  <p:tag name="KSO_WM_UNIT_LAYERLEVEL" val="1"/>
-  <p:tag name="KSO_WM_TAG_VERSION" val="1.0"/>
-  <p:tag name="KSO_WM_BEAUTIFY_FLAG" val="#wm#"/>
-</p:tagLst>
-</file>
-
-<file path=ppt/tags/tag44.xml><?xml version="1.0" encoding="utf-8"?>
-<p:tagLst xmlns:p="http://schemas.openxmlformats.org/presentationml/2006/main">
-  <p:tag name="KSO_WM_UNIT_HIGHLIGHT" val="0"/>
-  <p:tag name="KSO_WM_UNIT_COMPATIBLE" val="0"/>
-  <p:tag name="KSO_WM_UNIT_DIAGRAM_ISNUMVISUAL" val="0"/>
-  <p:tag name="KSO_WM_UNIT_DIAGRAM_ISREFERUNIT" val="0"/>
-  <p:tag name="KSO_WM_UNIT_ID" val="_9**"/>
-  <p:tag name="KSO_WM_UNIT_LAYERLEVEL" val="1"/>
-  <p:tag name="KSO_WM_TAG_VERSION" val="1.0"/>
-  <p:tag name="KSO_WM_BEAUTIFY_FLAG" val="#wm#"/>
-</p:tagLst>
-</file>
-
-<file path=ppt/tags/tag45.xml><?xml version="1.0" encoding="utf-8"?>
-<p:tagLst xmlns:p="http://schemas.openxmlformats.org/presentationml/2006/main">
-  <p:tag name="KSO_WM_UNIT_HIGHLIGHT" val="0"/>
-  <p:tag name="KSO_WM_UNIT_COMPATIBLE" val="0"/>
-  <p:tag name="KSO_WM_UNIT_DIAGRAM_ISNUMVISUAL" val="0"/>
-  <p:tag name="KSO_WM_UNIT_DIAGRAM_ISREFERUNIT" val="0"/>
-  <p:tag name="KSO_WM_UNIT_ID" val="_9**"/>
-  <p:tag name="KSO_WM_UNIT_LAYERLEVEL" val="1"/>
-  <p:tag name="KSO_WM_TAG_VERSION" val="1.0"/>
-  <p:tag name="KSO_WM_BEAUTIFY_FLAG" val="#wm#"/>
-</p:tagLst>
-</file>
-
-<file path=ppt/tags/tag46.xml><?xml version="1.0" encoding="utf-8"?>
-<p:tagLst xmlns:p="http://schemas.openxmlformats.org/presentationml/2006/main">
-  <p:tag name="KSO_WM_UNIT_HIGHLIGHT" val="0"/>
-  <p:tag name="KSO_WM_UNIT_COMPATIBLE" val="0"/>
-  <p:tag name="KSO_WM_UNIT_DIAGRAM_ISNUMVISUAL" val="0"/>
-  <p:tag name="KSO_WM_UNIT_DIAGRAM_ISREFERUNIT" val="0"/>
-  <p:tag name="KSO_WM_UNIT_ID" val="_9**"/>
-  <p:tag name="KSO_WM_UNIT_LAYERLEVEL" val="1"/>
-  <p:tag name="KSO_WM_TAG_VERSION" val="1.0"/>
-  <p:tag name="KSO_WM_BEAUTIFY_FLAG" val="#wm#"/>
-</p:tagLst>
-</file>
-
-<file path=ppt/tags/tag47.xml><?xml version="1.0" encoding="utf-8"?>
-<p:tagLst xmlns:p="http://schemas.openxmlformats.org/presentationml/2006/main">
-  <p:tag name="KSO_WM_UNIT_HIGHLIGHT" val="0"/>
-  <p:tag name="KSO_WM_UNIT_COMPATIBLE" val="0"/>
-  <p:tag name="KSO_WM_UNIT_DIAGRAM_ISNUMVISUAL" val="0"/>
-  <p:tag name="KSO_WM_UNIT_DIAGRAM_ISREFERUNIT" val="0"/>
-  <p:tag name="KSO_WM_UNIT_ID" val="_9**"/>
-  <p:tag name="KSO_WM_UNIT_LAYERLEVEL" val="1"/>
-  <p:tag name="KSO_WM_TAG_VERSION" val="1.0"/>
-  <p:tag name="KSO_WM_BEAUTIFY_FLAG" val="#wm#"/>
-</p:tagLst>
-</file>
-
-<file path=ppt/tags/tag48.xml><?xml version="1.0" encoding="utf-8"?>
-<p:tagLst xmlns:p="http://schemas.openxmlformats.org/presentationml/2006/main">
+<p:tagLst xmlns:a="http://schemas.openxmlformats.org/drawingml/2006/main" xmlns:r="http://schemas.openxmlformats.org/officeDocument/2006/relationships" xmlns:p="http://schemas.openxmlformats.org/presentationml/2006/main">
   <p:tag name="KSO_WM_UNIT_HIGHLIGHT" val="0"/>
   <p:tag name="KSO_WM_UNIT_COMPATIBLE" val="0"/>
   <p:tag name="KSO_WM_UNIT_DIAGRAM_ISNUMVISUAL" val="0"/>
@@ -4868,8 +4972,8 @@
 </p:tagLst>
 </file>
 
-<file path=ppt/tags/tag49.xml><?xml version="1.0" encoding="utf-8"?>
-<p:tagLst xmlns:p="http://schemas.openxmlformats.org/presentationml/2006/main">
+<file path=ppt/tags/tag11.xml><?xml version="1.0" encoding="utf-8"?>
+<p:tagLst xmlns:a="http://schemas.openxmlformats.org/drawingml/2006/main" xmlns:r="http://schemas.openxmlformats.org/officeDocument/2006/relationships" xmlns:p="http://schemas.openxmlformats.org/presentationml/2006/main">
   <p:tag name="KSO_WM_UNIT_HIGHLIGHT" val="0"/>
   <p:tag name="KSO_WM_UNIT_COMPATIBLE" val="0"/>
   <p:tag name="KSO_WM_UNIT_DIAGRAM_ISNUMVISUAL" val="0"/>
@@ -4881,47 +4985,8 @@
 </p:tagLst>
 </file>
 
-<file path=ppt/tags/tag5.xml><?xml version="1.0" encoding="utf-8"?>
-<p:tagLst xmlns:p="http://schemas.openxmlformats.org/presentationml/2006/main">
-  <p:tag name="KSO_WM_UNIT_HIGHLIGHT" val="0"/>
-  <p:tag name="KSO_WM_UNIT_COMPATIBLE" val="0"/>
-  <p:tag name="KSO_WM_UNIT_DIAGRAM_ISNUMVISUAL" val="0"/>
-  <p:tag name="KSO_WM_UNIT_DIAGRAM_ISREFERUNIT" val="0"/>
-  <p:tag name="KSO_WM_UNIT_ID" val="_1**"/>
-  <p:tag name="KSO_WM_UNIT_LAYERLEVEL" val="1"/>
-  <p:tag name="KSO_WM_TAG_VERSION" val="1.0"/>
-  <p:tag name="KSO_WM_BEAUTIFY_FLAG" val="#wm#"/>
-</p:tagLst>
-</file>
-
-<file path=ppt/tags/tag50.xml><?xml version="1.0" encoding="utf-8"?>
-<p:tagLst xmlns:p="http://schemas.openxmlformats.org/presentationml/2006/main">
-  <p:tag name="KSO_WM_UNIT_HIGHLIGHT" val="0"/>
-  <p:tag name="KSO_WM_UNIT_COMPATIBLE" val="0"/>
-  <p:tag name="KSO_WM_UNIT_DIAGRAM_ISNUMVISUAL" val="0"/>
-  <p:tag name="KSO_WM_UNIT_DIAGRAM_ISREFERUNIT" val="0"/>
-  <p:tag name="KSO_WM_UNIT_ID" val="_10**"/>
-  <p:tag name="KSO_WM_UNIT_LAYERLEVEL" val="1"/>
-  <p:tag name="KSO_WM_TAG_VERSION" val="1.0"/>
-  <p:tag name="KSO_WM_BEAUTIFY_FLAG" val="#wm#"/>
-</p:tagLst>
-</file>
-
-<file path=ppt/tags/tag51.xml><?xml version="1.0" encoding="utf-8"?>
-<p:tagLst xmlns:p="http://schemas.openxmlformats.org/presentationml/2006/main">
-  <p:tag name="KSO_WM_UNIT_HIGHLIGHT" val="0"/>
-  <p:tag name="KSO_WM_UNIT_COMPATIBLE" val="0"/>
-  <p:tag name="KSO_WM_UNIT_DIAGRAM_ISNUMVISUAL" val="0"/>
-  <p:tag name="KSO_WM_UNIT_DIAGRAM_ISREFERUNIT" val="0"/>
-  <p:tag name="KSO_WM_UNIT_ID" val="_10**"/>
-  <p:tag name="KSO_WM_UNIT_LAYERLEVEL" val="1"/>
-  <p:tag name="KSO_WM_TAG_VERSION" val="1.0"/>
-  <p:tag name="KSO_WM_BEAUTIFY_FLAG" val="#wm#"/>
-</p:tagLst>
-</file>
-
-<file path=ppt/tags/tag52.xml><?xml version="1.0" encoding="utf-8"?>
-<p:tagLst xmlns:p="http://schemas.openxmlformats.org/presentationml/2006/main">
+<file path=ppt/tags/tag12.xml><?xml version="1.0" encoding="utf-8"?>
+<p:tagLst xmlns:a="http://schemas.openxmlformats.org/drawingml/2006/main" xmlns:r="http://schemas.openxmlformats.org/officeDocument/2006/relationships" xmlns:p="http://schemas.openxmlformats.org/presentationml/2006/main">
   <p:tag name="KSO_WM_UNIT_HIGHLIGHT" val="0"/>
   <p:tag name="KSO_WM_UNIT_COMPATIBLE" val="0"/>
   <p:tag name="KSO_WM_UNIT_DIAGRAM_ISNUMVISUAL" val="0"/>
@@ -4933,8 +4998,8 @@
 </p:tagLst>
 </file>
 
-<file path=ppt/tags/tag53.xml><?xml version="1.0" encoding="utf-8"?>
-<p:tagLst xmlns:p="http://schemas.openxmlformats.org/presentationml/2006/main">
+<file path=ppt/tags/tag13.xml><?xml version="1.0" encoding="utf-8"?>
+<p:tagLst xmlns:a="http://schemas.openxmlformats.org/drawingml/2006/main" xmlns:r="http://schemas.openxmlformats.org/officeDocument/2006/relationships" xmlns:p="http://schemas.openxmlformats.org/presentationml/2006/main">
   <p:tag name="KSO_WM_UNIT_HIGHLIGHT" val="0"/>
   <p:tag name="KSO_WM_UNIT_COMPATIBLE" val="0"/>
   <p:tag name="KSO_WM_UNIT_DIAGRAM_ISNUMVISUAL" val="0"/>
@@ -4946,8 +5011,8 @@
 </p:tagLst>
 </file>
 
-<file path=ppt/tags/tag54.xml><?xml version="1.0" encoding="utf-8"?>
-<p:tagLst xmlns:p="http://schemas.openxmlformats.org/presentationml/2006/main">
+<file path=ppt/tags/tag14.xml><?xml version="1.0" encoding="utf-8"?>
+<p:tagLst xmlns:a="http://schemas.openxmlformats.org/drawingml/2006/main" xmlns:r="http://schemas.openxmlformats.org/officeDocument/2006/relationships" xmlns:p="http://schemas.openxmlformats.org/presentationml/2006/main">
   <p:tag name="KSO_WM_UNIT_HIGHLIGHT" val="0"/>
   <p:tag name="KSO_WM_UNIT_COMPATIBLE" val="0"/>
   <p:tag name="KSO_WM_UNIT_DIAGRAM_ISNUMVISUAL" val="0"/>
@@ -4959,8 +5024,8 @@
 </p:tagLst>
 </file>
 
-<file path=ppt/tags/tag55.xml><?xml version="1.0" encoding="utf-8"?>
-<p:tagLst xmlns:p="http://schemas.openxmlformats.org/presentationml/2006/main">
+<file path=ppt/tags/tag15.xml><?xml version="1.0" encoding="utf-8"?>
+<p:tagLst xmlns:a="http://schemas.openxmlformats.org/drawingml/2006/main" xmlns:r="http://schemas.openxmlformats.org/officeDocument/2006/relationships" xmlns:p="http://schemas.openxmlformats.org/presentationml/2006/main">
   <p:tag name="KSO_WM_UNIT_HIGHLIGHT" val="0"/>
   <p:tag name="KSO_WM_UNIT_COMPATIBLE" val="0"/>
   <p:tag name="KSO_WM_UNIT_DIAGRAM_ISNUMVISUAL" val="0"/>
@@ -4972,8 +5037,8 @@
 </p:tagLst>
 </file>
 
-<file path=ppt/tags/tag56.xml><?xml version="1.0" encoding="utf-8"?>
-<p:tagLst xmlns:p="http://schemas.openxmlformats.org/presentationml/2006/main">
+<file path=ppt/tags/tag16.xml><?xml version="1.0" encoding="utf-8"?>
+<p:tagLst xmlns:a="http://schemas.openxmlformats.org/drawingml/2006/main" xmlns:r="http://schemas.openxmlformats.org/officeDocument/2006/relationships" xmlns:p="http://schemas.openxmlformats.org/presentationml/2006/main">
   <p:tag name="KSO_WM_UNIT_HIGHLIGHT" val="0"/>
   <p:tag name="KSO_WM_UNIT_COMPATIBLE" val="0"/>
   <p:tag name="KSO_WM_UNIT_DIAGRAM_ISNUMVISUAL" val="0"/>
@@ -4985,104 +5050,8 @@
 </p:tagLst>
 </file>
 
-<file path=ppt/tags/tag57.xml><?xml version="1.0" encoding="utf-8"?>
-<p:tagLst xmlns:p="http://schemas.openxmlformats.org/presentationml/2006/main">
-  <p:tag name="KSO_WM_UNIT_HIGHLIGHT" val="0"/>
-  <p:tag name="KSO_WM_UNIT_COMPATIBLE" val="0"/>
-  <p:tag name="KSO_WM_UNIT_DIAGRAM_ISNUMVISUAL" val="0"/>
-  <p:tag name="KSO_WM_UNIT_DIAGRAM_ISREFERUNIT" val="0"/>
-  <p:tag name="KSO_WM_UNIT_ID" val="_0**"/>
-  <p:tag name="KSO_WM_UNIT_LAYERLEVEL" val="1"/>
-  <p:tag name="KSO_WM_TAG_VERSION" val="1.0"/>
-  <p:tag name="KSO_WM_BEAUTIFY_FLAG" val="#wm#"/>
-  <p:tag name="KSO_WM_TEMPLATE_CATEGORY" val="custom"/>
-  <p:tag name="KSO_WM_TEMPLATE_INDEX" val="20205081"/>
-</p:tagLst>
-</file>
-
-<file path=ppt/tags/tag58.xml><?xml version="1.0" encoding="utf-8"?>
-<p:tagLst xmlns:p="http://schemas.openxmlformats.org/presentationml/2006/main">
-  <p:tag name="KSO_WM_UNIT_HIGHLIGHT" val="0"/>
-  <p:tag name="KSO_WM_UNIT_COMPATIBLE" val="0"/>
-  <p:tag name="KSO_WM_UNIT_DIAGRAM_ISNUMVISUAL" val="0"/>
-  <p:tag name="KSO_WM_UNIT_DIAGRAM_ISREFERUNIT" val="0"/>
-  <p:tag name="KSO_WM_UNIT_ID" val="_0**"/>
-  <p:tag name="KSO_WM_UNIT_LAYERLEVEL" val="1"/>
-  <p:tag name="KSO_WM_TAG_VERSION" val="1.0"/>
-  <p:tag name="KSO_WM_BEAUTIFY_FLAG" val="#wm#"/>
-  <p:tag name="KSO_WM_TEMPLATE_CATEGORY" val="custom"/>
-  <p:tag name="KSO_WM_TEMPLATE_INDEX" val="20205081"/>
-</p:tagLst>
-</file>
-
-<file path=ppt/tags/tag59.xml><?xml version="1.0" encoding="utf-8"?>
-<p:tagLst xmlns:p="http://schemas.openxmlformats.org/presentationml/2006/main">
-  <p:tag name="KSO_WM_UNIT_HIGHLIGHT" val="0"/>
-  <p:tag name="KSO_WM_UNIT_COMPATIBLE" val="0"/>
-  <p:tag name="KSO_WM_UNIT_DIAGRAM_ISNUMVISUAL" val="0"/>
-  <p:tag name="KSO_WM_UNIT_DIAGRAM_ISREFERUNIT" val="0"/>
-  <p:tag name="KSO_WM_UNIT_ID" val="_0**"/>
-  <p:tag name="KSO_WM_UNIT_LAYERLEVEL" val="1"/>
-  <p:tag name="KSO_WM_TAG_VERSION" val="1.0"/>
-  <p:tag name="KSO_WM_BEAUTIFY_FLAG" val="#wm#"/>
-</p:tagLst>
-</file>
-
-<file path=ppt/tags/tag6.xml><?xml version="1.0" encoding="utf-8"?>
-<p:tagLst xmlns:p="http://schemas.openxmlformats.org/presentationml/2006/main">
-  <p:tag name="KSO_WM_UNIT_HIGHLIGHT" val="0"/>
-  <p:tag name="KSO_WM_UNIT_COMPATIBLE" val="0"/>
-  <p:tag name="KSO_WM_UNIT_DIAGRAM_ISNUMVISUAL" val="0"/>
-  <p:tag name="KSO_WM_UNIT_DIAGRAM_ISREFERUNIT" val="0"/>
-  <p:tag name="KSO_WM_UNIT_ID" val="_2**"/>
-  <p:tag name="KSO_WM_UNIT_LAYERLEVEL" val="1"/>
-  <p:tag name="KSO_WM_TAG_VERSION" val="1.0"/>
-  <p:tag name="KSO_WM_BEAUTIFY_FLAG" val="#wm#"/>
-</p:tagLst>
-</file>
-
-<file path=ppt/tags/tag60.xml><?xml version="1.0" encoding="utf-8"?>
-<p:tagLst xmlns:p="http://schemas.openxmlformats.org/presentationml/2006/main">
-  <p:tag name="KSO_WM_UNIT_HIGHLIGHT" val="0"/>
-  <p:tag name="KSO_WM_UNIT_COMPATIBLE" val="0"/>
-  <p:tag name="KSO_WM_UNIT_DIAGRAM_ISNUMVISUAL" val="0"/>
-  <p:tag name="KSO_WM_UNIT_DIAGRAM_ISREFERUNIT" val="0"/>
-  <p:tag name="KSO_WM_UNIT_ID" val="_0**"/>
-  <p:tag name="KSO_WM_UNIT_LAYERLEVEL" val="1"/>
-  <p:tag name="KSO_WM_TAG_VERSION" val="1.0"/>
-  <p:tag name="KSO_WM_BEAUTIFY_FLAG" val="#wm#"/>
-</p:tagLst>
-</file>
-
-<file path=ppt/tags/tag61.xml><?xml version="1.0" encoding="utf-8"?>
-<p:tagLst xmlns:p="http://schemas.openxmlformats.org/presentationml/2006/main">
-  <p:tag name="KSO_WM_UNIT_HIGHLIGHT" val="0"/>
-  <p:tag name="KSO_WM_UNIT_COMPATIBLE" val="0"/>
-  <p:tag name="KSO_WM_UNIT_DIAGRAM_ISNUMVISUAL" val="0"/>
-  <p:tag name="KSO_WM_UNIT_DIAGRAM_ISREFERUNIT" val="0"/>
-  <p:tag name="KSO_WM_UNIT_ID" val="_0**"/>
-  <p:tag name="KSO_WM_UNIT_LAYERLEVEL" val="1"/>
-  <p:tag name="KSO_WM_TAG_VERSION" val="1.0"/>
-  <p:tag name="KSO_WM_BEAUTIFY_FLAG" val="#wm#"/>
-</p:tagLst>
-</file>
-
-<file path=ppt/tags/tag62.xml><?xml version="1.0" encoding="utf-8"?>
-<p:tagLst xmlns:p="http://schemas.openxmlformats.org/presentationml/2006/main">
-  <p:tag name="KSO_WM_TEMPLATE_THUMBS_INDEX" val="1、4、7、12、13、14、15、16、17、18、20、24、25、28、33、36、40、43、44"/>
-  <p:tag name="KSO_WM_TEMPLATE_SUBCATEGORY" val="19"/>
-  <p:tag name="KSO_WM_TAG_VERSION" val="1.0"/>
-  <p:tag name="KSO_WM_BEAUTIFY_FLAG" val="#wm#"/>
-  <p:tag name="KSO_WM_TEMPLATE_CATEGORY" val="custom"/>
-  <p:tag name="KSO_WM_TEMPLATE_INDEX" val="20205081"/>
-  <p:tag name="KSO_WM_TEMPLATE_MASTER_TYPE" val="0"/>
-  <p:tag name="KSO_WM_TEMPLATE_COLOR_TYPE" val="1"/>
-  <p:tag name="KSO_WM_UNIT_SHOW_EDIT_AREA_INDICATION" val="1"/>
-</p:tagLst>
-</file>
-
-<file path=ppt/tags/tag63.xml><?xml version="1.0" encoding="utf-8"?>
-<p:tagLst xmlns:p="http://schemas.openxmlformats.org/presentationml/2006/main">
+<file path=ppt/tags/tag17.xml><?xml version="1.0" encoding="utf-8"?>
+<p:tagLst xmlns:a="http://schemas.openxmlformats.org/drawingml/2006/main" xmlns:r="http://schemas.openxmlformats.org/officeDocument/2006/relationships" xmlns:p="http://schemas.openxmlformats.org/presentationml/2006/main">
   <p:tag name="KSO_WM_SLIDE_ID" val="custom20205081_1"/>
   <p:tag name="KSO_WM_TEMPLATE_SUBCATEGORY" val="19"/>
   <p:tag name="KSO_WM_TEMPLATE_MASTER_TYPE" val="0"/>
@@ -5102,8 +5071,8 @@
 </p:tagLst>
 </file>
 
-<file path=ppt/tags/tag64.xml><?xml version="1.0" encoding="utf-8"?>
-<p:tagLst xmlns:p="http://schemas.openxmlformats.org/presentationml/2006/main">
+<file path=ppt/tags/tag18.xml><?xml version="1.0" encoding="utf-8"?>
+<p:tagLst xmlns:a="http://schemas.openxmlformats.org/drawingml/2006/main" xmlns:r="http://schemas.openxmlformats.org/officeDocument/2006/relationships" xmlns:p="http://schemas.openxmlformats.org/presentationml/2006/main">
   <p:tag name="KSO_WM_SLIDE_ID" val="custom20205081_1"/>
   <p:tag name="KSO_WM_TEMPLATE_SUBCATEGORY" val="19"/>
   <p:tag name="KSO_WM_TEMPLATE_MASTER_TYPE" val="0"/>
@@ -5123,32 +5092,8 @@
 </p:tagLst>
 </file>
 
-<file path=ppt/tags/tag65.xml><?xml version="1.0" encoding="utf-8"?>
-<p:tagLst xmlns:p="http://schemas.openxmlformats.org/presentationml/2006/main">
-  <p:tag name="KSO_WM_BEAUTIFY_FLAG" val=""/>
-</p:tagLst>
-</file>
-
-<file path=ppt/tags/tag66.xml><?xml version="1.0" encoding="utf-8"?>
-<p:tagLst xmlns:p="http://schemas.openxmlformats.org/presentationml/2006/main">
-  <p:tag name="KSO_WM_BEAUTIFY_FLAG" val=""/>
-</p:tagLst>
-</file>
-
-<file path=ppt/tags/tag67.xml><?xml version="1.0" encoding="utf-8"?>
-<p:tagLst xmlns:p="http://schemas.openxmlformats.org/presentationml/2006/main">
-  <p:tag name="KSO_WM_BEAUTIFY_FLAG" val=""/>
-</p:tagLst>
-</file>
-
-<file path=ppt/tags/tag68.xml><?xml version="1.0" encoding="utf-8"?>
-<p:tagLst xmlns:p="http://schemas.openxmlformats.org/presentationml/2006/main">
-  <p:tag name="KSO_WM_BEAUTIFY_FLAG" val=""/>
-</p:tagLst>
-</file>
-
-<file path=ppt/tags/tag69.xml><?xml version="1.0" encoding="utf-8"?>
-<p:tagLst xmlns:p="http://schemas.openxmlformats.org/presentationml/2006/main">
+<file path=ppt/tags/tag19.xml><?xml version="1.0" encoding="utf-8"?>
+<p:tagLst xmlns:a="http://schemas.openxmlformats.org/drawingml/2006/main" xmlns:r="http://schemas.openxmlformats.org/officeDocument/2006/relationships" xmlns:p="http://schemas.openxmlformats.org/presentationml/2006/main">
   <p:tag name="KSO_WM_SLIDE_ID" val="custom20205081_1"/>
   <p:tag name="KSO_WM_TEMPLATE_SUBCATEGORY" val="19"/>
   <p:tag name="KSO_WM_TEMPLATE_MASTER_TYPE" val="0"/>
@@ -5168,21 +5113,45 @@
 </p:tagLst>
 </file>
 
-<file path=ppt/tags/tag7.xml><?xml version="1.0" encoding="utf-8"?>
-<p:tagLst xmlns:p="http://schemas.openxmlformats.org/presentationml/2006/main">
+<file path=ppt/tags/tag2.xml><?xml version="1.0" encoding="utf-8"?>
+<p:tagLst xmlns:a="http://schemas.openxmlformats.org/drawingml/2006/main" xmlns:r="http://schemas.openxmlformats.org/officeDocument/2006/relationships" xmlns:p="http://schemas.openxmlformats.org/presentationml/2006/main">
   <p:tag name="KSO_WM_UNIT_HIGHLIGHT" val="0"/>
   <p:tag name="KSO_WM_UNIT_COMPATIBLE" val="0"/>
   <p:tag name="KSO_WM_UNIT_DIAGRAM_ISNUMVISUAL" val="0"/>
   <p:tag name="KSO_WM_UNIT_DIAGRAM_ISREFERUNIT" val="0"/>
-  <p:tag name="KSO_WM_UNIT_ID" val="_2**"/>
+  <p:tag name="KSO_WM_UNIT_ID" val="_8**"/>
   <p:tag name="KSO_WM_UNIT_LAYERLEVEL" val="1"/>
   <p:tag name="KSO_WM_TAG_VERSION" val="1.0"/>
   <p:tag name="KSO_WM_BEAUTIFY_FLAG" val="#wm#"/>
 </p:tagLst>
 </file>
 
-<file path=ppt/tags/tag70.xml><?xml version="1.0" encoding="utf-8"?>
-<p:tagLst xmlns:p="http://schemas.openxmlformats.org/presentationml/2006/main">
+<file path=ppt/tags/tag20.xml><?xml version="1.0" encoding="utf-8"?>
+<p:tagLst xmlns:a="http://schemas.openxmlformats.org/drawingml/2006/main" xmlns:r="http://schemas.openxmlformats.org/officeDocument/2006/relationships" xmlns:p="http://schemas.openxmlformats.org/presentationml/2006/main">
+  <p:tag name="KSO_WM_BEAUTIFY_FLAG" val=""/>
+</p:tagLst>
+</file>
+
+<file path=ppt/tags/tag21.xml><?xml version="1.0" encoding="utf-8"?>
+<p:tagLst xmlns:a="http://schemas.openxmlformats.org/drawingml/2006/main" xmlns:r="http://schemas.openxmlformats.org/officeDocument/2006/relationships" xmlns:p="http://schemas.openxmlformats.org/presentationml/2006/main">
+  <p:tag name="KSO_WM_BEAUTIFY_FLAG" val=""/>
+</p:tagLst>
+</file>
+
+<file path=ppt/tags/tag22.xml><?xml version="1.0" encoding="utf-8"?>
+<p:tagLst xmlns:a="http://schemas.openxmlformats.org/drawingml/2006/main" xmlns:r="http://schemas.openxmlformats.org/officeDocument/2006/relationships" xmlns:p="http://schemas.openxmlformats.org/presentationml/2006/main">
+  <p:tag name="KSO_WM_BEAUTIFY_FLAG" val=""/>
+</p:tagLst>
+</file>
+
+<file path=ppt/tags/tag23.xml><?xml version="1.0" encoding="utf-8"?>
+<p:tagLst xmlns:a="http://schemas.openxmlformats.org/drawingml/2006/main" xmlns:r="http://schemas.openxmlformats.org/officeDocument/2006/relationships" xmlns:p="http://schemas.openxmlformats.org/presentationml/2006/main">
+  <p:tag name="KSO_WM_BEAUTIFY_FLAG" val=""/>
+</p:tagLst>
+</file>
+
+<file path=ppt/tags/tag24.xml><?xml version="1.0" encoding="utf-8"?>
+<p:tagLst xmlns:a="http://schemas.openxmlformats.org/drawingml/2006/main" xmlns:r="http://schemas.openxmlformats.org/officeDocument/2006/relationships" xmlns:p="http://schemas.openxmlformats.org/presentationml/2006/main">
   <p:tag name="KSO_WM_SLIDE_ID" val="custom20205081_1"/>
   <p:tag name="KSO_WM_TEMPLATE_SUBCATEGORY" val="19"/>
   <p:tag name="KSO_WM_TEMPLATE_MASTER_TYPE" val="0"/>
@@ -5202,19 +5171,78 @@
 </p:tagLst>
 </file>
 
-<file path=ppt/tags/tag71.xml><?xml version="1.0" encoding="utf-8"?>
-<p:tagLst xmlns:p="http://schemas.openxmlformats.org/presentationml/2006/main">
-  <p:tag name="commondata" val="eyJoZGlkIjoiMWM4MmVkOTA1MjFjYzMwZWNmZGFhODliZDBjZWU4YWMifQ=="/>
+<file path=ppt/tags/tag3.xml><?xml version="1.0" encoding="utf-8"?>
+<p:tagLst xmlns:a="http://schemas.openxmlformats.org/drawingml/2006/main" xmlns:r="http://schemas.openxmlformats.org/officeDocument/2006/relationships" xmlns:p="http://schemas.openxmlformats.org/presentationml/2006/main">
+  <p:tag name="KSO_WM_UNIT_HIGHLIGHT" val="0"/>
+  <p:tag name="KSO_WM_UNIT_COMPATIBLE" val="0"/>
+  <p:tag name="KSO_WM_UNIT_DIAGRAM_ISNUMVISUAL" val="0"/>
+  <p:tag name="KSO_WM_UNIT_DIAGRAM_ISREFERUNIT" val="0"/>
+  <p:tag name="KSO_WM_UNIT_ID" val="_8**"/>
+  <p:tag name="KSO_WM_UNIT_LAYERLEVEL" val="1"/>
+  <p:tag name="KSO_WM_TAG_VERSION" val="1.0"/>
+  <p:tag name="KSO_WM_BEAUTIFY_FLAG" val="#wm#"/>
+</p:tagLst>
+</file>
+
+<file path=ppt/tags/tag4.xml><?xml version="1.0" encoding="utf-8"?>
+<p:tagLst xmlns:a="http://schemas.openxmlformats.org/drawingml/2006/main" xmlns:r="http://schemas.openxmlformats.org/officeDocument/2006/relationships" xmlns:p="http://schemas.openxmlformats.org/presentationml/2006/main">
+  <p:tag name="KSO_WM_UNIT_HIGHLIGHT" val="0"/>
+  <p:tag name="KSO_WM_UNIT_COMPATIBLE" val="0"/>
+  <p:tag name="KSO_WM_UNIT_DIAGRAM_ISNUMVISUAL" val="0"/>
+  <p:tag name="KSO_WM_UNIT_DIAGRAM_ISREFERUNIT" val="0"/>
+  <p:tag name="KSO_WM_UNIT_ID" val="_8**"/>
+  <p:tag name="KSO_WM_UNIT_LAYERLEVEL" val="1"/>
+  <p:tag name="KSO_WM_TAG_VERSION" val="1.0"/>
+  <p:tag name="KSO_WM_BEAUTIFY_FLAG" val="#wm#"/>
+</p:tagLst>
+</file>
+
+<file path=ppt/tags/tag5.xml><?xml version="1.0" encoding="utf-8"?>
+<p:tagLst xmlns:a="http://schemas.openxmlformats.org/drawingml/2006/main" xmlns:r="http://schemas.openxmlformats.org/officeDocument/2006/relationships" xmlns:p="http://schemas.openxmlformats.org/presentationml/2006/main">
+  <p:tag name="KSO_WM_UNIT_HIGHLIGHT" val="0"/>
+  <p:tag name="KSO_WM_UNIT_COMPATIBLE" val="0"/>
+  <p:tag name="KSO_WM_UNIT_DIAGRAM_ISNUMVISUAL" val="0"/>
+  <p:tag name="KSO_WM_UNIT_DIAGRAM_ISREFERUNIT" val="0"/>
+  <p:tag name="KSO_WM_UNIT_ID" val="_8**"/>
+  <p:tag name="KSO_WM_UNIT_LAYERLEVEL" val="1"/>
+  <p:tag name="KSO_WM_TAG_VERSION" val="1.0"/>
+  <p:tag name="KSO_WM_BEAUTIFY_FLAG" val="#wm#"/>
+</p:tagLst>
+</file>
+
+<file path=ppt/tags/tag6.xml><?xml version="1.0" encoding="utf-8"?>
+<p:tagLst xmlns:a="http://schemas.openxmlformats.org/drawingml/2006/main" xmlns:r="http://schemas.openxmlformats.org/officeDocument/2006/relationships" xmlns:p="http://schemas.openxmlformats.org/presentationml/2006/main">
+  <p:tag name="KSO_WM_UNIT_HIGHLIGHT" val="0"/>
+  <p:tag name="KSO_WM_UNIT_COMPATIBLE" val="0"/>
+  <p:tag name="KSO_WM_UNIT_DIAGRAM_ISNUMVISUAL" val="0"/>
+  <p:tag name="KSO_WM_UNIT_DIAGRAM_ISREFERUNIT" val="0"/>
+  <p:tag name="KSO_WM_UNIT_ID" val="_8**"/>
+  <p:tag name="KSO_WM_UNIT_LAYERLEVEL" val="1"/>
+  <p:tag name="KSO_WM_TAG_VERSION" val="1.0"/>
+  <p:tag name="KSO_WM_BEAUTIFY_FLAG" val="#wm#"/>
+</p:tagLst>
+</file>
+
+<file path=ppt/tags/tag7.xml><?xml version="1.0" encoding="utf-8"?>
+<p:tagLst xmlns:a="http://schemas.openxmlformats.org/drawingml/2006/main" xmlns:r="http://schemas.openxmlformats.org/officeDocument/2006/relationships" xmlns:p="http://schemas.openxmlformats.org/presentationml/2006/main">
+  <p:tag name="KSO_WM_UNIT_HIGHLIGHT" val="0"/>
+  <p:tag name="KSO_WM_UNIT_COMPATIBLE" val="0"/>
+  <p:tag name="KSO_WM_UNIT_DIAGRAM_ISNUMVISUAL" val="0"/>
+  <p:tag name="KSO_WM_UNIT_DIAGRAM_ISREFERUNIT" val="0"/>
+  <p:tag name="KSO_WM_UNIT_ID" val="_8**"/>
+  <p:tag name="KSO_WM_UNIT_LAYERLEVEL" val="1"/>
+  <p:tag name="KSO_WM_TAG_VERSION" val="1.0"/>
+  <p:tag name="KSO_WM_BEAUTIFY_FLAG" val="#wm#"/>
 </p:tagLst>
 </file>
 
 <file path=ppt/tags/tag8.xml><?xml version="1.0" encoding="utf-8"?>
-<p:tagLst xmlns:p="http://schemas.openxmlformats.org/presentationml/2006/main">
+<p:tagLst xmlns:a="http://schemas.openxmlformats.org/drawingml/2006/main" xmlns:r="http://schemas.openxmlformats.org/officeDocument/2006/relationships" xmlns:p="http://schemas.openxmlformats.org/presentationml/2006/main">
   <p:tag name="KSO_WM_UNIT_HIGHLIGHT" val="0"/>
   <p:tag name="KSO_WM_UNIT_COMPATIBLE" val="0"/>
   <p:tag name="KSO_WM_UNIT_DIAGRAM_ISNUMVISUAL" val="0"/>
   <p:tag name="KSO_WM_UNIT_DIAGRAM_ISREFERUNIT" val="0"/>
-  <p:tag name="KSO_WM_UNIT_ID" val="_2**"/>
+  <p:tag name="KSO_WM_UNIT_ID" val="_10**"/>
   <p:tag name="KSO_WM_UNIT_LAYERLEVEL" val="1"/>
   <p:tag name="KSO_WM_TAG_VERSION" val="1.0"/>
   <p:tag name="KSO_WM_BEAUTIFY_FLAG" val="#wm#"/>
@@ -5222,12 +5250,12 @@
 </file>
 
 <file path=ppt/tags/tag9.xml><?xml version="1.0" encoding="utf-8"?>
-<p:tagLst xmlns:p="http://schemas.openxmlformats.org/presentationml/2006/main">
+<p:tagLst xmlns:a="http://schemas.openxmlformats.org/drawingml/2006/main" xmlns:r="http://schemas.openxmlformats.org/officeDocument/2006/relationships" xmlns:p="http://schemas.openxmlformats.org/presentationml/2006/main">
   <p:tag name="KSO_WM_UNIT_HIGHLIGHT" val="0"/>
   <p:tag name="KSO_WM_UNIT_COMPATIBLE" val="0"/>
   <p:tag name="KSO_WM_UNIT_DIAGRAM_ISNUMVISUAL" val="0"/>
   <p:tag name="KSO_WM_UNIT_DIAGRAM_ISREFERUNIT" val="0"/>
-  <p:tag name="KSO_WM_UNIT_ID" val="_2**"/>
+  <p:tag name="KSO_WM_UNIT_ID" val="_10**"/>
   <p:tag name="KSO_WM_UNIT_LAYERLEVEL" val="1"/>
   <p:tag name="KSO_WM_TAG_VERSION" val="1.0"/>
   <p:tag name="KSO_WM_BEAUTIFY_FLAG" val="#wm#"/>
@@ -5235,9 +5263,9 @@
 </file>
 
 <file path=ppt/theme/theme1.xml><?xml version="1.0" encoding="utf-8"?>
-<a:theme xmlns:a="http://schemas.openxmlformats.org/drawingml/2006/main" name="WPS">
+<a:theme xmlns:a="http://schemas.openxmlformats.org/drawingml/2006/main" name="Office Theme">
   <a:themeElements>
-    <a:clrScheme name="WPS">
+    <a:clrScheme name="Office 主题​​">
       <a:dk1>
         <a:sysClr val="windowText" lastClr="000000"/>
       </a:dk1>
@@ -5251,76 +5279,162 @@
         <a:srgbClr val="E7E6E6"/>
       </a:lt2>
       <a:accent1>
-        <a:srgbClr val="4874CB"/>
+        <a:srgbClr val="4472C4"/>
       </a:accent1>
       <a:accent2>
-        <a:srgbClr val="EE822F"/>
+        <a:srgbClr val="ED7D31"/>
       </a:accent2>
       <a:accent3>
-        <a:srgbClr val="F2BA02"/>
+        <a:srgbClr val="A5A5A5"/>
       </a:accent3>
       <a:accent4>
-        <a:srgbClr val="75BD42"/>
+        <a:srgbClr val="FFC000"/>
       </a:accent4>
       <a:accent5>
-        <a:srgbClr val="30C0B4"/>
+        <a:srgbClr val="5B9BD5"/>
       </a:accent5>
       <a:accent6>
-        <a:srgbClr val="E54C5E"/>
+        <a:srgbClr val="70AD47"/>
       </a:accent6>
       <a:hlink>
-        <a:srgbClr val="0026E5"/>
+        <a:srgbClr val="0563C1"/>
       </a:hlink>
       <a:folHlink>
-        <a:srgbClr val="7E1FAD"/>
+        <a:srgbClr val="954F72"/>
       </a:folHlink>
     </a:clrScheme>
-    <a:fontScheme name="WPS">
+    <a:fontScheme name="Office 主题​​">
       <a:majorFont>
-        <a:latin typeface="Arial"/>
-        <a:ea typeface="微软雅黑"/>
+        <a:latin typeface="Calibri Light" panose="020F0302020204030204"/>
+        <a:ea typeface=""/>
         <a:cs typeface=""/>
+        <a:font script="Jpan" typeface="游ゴシック Light"/>
+        <a:font script="Hang" typeface="맑은 고딕"/>
+        <a:font script="Hans" typeface="等线 Light"/>
+        <a:font script="Hant" typeface="新細明體"/>
+        <a:font script="Arab" typeface="Times New Roman"/>
+        <a:font script="Hebr" typeface="Times New Roman"/>
+        <a:font script="Thai" typeface="Angsana New"/>
+        <a:font script="Ethi" typeface="Nyala"/>
+        <a:font script="Beng" typeface="Vrinda"/>
+        <a:font script="Gujr" typeface="Shruti"/>
+        <a:font script="Khmr" typeface="MoolBoran"/>
+        <a:font script="Knda" typeface="Tunga"/>
+        <a:font script="Guru" typeface="Raavi"/>
+        <a:font script="Cans" typeface="Euphemia"/>
+        <a:font script="Cher" typeface="Plantagenet Cherokee"/>
+        <a:font script="Yiii" typeface="Microsoft Yi Baiti"/>
+        <a:font script="Tibt" typeface="Microsoft Himalaya"/>
+        <a:font script="Thaa" typeface="MV Boli"/>
+        <a:font script="Deva" typeface="Mangal"/>
+        <a:font script="Telu" typeface="Gautami"/>
+        <a:font script="Taml" typeface="Latha"/>
+        <a:font script="Syrc" typeface="Estrangelo Edessa"/>
+        <a:font script="Orya" typeface="Kalinga"/>
+        <a:font script="Mlym" typeface="Kartika"/>
+        <a:font script="Laoo" typeface="DokChampa"/>
+        <a:font script="Sinh" typeface="Iskoola Pota"/>
+        <a:font script="Mong" typeface="Mongolian Baiti"/>
+        <a:font script="Viet" typeface="Times New Roman"/>
+        <a:font script="Uigh" typeface="Microsoft Uighur"/>
+        <a:font script="Geor" typeface="Sylfaen"/>
       </a:majorFont>
       <a:minorFont>
-        <a:latin typeface="Arial"/>
-        <a:ea typeface="微软雅黑"/>
+        <a:latin typeface="Calibri" panose="020F0502020204030204"/>
+        <a:ea typeface=""/>
         <a:cs typeface=""/>
+        <a:font script="Jpan" typeface="游ゴシック"/>
+        <a:font script="Hang" typeface="맑은 고딕"/>
+        <a:font script="Hans" typeface="等线"/>
+        <a:font script="Hant" typeface="新細明體"/>
+        <a:font script="Arab" typeface="Arial"/>
+        <a:font script="Hebr" typeface="Arial"/>
+        <a:font script="Thai" typeface="Cordia New"/>
+        <a:font script="Ethi" typeface="Nyala"/>
+        <a:font script="Beng" typeface="Vrinda"/>
+        <a:font script="Gujr" typeface="Shruti"/>
+        <a:font script="Khmr" typeface="DaunPenh"/>
+        <a:font script="Knda" typeface="Tunga"/>
+        <a:font script="Guru" typeface="Raavi"/>
+        <a:font script="Cans" typeface="Euphemia"/>
+        <a:font script="Cher" typeface="Plantagenet Cherokee"/>
+        <a:font script="Yiii" typeface="Microsoft Yi Baiti"/>
+        <a:font script="Tibt" typeface="Microsoft Himalaya"/>
+        <a:font script="Thaa" typeface="MV Boli"/>
+        <a:font script="Deva" typeface="Mangal"/>
+        <a:font script="Telu" typeface="Gautami"/>
+        <a:font script="Taml" typeface="Latha"/>
+        <a:font script="Syrc" typeface="Estrangelo Edessa"/>
+        <a:font script="Orya" typeface="Kalinga"/>
+        <a:font script="Mlym" typeface="Kartika"/>
+        <a:font script="Laoo" typeface="DokChampa"/>
+        <a:font script="Sinh" typeface="Iskoola Pota"/>
+        <a:font script="Mong" typeface="Mongolian Baiti"/>
+        <a:font script="Viet" typeface="Arial"/>
+        <a:font script="Uigh" typeface="Microsoft Uighur"/>
+        <a:font script="Geor" typeface="Sylfaen"/>
       </a:minorFont>
     </a:fontScheme>
-    <a:fmtScheme name="WPS">
+    <a:fmtScheme name="Office 主题​​">
       <a:fillStyleLst>
         <a:solidFill>
           <a:schemeClr val="phClr"/>
         </a:solidFill>
-        <a:gradFill>
+        <a:gradFill rotWithShape="1">
           <a:gsLst>
             <a:gs pos="0">
               <a:schemeClr val="phClr">
-                <a:lumOff val="17500"/>
+                <a:lumMod val="110000"/>
+                <a:satMod val="105000"/>
+                <a:tint val="67000"/>
+              </a:schemeClr>
+            </a:gs>
+            <a:gs pos="50000">
+              <a:schemeClr val="phClr">
+                <a:lumMod val="105000"/>
+                <a:satMod val="103000"/>
+                <a:tint val="73000"/>
               </a:schemeClr>
             </a:gs>
             <a:gs pos="100000">
-              <a:schemeClr val="phClr"/>
+              <a:schemeClr val="phClr">
+                <a:lumMod val="105000"/>
+                <a:satMod val="109000"/>
+                <a:tint val="81000"/>
+              </a:schemeClr>
             </a:gs>
           </a:gsLst>
-          <a:lin ang="2700000" scaled="0"/>
+          <a:lin ang="5400000" scaled="0"/>
         </a:gradFill>
-        <a:gradFill>
+        <a:gradFill rotWithShape="1">
           <a:gsLst>
             <a:gs pos="0">
               <a:schemeClr val="phClr">
-                <a:hueOff val="-2520000"/>
+                <a:satMod val="103000"/>
+                <a:lumMod val="102000"/>
+                <a:tint val="94000"/>
+              </a:schemeClr>
+            </a:gs>
+            <a:gs pos="50000">
+              <a:schemeClr val="phClr">
+                <a:satMod val="110000"/>
+                <a:lumMod val="100000"/>
+                <a:shade val="100000"/>
               </a:schemeClr>
             </a:gs>
             <a:gs pos="100000">
-              <a:schemeClr val="phClr"/>
+              <a:schemeClr val="phClr">
+                <a:lumMod val="99000"/>
+                <a:satMod val="120000"/>
+                <a:shade val="78000"/>
+              </a:schemeClr>
             </a:gs>
           </a:gsLst>
-          <a:lin ang="2700000" scaled="0"/>
+          <a:lin ang="5400000" scaled="0"/>
         </a:gradFill>
       </a:fillStyleLst>
       <a:lnStyleLst>
-        <a:ln w="12700" cap="flat" cmpd="sng" algn="ctr">
+        <a:ln w="6350" cap="flat" cmpd="sng" algn="ctr">
           <a:solidFill>
             <a:schemeClr val="phClr"/>
           </a:solidFill>
@@ -5334,38 +5448,20 @@
           <a:prstDash val="solid"/>
           <a:miter lim="800000"/>
         </a:ln>
-        <a:ln w="12700" cap="flat" cmpd="sng" algn="ctr">
-          <a:gradFill>
-            <a:gsLst>
-              <a:gs pos="0">
-                <a:schemeClr val="phClr">
-                  <a:hueOff val="-4200000"/>
-                </a:schemeClr>
-              </a:gs>
-              <a:gs pos="100000">
-                <a:schemeClr val="phClr"/>
-              </a:gs>
-            </a:gsLst>
-            <a:lin ang="2700000" scaled="1"/>
-          </a:gradFill>
+        <a:ln w="19050" cap="flat" cmpd="sng" algn="ctr">
+          <a:solidFill>
+            <a:schemeClr val="phClr"/>
+          </a:solidFill>
           <a:prstDash val="solid"/>
           <a:miter lim="800000"/>
         </a:ln>
       </a:lnStyleLst>
       <a:effectStyleLst>
         <a:effectStyle>
-          <a:effectLst>
-            <a:outerShdw blurRad="101600" dist="50800" dir="5400000" algn="ctr" rotWithShape="0">
-              <a:schemeClr val="phClr">
-                <a:alpha val="60000"/>
-              </a:schemeClr>
-            </a:outerShdw>
-          </a:effectLst>
+          <a:effectLst/>
         </a:effectStyle>
         <a:effectStyle>
-          <a:effectLst>
-            <a:reflection stA="50000" endA="300" endPos="40000" dist="25400" dir="5400000" sy="-100000" algn="bl" rotWithShape="0"/>
-          </a:effectLst>
+          <a:effectLst/>
         </a:effectStyle>
         <a:effectStyle>
           <a:effectLst>
@@ -5417,9 +5513,11 @@
       </a:bgFillStyleLst>
     </a:fmtScheme>
   </a:themeElements>
+  <a:objectDefaults/>
+  <a:extraClrSchemeLst/>
   <a:extLst>
     <a:ext uri="{05A4C25C-085E-4340-85A3-A5531E510DB2}">
-      <thm15:themeFamily xmlns:thm15="http://schemas.microsoft.com/office/thememl/2012/main" name="Office Theme" id="{62F939B6-93AF-4DB8-9C6B-D6C7DFDC589F}" vid="{4A3C46E8-61CC-4603-A589-7422A47A8E4A}"/>
+      <thm15:themeFamily xmlns:thm15="http://schemas.microsoft.com/office/thememl/2012/main" name="Office Theme" id="{62F939B6-93AF-4DB8-9C6B-D6C7DFDC589F}" vid="{4F46216B-77A9-411A-B9D3-5023FCB70208}"/>
     </a:ext>
   </a:extLst>
 </a:theme>
